--- a/cover.pptx
+++ b/cover.pptx
@@ -5,7 +5,7 @@
     <p:sldMasterId id="2147483659" r:id="rId1"/>
   </p:sldMasterIdLst>
   <p:notesMasterIdLst>
-    <p:notesMasterId r:id="rId13"/>
+    <p:notesMasterId r:id="rId26"/>
   </p:notesMasterIdLst>
   <p:sldIdLst>
     <p:sldId id="308" r:id="rId2"/>
@@ -17,8 +17,21 @@
     <p:sldId id="314" r:id="rId8"/>
     <p:sldId id="316" r:id="rId9"/>
     <p:sldId id="317" r:id="rId10"/>
-    <p:sldId id="304" r:id="rId11"/>
-    <p:sldId id="315" r:id="rId12"/>
+    <p:sldId id="318" r:id="rId11"/>
+    <p:sldId id="319" r:id="rId12"/>
+    <p:sldId id="320" r:id="rId13"/>
+    <p:sldId id="304" r:id="rId14"/>
+    <p:sldId id="315" r:id="rId15"/>
+    <p:sldId id="321" r:id="rId16"/>
+    <p:sldId id="322" r:id="rId17"/>
+    <p:sldId id="323" r:id="rId18"/>
+    <p:sldId id="324" r:id="rId19"/>
+    <p:sldId id="325" r:id="rId20"/>
+    <p:sldId id="326" r:id="rId21"/>
+    <p:sldId id="327" r:id="rId22"/>
+    <p:sldId id="328" r:id="rId23"/>
+    <p:sldId id="330" r:id="rId24"/>
+    <p:sldId id="331" r:id="rId25"/>
   </p:sldIdLst>
   <p:sldSz cx="24742775" cy="13716000"/>
   <p:notesSz cx="6858000" cy="9144000"/>
@@ -238,8 +251,21 @@
             <p14:sldId id="314"/>
             <p14:sldId id="316"/>
             <p14:sldId id="317"/>
+            <p14:sldId id="318"/>
+            <p14:sldId id="319"/>
+            <p14:sldId id="320"/>
             <p14:sldId id="304"/>
             <p14:sldId id="315"/>
+            <p14:sldId id="321"/>
+            <p14:sldId id="322"/>
+            <p14:sldId id="323"/>
+            <p14:sldId id="324"/>
+            <p14:sldId id="325"/>
+            <p14:sldId id="326"/>
+            <p14:sldId id="327"/>
+            <p14:sldId id="328"/>
+            <p14:sldId id="330"/>
+            <p14:sldId id="331"/>
           </p14:sldIdLst>
         </p14:section>
         <p14:section name="Раздел без заголовка" id="{F03BB59A-273A-4306-BA96-E51F876B3C44}">
@@ -6612,6 +6638,20 @@
 <file path=ppt/slides/slide10.xml><?xml version="1.0" encoding="utf-8"?>
 <p:sld xmlns:a="http://schemas.openxmlformats.org/drawingml/2006/main" xmlns:r="http://schemas.openxmlformats.org/officeDocument/2006/relationships" xmlns:p="http://schemas.openxmlformats.org/presentationml/2006/main">
   <p:cSld>
+    <p:bg>
+      <p:bgPr>
+        <a:blipFill dpi="0" rotWithShape="1">
+          <a:blip r:embed="rId2">
+            <a:lum/>
+          </a:blip>
+          <a:srcRect/>
+          <a:stretch>
+            <a:fillRect t="-1000" b="-1000"/>
+          </a:stretch>
+        </a:blipFill>
+        <a:effectLst/>
+      </p:bgPr>
+    </p:bg>
     <p:spTree>
       <p:nvGrpSpPr>
         <p:cNvPr id="1" name=""/>
@@ -6628,12 +6668,43 @@
       </p:grpSpPr>
       <p:sp>
         <p:nvSpPr>
-          <p:cNvPr id="2" name="Заголовок 1"/>
+          <p:cNvPr id="2" name="Подзаголовок 1"/>
           <p:cNvSpPr>
             <a:spLocks noGrp="1"/>
           </p:cNvSpPr>
           <p:nvPr>
-            <p:ph type="title"/>
+            <p:ph type="subTitle" idx="1"/>
+          </p:nvPr>
+        </p:nvSpPr>
+        <p:spPr>
+          <a:xfrm>
+            <a:off x="843437" y="8204076"/>
+            <a:ext cx="23055913" cy="2686371"/>
+          </a:xfrm>
+        </p:spPr>
+        <p:txBody>
+          <a:bodyPr/>
+          <a:lstStyle/>
+          <a:p>
+            <a:r>
+              <a:rPr lang="ru-RU" dirty="0">
+                <a:solidFill>
+                  <a:schemeClr val="accent4"/>
+                </a:solidFill>
+              </a:rPr>
+              <a:t>Общеинженерная подготовка</a:t>
+            </a:r>
+          </a:p>
+        </p:txBody>
+      </p:sp>
+      <p:sp>
+        <p:nvSpPr>
+          <p:cNvPr id="3" name="Заголовок 2"/>
+          <p:cNvSpPr>
+            <a:spLocks noGrp="1"/>
+          </p:cNvSpPr>
+          <p:nvPr>
+            <p:ph type="ctrTitle"/>
           </p:nvPr>
         </p:nvSpPr>
         <p:spPr/>
@@ -6642,700 +6713,41 @@
           <a:lstStyle/>
           <a:p>
             <a:r>
-              <a:rPr lang="ru-RU" dirty="0"/>
-              <a:t>КОНТАКТЫ</a:t>
+              <a:rPr lang="ru-RU" sz="8000" dirty="0"/>
+              <a:t>Установка инструментов</a:t>
             </a:r>
-          </a:p>
-        </p:txBody>
-      </p:sp>
-      <p:sp>
-        <p:nvSpPr>
-          <p:cNvPr id="3" name="Текст 2"/>
-          <p:cNvSpPr>
-            <a:spLocks noGrp="1"/>
-          </p:cNvSpPr>
-          <p:nvPr>
-            <p:ph type="body" idx="1"/>
-          </p:nvPr>
-        </p:nvSpPr>
-        <p:spPr>
-          <a:xfrm>
-            <a:off x="949350" y="7722096"/>
-            <a:ext cx="5317067" cy="2952328"/>
-          </a:xfrm>
-        </p:spPr>
-        <p:txBody>
-          <a:bodyPr/>
-          <a:lstStyle/>
-          <a:p>
-            <a:pPr lvl="0">
-              <a:spcAft>
-                <a:spcPts val="0"/>
-              </a:spcAft>
-              <a:buClr>
-                <a:srgbClr val="525252"/>
-              </a:buClr>
-            </a:pPr>
+            <a:br>
+              <a:rPr lang="ru-RU" sz="8000" dirty="0"/>
+            </a:br>
             <a:r>
-              <a:rPr lang="ru-RU" dirty="0">
-                <a:solidFill>
-                  <a:srgbClr val="525252"/>
-                </a:solidFill>
-                <a:latin typeface="Arial Black"/>
-              </a:rPr>
-              <a:t>Иван Потылицын</a:t>
-            </a:r>
-          </a:p>
-          <a:p>
-            <a:pPr lvl="0">
-              <a:spcAft>
-                <a:spcPts val="0"/>
-              </a:spcAft>
-              <a:buClr>
-                <a:srgbClr val="525252"/>
-              </a:buClr>
-            </a:pPr>
-            <a:r>
-              <a:rPr lang="ru-RU" dirty="0">
-                <a:solidFill>
-                  <a:srgbClr val="525252"/>
-                </a:solidFill>
-              </a:rPr>
-              <a:t>старший </a:t>
+              <a:rPr lang="en-US" sz="8000" dirty="0"/>
+              <a:t>Python</a:t>
             </a:r>
             <a:r>
-              <a:rPr lang="ru-RU" dirty="0"/>
-              <a:t>преподаватель, </a:t>
+              <a:rPr lang="ru-RU" sz="8000" dirty="0"/>
+              <a:t>, </a:t>
             </a:r>
             <a:r>
-              <a:rPr lang="ru-RU" dirty="0">
-                <a:solidFill>
-                  <a:srgbClr val="525252"/>
-                </a:solidFill>
-              </a:rPr>
-              <a:t>инженер 2-й категории</a:t>
+              <a:rPr lang="en-US" sz="8000" dirty="0"/>
+              <a:t>pip, VS Code</a:t>
             </a:r>
-            <a:endParaRPr lang="ru-RU" dirty="0"/>
-          </a:p>
-          <a:p>
-            <a:pPr lvl="0">
-              <a:spcAft>
-                <a:spcPts val="0"/>
-              </a:spcAft>
-              <a:buClr>
-                <a:srgbClr val="525252"/>
-              </a:buClr>
-            </a:pPr>
-            <a:endParaRPr lang="ru-RU" dirty="0"/>
-          </a:p>
-        </p:txBody>
-      </p:sp>
-      <p:sp>
-        <p:nvSpPr>
-          <p:cNvPr id="8" name="Текст 5">
-            <a:extLst>
-              <a:ext uri="{FF2B5EF4-FFF2-40B4-BE49-F238E27FC236}">
-                <a16:creationId xmlns:a16="http://schemas.microsoft.com/office/drawing/2014/main" id="{C7433E0F-528E-884E-84CE-EFDD34F434E6}"/>
-              </a:ext>
-            </a:extLst>
-          </p:cNvPr>
-          <p:cNvSpPr txBox="1">
-            <a:spLocks/>
-          </p:cNvSpPr>
-          <p:nvPr/>
-        </p:nvSpPr>
-        <p:spPr>
-          <a:xfrm>
-            <a:off x="6603503" y="7671601"/>
-            <a:ext cx="5317067" cy="8187399"/>
-          </a:xfrm>
-          <a:prstGeom prst="rect">
-            <a:avLst/>
-          </a:prstGeom>
-        </p:spPr>
-        <p:txBody>
-          <a:bodyPr lIns="91425" tIns="91425" rIns="91425" bIns="91425" anchor="t" anchorCtr="0"/>
-          <a:lstStyle>
-            <a:defPPr marR="0" algn="l" rtl="0">
-              <a:lnSpc>
-                <a:spcPct val="100000"/>
-              </a:lnSpc>
-              <a:spcBef>
-                <a:spcPts val="0"/>
-              </a:spcBef>
-              <a:spcAft>
-                <a:spcPts val="0"/>
-              </a:spcAft>
-            </a:defPPr>
-            <a:lvl1pPr marR="0" algn="l" rtl="0">
-              <a:lnSpc>
-                <a:spcPct val="100000"/>
-              </a:lnSpc>
-              <a:spcBef>
-                <a:spcPts val="0"/>
-              </a:spcBef>
-              <a:spcAft>
-                <a:spcPts val="1600"/>
-              </a:spcAft>
-              <a:buClr>
-                <a:schemeClr val="dk2"/>
-              </a:buClr>
-              <a:buSzPct val="100000"/>
-              <a:buNone/>
-              <a:defRPr sz="3200" b="0" i="0" u="none" strike="noStrike" cap="none" spc="-5" baseline="0" dirty="0">
-                <a:solidFill>
-                  <a:schemeClr val="dk2"/>
-                </a:solidFill>
-                <a:latin typeface="+mn-lt"/>
-                <a:ea typeface="Arial"/>
-                <a:cs typeface="Arial"/>
-                <a:sym typeface="Arial"/>
-              </a:defRPr>
-            </a:lvl1pPr>
-            <a:lvl2pPr marR="0" algn="l" rtl="0">
-              <a:lnSpc>
-                <a:spcPct val="115000"/>
-              </a:lnSpc>
-              <a:spcBef>
-                <a:spcPts val="0"/>
-              </a:spcBef>
-              <a:spcAft>
-                <a:spcPts val="1600"/>
-              </a:spcAft>
-              <a:buClr>
-                <a:schemeClr val="dk2"/>
-              </a:buClr>
-              <a:buNone/>
-              <a:defRPr sz="3733" b="0" i="0" u="none" strike="noStrike" cap="none" baseline="0">
-                <a:solidFill>
-                  <a:schemeClr val="dk2"/>
-                </a:solidFill>
-                <a:latin typeface="Arial"/>
-                <a:ea typeface="Arial"/>
-                <a:cs typeface="Arial"/>
-                <a:sym typeface="Arial"/>
-              </a:defRPr>
-            </a:lvl2pPr>
-            <a:lvl3pPr marR="0" algn="l" rtl="0">
-              <a:lnSpc>
-                <a:spcPct val="115000"/>
-              </a:lnSpc>
-              <a:spcBef>
-                <a:spcPts val="0"/>
-              </a:spcBef>
-              <a:spcAft>
-                <a:spcPts val="1600"/>
-              </a:spcAft>
-              <a:buClr>
-                <a:schemeClr val="dk2"/>
-              </a:buClr>
-              <a:buNone/>
-              <a:defRPr sz="3733" b="0" i="0" u="none" strike="noStrike" cap="none" baseline="0">
-                <a:solidFill>
-                  <a:schemeClr val="dk2"/>
-                </a:solidFill>
-                <a:latin typeface="Arial"/>
-                <a:ea typeface="Arial"/>
-                <a:cs typeface="Arial"/>
-                <a:sym typeface="Arial"/>
-              </a:defRPr>
-            </a:lvl3pPr>
-            <a:lvl4pPr marR="0" algn="l" rtl="0">
-              <a:lnSpc>
-                <a:spcPct val="115000"/>
-              </a:lnSpc>
-              <a:spcBef>
-                <a:spcPts val="0"/>
-              </a:spcBef>
-              <a:spcAft>
-                <a:spcPts val="1600"/>
-              </a:spcAft>
-              <a:buClr>
-                <a:schemeClr val="dk2"/>
-              </a:buClr>
-              <a:buNone/>
-              <a:defRPr sz="3733" b="0" i="0" u="none" strike="noStrike" cap="none" baseline="0">
-                <a:solidFill>
-                  <a:schemeClr val="dk2"/>
-                </a:solidFill>
-                <a:latin typeface="Arial"/>
-                <a:ea typeface="Arial"/>
-                <a:cs typeface="Arial"/>
-                <a:sym typeface="Arial"/>
-              </a:defRPr>
-            </a:lvl4pPr>
-            <a:lvl5pPr marR="0" algn="l" rtl="0">
-              <a:lnSpc>
-                <a:spcPct val="115000"/>
-              </a:lnSpc>
-              <a:spcBef>
-                <a:spcPts val="0"/>
-              </a:spcBef>
-              <a:spcAft>
-                <a:spcPts val="1600"/>
-              </a:spcAft>
-              <a:buClr>
-                <a:schemeClr val="dk2"/>
-              </a:buClr>
-              <a:buNone/>
-              <a:defRPr sz="3733" b="0" i="0" u="none" strike="noStrike" cap="none" baseline="0">
-                <a:solidFill>
-                  <a:schemeClr val="dk2"/>
-                </a:solidFill>
-                <a:latin typeface="Arial"/>
-                <a:ea typeface="Arial"/>
-                <a:cs typeface="Arial"/>
-                <a:sym typeface="Arial"/>
-              </a:defRPr>
-            </a:lvl5pPr>
-            <a:lvl6pPr marR="0" algn="l" rtl="0">
-              <a:lnSpc>
-                <a:spcPct val="115000"/>
-              </a:lnSpc>
-              <a:spcBef>
-                <a:spcPts val="0"/>
-              </a:spcBef>
-              <a:spcAft>
-                <a:spcPts val="1600"/>
-              </a:spcAft>
-              <a:buClr>
-                <a:schemeClr val="dk2"/>
-              </a:buClr>
-              <a:buNone/>
-              <a:defRPr sz="3733" b="0" i="0" u="none" strike="noStrike" cap="none" baseline="0">
-                <a:solidFill>
-                  <a:schemeClr val="dk2"/>
-                </a:solidFill>
-                <a:latin typeface="Arial"/>
-                <a:ea typeface="Arial"/>
-                <a:cs typeface="Arial"/>
-                <a:sym typeface="Arial"/>
-              </a:defRPr>
-            </a:lvl6pPr>
-            <a:lvl7pPr marR="0" algn="l" rtl="0">
-              <a:lnSpc>
-                <a:spcPct val="115000"/>
-              </a:lnSpc>
-              <a:spcBef>
-                <a:spcPts val="0"/>
-              </a:spcBef>
-              <a:spcAft>
-                <a:spcPts val="1600"/>
-              </a:spcAft>
-              <a:buClr>
-                <a:schemeClr val="dk2"/>
-              </a:buClr>
-              <a:buNone/>
-              <a:defRPr sz="3733" b="0" i="0" u="none" strike="noStrike" cap="none" baseline="0">
-                <a:solidFill>
-                  <a:schemeClr val="dk2"/>
-                </a:solidFill>
-                <a:latin typeface="Arial"/>
-                <a:ea typeface="Arial"/>
-                <a:cs typeface="Arial"/>
-                <a:sym typeface="Arial"/>
-              </a:defRPr>
-            </a:lvl7pPr>
-            <a:lvl8pPr marR="0" algn="l" rtl="0">
-              <a:lnSpc>
-                <a:spcPct val="115000"/>
-              </a:lnSpc>
-              <a:spcBef>
-                <a:spcPts val="0"/>
-              </a:spcBef>
-              <a:spcAft>
-                <a:spcPts val="1600"/>
-              </a:spcAft>
-              <a:buClr>
-                <a:schemeClr val="dk2"/>
-              </a:buClr>
-              <a:buNone/>
-              <a:defRPr sz="3733" b="0" i="0" u="none" strike="noStrike" cap="none" baseline="0">
-                <a:solidFill>
-                  <a:schemeClr val="dk2"/>
-                </a:solidFill>
-                <a:latin typeface="Arial"/>
-                <a:ea typeface="Arial"/>
-                <a:cs typeface="Arial"/>
-                <a:sym typeface="Arial"/>
-              </a:defRPr>
-            </a:lvl8pPr>
-            <a:lvl9pPr marR="0" algn="l" rtl="0">
-              <a:lnSpc>
-                <a:spcPct val="115000"/>
-              </a:lnSpc>
-              <a:spcBef>
-                <a:spcPts val="0"/>
-              </a:spcBef>
-              <a:spcAft>
-                <a:spcPts val="1600"/>
-              </a:spcAft>
-              <a:buClr>
-                <a:schemeClr val="dk2"/>
-              </a:buClr>
-              <a:buNone/>
-              <a:defRPr sz="3733" b="0" i="0" u="none" strike="noStrike" cap="none" baseline="0">
-                <a:solidFill>
-                  <a:schemeClr val="dk2"/>
-                </a:solidFill>
-                <a:latin typeface="Arial"/>
-                <a:ea typeface="Arial"/>
-                <a:cs typeface="Arial"/>
-                <a:sym typeface="Arial"/>
-              </a:defRPr>
-            </a:lvl9pPr>
-          </a:lstStyle>
-          <a:p>
-            <a:r>
-              <a:rPr lang="ru-RU" dirty="0"/>
-              <a:t>телефон, </a:t>
-            </a:r>
-            <a:r>
-              <a:rPr lang="ru-RU" dirty="0" err="1"/>
-              <a:t>телеграм</a:t>
-            </a:r>
-            <a:endParaRPr lang="ru-RU" dirty="0"/>
-          </a:p>
-          <a:p>
-            <a:r>
-              <a:rPr lang="en-US" dirty="0"/>
-              <a:t>E-mail</a:t>
-            </a:r>
-          </a:p>
-          <a:p>
-            <a:endParaRPr lang="ru-RU" dirty="0"/>
-          </a:p>
-          <a:p>
-            <a:endParaRPr lang="ru-RU" dirty="0"/>
-          </a:p>
-          <a:p>
-            <a:endParaRPr lang="ru-RU" dirty="0"/>
-          </a:p>
-        </p:txBody>
-      </p:sp>
-      <p:sp>
-        <p:nvSpPr>
-          <p:cNvPr id="9" name="Текст 4">
-            <a:extLst>
-              <a:ext uri="{FF2B5EF4-FFF2-40B4-BE49-F238E27FC236}">
-                <a16:creationId xmlns:a16="http://schemas.microsoft.com/office/drawing/2014/main" id="{48458159-C055-2944-BB69-32175CB30D79}"/>
-              </a:ext>
-            </a:extLst>
-          </p:cNvPr>
-          <p:cNvSpPr txBox="1">
-            <a:spLocks/>
-          </p:cNvSpPr>
-          <p:nvPr/>
-        </p:nvSpPr>
-        <p:spPr>
-          <a:xfrm>
-            <a:off x="12275675" y="7671601"/>
-            <a:ext cx="5801742" cy="8187399"/>
-          </a:xfrm>
-          <a:prstGeom prst="rect">
-            <a:avLst/>
-          </a:prstGeom>
-        </p:spPr>
-        <p:txBody>
-          <a:bodyPr lIns="91425" tIns="91425" rIns="91425" bIns="91425" anchor="t" anchorCtr="0"/>
-          <a:lstStyle>
-            <a:defPPr marR="0" algn="l" rtl="0">
-              <a:lnSpc>
-                <a:spcPct val="100000"/>
-              </a:lnSpc>
-              <a:spcBef>
-                <a:spcPts val="0"/>
-              </a:spcBef>
-              <a:spcAft>
-                <a:spcPts val="0"/>
-              </a:spcAft>
-            </a:defPPr>
-            <a:lvl1pPr marR="0" algn="l" rtl="0">
-              <a:lnSpc>
-                <a:spcPct val="100000"/>
-              </a:lnSpc>
-              <a:spcBef>
-                <a:spcPts val="0"/>
-              </a:spcBef>
-              <a:spcAft>
-                <a:spcPts val="1600"/>
-              </a:spcAft>
-              <a:buClr>
-                <a:schemeClr val="dk2"/>
-              </a:buClr>
-              <a:buSzPct val="100000"/>
-              <a:buNone/>
-              <a:defRPr sz="3200" b="0" i="0" u="none" strike="noStrike" cap="none" spc="-5" baseline="0" dirty="0">
-                <a:solidFill>
-                  <a:schemeClr val="dk2"/>
-                </a:solidFill>
-                <a:latin typeface="+mn-lt"/>
-                <a:ea typeface="Arial"/>
-                <a:cs typeface="Arial"/>
-                <a:sym typeface="Arial"/>
-              </a:defRPr>
-            </a:lvl1pPr>
-            <a:lvl2pPr marR="0" algn="l" rtl="0">
-              <a:lnSpc>
-                <a:spcPct val="115000"/>
-              </a:lnSpc>
-              <a:spcBef>
-                <a:spcPts val="0"/>
-              </a:spcBef>
-              <a:spcAft>
-                <a:spcPts val="1600"/>
-              </a:spcAft>
-              <a:buClr>
-                <a:schemeClr val="dk2"/>
-              </a:buClr>
-              <a:buNone/>
-              <a:defRPr sz="3733" b="0" i="0" u="none" strike="noStrike" cap="none" baseline="0">
-                <a:solidFill>
-                  <a:schemeClr val="dk2"/>
-                </a:solidFill>
-                <a:latin typeface="Arial"/>
-                <a:ea typeface="Arial"/>
-                <a:cs typeface="Arial"/>
-                <a:sym typeface="Arial"/>
-              </a:defRPr>
-            </a:lvl2pPr>
-            <a:lvl3pPr marR="0" algn="l" rtl="0">
-              <a:lnSpc>
-                <a:spcPct val="115000"/>
-              </a:lnSpc>
-              <a:spcBef>
-                <a:spcPts val="0"/>
-              </a:spcBef>
-              <a:spcAft>
-                <a:spcPts val="1600"/>
-              </a:spcAft>
-              <a:buClr>
-                <a:schemeClr val="dk2"/>
-              </a:buClr>
-              <a:buNone/>
-              <a:defRPr sz="3733" b="0" i="0" u="none" strike="noStrike" cap="none" baseline="0">
-                <a:solidFill>
-                  <a:schemeClr val="dk2"/>
-                </a:solidFill>
-                <a:latin typeface="Arial"/>
-                <a:ea typeface="Arial"/>
-                <a:cs typeface="Arial"/>
-                <a:sym typeface="Arial"/>
-              </a:defRPr>
-            </a:lvl3pPr>
-            <a:lvl4pPr marR="0" algn="l" rtl="0">
-              <a:lnSpc>
-                <a:spcPct val="115000"/>
-              </a:lnSpc>
-              <a:spcBef>
-                <a:spcPts val="0"/>
-              </a:spcBef>
-              <a:spcAft>
-                <a:spcPts val="1600"/>
-              </a:spcAft>
-              <a:buClr>
-                <a:schemeClr val="dk2"/>
-              </a:buClr>
-              <a:buNone/>
-              <a:defRPr sz="3733" b="0" i="0" u="none" strike="noStrike" cap="none" baseline="0">
-                <a:solidFill>
-                  <a:schemeClr val="dk2"/>
-                </a:solidFill>
-                <a:latin typeface="Arial"/>
-                <a:ea typeface="Arial"/>
-                <a:cs typeface="Arial"/>
-                <a:sym typeface="Arial"/>
-              </a:defRPr>
-            </a:lvl4pPr>
-            <a:lvl5pPr marR="0" algn="l" rtl="0">
-              <a:lnSpc>
-                <a:spcPct val="115000"/>
-              </a:lnSpc>
-              <a:spcBef>
-                <a:spcPts val="0"/>
-              </a:spcBef>
-              <a:spcAft>
-                <a:spcPts val="1600"/>
-              </a:spcAft>
-              <a:buClr>
-                <a:schemeClr val="dk2"/>
-              </a:buClr>
-              <a:buNone/>
-              <a:defRPr sz="3733" b="0" i="0" u="none" strike="noStrike" cap="none" baseline="0">
-                <a:solidFill>
-                  <a:schemeClr val="dk2"/>
-                </a:solidFill>
-                <a:latin typeface="Arial"/>
-                <a:ea typeface="Arial"/>
-                <a:cs typeface="Arial"/>
-                <a:sym typeface="Arial"/>
-              </a:defRPr>
-            </a:lvl5pPr>
-            <a:lvl6pPr marR="0" algn="l" rtl="0">
-              <a:lnSpc>
-                <a:spcPct val="115000"/>
-              </a:lnSpc>
-              <a:spcBef>
-                <a:spcPts val="0"/>
-              </a:spcBef>
-              <a:spcAft>
-                <a:spcPts val="1600"/>
-              </a:spcAft>
-              <a:buClr>
-                <a:schemeClr val="dk2"/>
-              </a:buClr>
-              <a:buNone/>
-              <a:defRPr sz="3733" b="0" i="0" u="none" strike="noStrike" cap="none" baseline="0">
-                <a:solidFill>
-                  <a:schemeClr val="dk2"/>
-                </a:solidFill>
-                <a:latin typeface="Arial"/>
-                <a:ea typeface="Arial"/>
-                <a:cs typeface="Arial"/>
-                <a:sym typeface="Arial"/>
-              </a:defRPr>
-            </a:lvl6pPr>
-            <a:lvl7pPr marR="0" algn="l" rtl="0">
-              <a:lnSpc>
-                <a:spcPct val="115000"/>
-              </a:lnSpc>
-              <a:spcBef>
-                <a:spcPts val="0"/>
-              </a:spcBef>
-              <a:spcAft>
-                <a:spcPts val="1600"/>
-              </a:spcAft>
-              <a:buClr>
-                <a:schemeClr val="dk2"/>
-              </a:buClr>
-              <a:buNone/>
-              <a:defRPr sz="3733" b="0" i="0" u="none" strike="noStrike" cap="none" baseline="0">
-                <a:solidFill>
-                  <a:schemeClr val="dk2"/>
-                </a:solidFill>
-                <a:latin typeface="Arial"/>
-                <a:ea typeface="Arial"/>
-                <a:cs typeface="Arial"/>
-                <a:sym typeface="Arial"/>
-              </a:defRPr>
-            </a:lvl7pPr>
-            <a:lvl8pPr marR="0" algn="l" rtl="0">
-              <a:lnSpc>
-                <a:spcPct val="115000"/>
-              </a:lnSpc>
-              <a:spcBef>
-                <a:spcPts val="0"/>
-              </a:spcBef>
-              <a:spcAft>
-                <a:spcPts val="1600"/>
-              </a:spcAft>
-              <a:buClr>
-                <a:schemeClr val="dk2"/>
-              </a:buClr>
-              <a:buNone/>
-              <a:defRPr sz="3733" b="0" i="0" u="none" strike="noStrike" cap="none" baseline="0">
-                <a:solidFill>
-                  <a:schemeClr val="dk2"/>
-                </a:solidFill>
-                <a:latin typeface="Arial"/>
-                <a:ea typeface="Arial"/>
-                <a:cs typeface="Arial"/>
-                <a:sym typeface="Arial"/>
-              </a:defRPr>
-            </a:lvl8pPr>
-            <a:lvl9pPr marR="0" algn="l" rtl="0">
-              <a:lnSpc>
-                <a:spcPct val="115000"/>
-              </a:lnSpc>
-              <a:spcBef>
-                <a:spcPts val="0"/>
-              </a:spcBef>
-              <a:spcAft>
-                <a:spcPts val="1600"/>
-              </a:spcAft>
-              <a:buClr>
-                <a:schemeClr val="dk2"/>
-              </a:buClr>
-              <a:buNone/>
-              <a:defRPr sz="3733" b="0" i="0" u="none" strike="noStrike" cap="none" baseline="0">
-                <a:solidFill>
-                  <a:schemeClr val="dk2"/>
-                </a:solidFill>
-                <a:latin typeface="Arial"/>
-                <a:ea typeface="Arial"/>
-                <a:cs typeface="Arial"/>
-                <a:sym typeface="Arial"/>
-              </a:defRPr>
-            </a:lvl9pPr>
-          </a:lstStyle>
-          <a:p>
-            <a:r>
-              <a:rPr lang="ru-RU" dirty="0"/>
-              <a:t>+7 (9</a:t>
-            </a:r>
-            <a:r>
-              <a:rPr lang="en-US" dirty="0"/>
-              <a:t>85</a:t>
-            </a:r>
-            <a:r>
-              <a:rPr lang="ru-RU" dirty="0"/>
-              <a:t>) </a:t>
-            </a:r>
-            <a:r>
-              <a:rPr lang="en-US" dirty="0"/>
-              <a:t>963</a:t>
-            </a:r>
-            <a:r>
-              <a:rPr lang="ru-RU" dirty="0"/>
-              <a:t> </a:t>
-            </a:r>
-            <a:r>
-              <a:rPr lang="en-US" dirty="0"/>
-              <a:t>42</a:t>
-            </a:r>
-            <a:r>
-              <a:rPr lang="ru-RU" dirty="0"/>
-              <a:t> </a:t>
-            </a:r>
-            <a:r>
-              <a:rPr lang="en-US" dirty="0"/>
-              <a:t>31</a:t>
-            </a:r>
-            <a:endParaRPr lang="ru-RU" dirty="0"/>
-          </a:p>
-          <a:p>
-            <a:r>
-              <a:rPr lang="en-US" dirty="0">
-                <a:solidFill>
-                  <a:schemeClr val="accent5"/>
-                </a:solidFill>
-              </a:rPr>
-              <a:t>potylitcyn@phystech.edu</a:t>
-            </a:r>
-            <a:endParaRPr lang="ru-RU" dirty="0">
-              <a:solidFill>
-                <a:schemeClr val="accent5"/>
-              </a:solidFill>
-            </a:endParaRPr>
+            <a:br>
+              <a:rPr lang="en-US" sz="8000" dirty="0"/>
+            </a:br>
+            <a:endParaRPr lang="ru-RU" sz="8000" dirty="0"/>
           </a:p>
         </p:txBody>
       </p:sp>
       <p:pic>
         <p:nvPicPr>
-          <p:cNvPr id="16" name="Рисунок 15">
-            <a:extLst>
-              <a:ext uri="{FF2B5EF4-FFF2-40B4-BE49-F238E27FC236}">
-                <a16:creationId xmlns:a16="http://schemas.microsoft.com/office/drawing/2014/main" id="{FBC1EEAE-15F1-FB47-BD37-62C94C9A1106}"/>
-              </a:ext>
-            </a:extLst>
-          </p:cNvPr>
+          <p:cNvPr id="9" name="Рисунок 8"/>
           <p:cNvPicPr>
             <a:picLocks noChangeAspect="1"/>
           </p:cNvPicPr>
           <p:nvPr/>
         </p:nvPicPr>
         <p:blipFill>
-          <a:blip r:embed="rId2">
+          <a:blip r:embed="rId3">
             <a:extLst>
               <a:ext uri="{28A0092B-C50C-407E-A947-70E740481C1C}">
                 <a14:useLocalDpi xmlns:a14="http://schemas.microsoft.com/office/drawing/2010/main" val="0"/>
@@ -7348,8 +6760,8 @@
         </p:blipFill>
         <p:spPr>
           <a:xfrm>
-            <a:off x="22588335" y="449344"/>
-            <a:ext cx="1664372" cy="504000"/>
+            <a:off x="21228371" y="1027996"/>
+            <a:ext cx="2442110" cy="739512"/>
           </a:xfrm>
           <a:prstGeom prst="rect">
             <a:avLst/>
@@ -7358,10 +6770,10 @@
       </p:pic>
       <p:sp>
         <p:nvSpPr>
-          <p:cNvPr id="12" name="Текст 2">
+          <p:cNvPr id="11" name="Текст 4">
             <a:extLst>
               <a:ext uri="{FF2B5EF4-FFF2-40B4-BE49-F238E27FC236}">
-                <a16:creationId xmlns:a16="http://schemas.microsoft.com/office/drawing/2014/main" id="{D417E178-698D-4842-8A60-B1CF83048286}"/>
+                <a16:creationId xmlns:a16="http://schemas.microsoft.com/office/drawing/2014/main" id="{0F7FD6C9-92F9-7240-A4B8-A7EA669E7024}"/>
               </a:ext>
             </a:extLst>
           </p:cNvPr>
@@ -7372,8 +6784,8 @@
         </p:nvSpPr>
         <p:spPr>
           <a:xfrm>
-            <a:off x="949350" y="3905672"/>
-            <a:ext cx="5317067" cy="2952328"/>
+            <a:off x="6634447" y="11682536"/>
+            <a:ext cx="11473880" cy="1440160"/>
           </a:xfrm>
           <a:prstGeom prst="rect">
             <a:avLst/>
@@ -7616,46 +7028,173 @@
             </a:lvl9pPr>
           </a:lstStyle>
           <a:p>
-            <a:pPr>
-              <a:spcAft>
-                <a:spcPts val="0"/>
-              </a:spcAft>
-              <a:buClr>
-                <a:srgbClr val="525252"/>
-              </a:buClr>
-            </a:pPr>
+            <a:pPr algn="ctr"/>
+            <a:r>
+              <a:rPr lang="ru-RU" sz="2400" dirty="0"/>
+              <a:t>© 2020 Иван Потылицын и Анастасия </a:t>
+            </a:r>
+            <a:r>
+              <a:rPr lang="ru-RU" sz="2400" dirty="0" err="1"/>
+              <a:t>Мершавка</a:t>
+            </a:r>
+            <a:br>
+              <a:rPr lang="ru-RU" sz="2400" dirty="0"/>
+            </a:br>
+            <a:r>
+              <a:rPr lang="ru-RU" sz="2400" dirty="0"/>
+              <a:t>Кафедра прикладной механики МФТИ</a:t>
+            </a:r>
+            <a:br>
+              <a:rPr lang="ru-RU" sz="2400" dirty="0"/>
+            </a:br>
+            <a:r>
+              <a:rPr lang="ru-RU" sz="2400" dirty="0"/>
+              <a:t>Физтех-школа аэрокосмических технологий</a:t>
+            </a:r>
+          </a:p>
+        </p:txBody>
+      </p:sp>
+    </p:spTree>
+    <p:extLst>
+      <p:ext uri="{BB962C8B-B14F-4D97-AF65-F5344CB8AC3E}">
+        <p14:creationId xmlns:p14="http://schemas.microsoft.com/office/powerpoint/2010/main" val="1909635858"/>
+      </p:ext>
+    </p:extLst>
+  </p:cSld>
+  <p:clrMapOvr>
+    <a:masterClrMapping/>
+  </p:clrMapOvr>
+</p:sld>
+</file>
+
+<file path=ppt/slides/slide11.xml><?xml version="1.0" encoding="utf-8"?>
+<p:sld xmlns:a="http://schemas.openxmlformats.org/drawingml/2006/main" xmlns:r="http://schemas.openxmlformats.org/officeDocument/2006/relationships" xmlns:p="http://schemas.openxmlformats.org/presentationml/2006/main">
+  <p:cSld>
+    <p:bg>
+      <p:bgPr>
+        <a:blipFill dpi="0" rotWithShape="1">
+          <a:blip r:embed="rId2">
+            <a:lum/>
+          </a:blip>
+          <a:srcRect/>
+          <a:stretch>
+            <a:fillRect t="-1000" b="-1000"/>
+          </a:stretch>
+        </a:blipFill>
+        <a:effectLst/>
+      </p:bgPr>
+    </p:bg>
+    <p:spTree>
+      <p:nvGrpSpPr>
+        <p:cNvPr id="1" name=""/>
+        <p:cNvGrpSpPr/>
+        <p:nvPr/>
+      </p:nvGrpSpPr>
+      <p:grpSpPr>
+        <a:xfrm>
+          <a:off x="0" y="0"/>
+          <a:ext cx="0" cy="0"/>
+          <a:chOff x="0" y="0"/>
+          <a:chExt cx="0" cy="0"/>
+        </a:xfrm>
+      </p:grpSpPr>
+      <p:sp>
+        <p:nvSpPr>
+          <p:cNvPr id="2" name="Подзаголовок 1"/>
+          <p:cNvSpPr>
+            <a:spLocks noGrp="1"/>
+          </p:cNvSpPr>
+          <p:nvPr>
+            <p:ph type="subTitle" idx="1"/>
+          </p:nvPr>
+        </p:nvSpPr>
+        <p:spPr>
+          <a:xfrm>
+            <a:off x="843437" y="8204076"/>
+            <a:ext cx="23055913" cy="2686371"/>
+          </a:xfrm>
+        </p:spPr>
+        <p:txBody>
+          <a:bodyPr/>
+          <a:lstStyle/>
+          <a:p>
             <a:r>
               <a:rPr lang="ru-RU" dirty="0">
                 <a:solidFill>
-                  <a:srgbClr val="525252"/>
-                </a:solidFill>
-                <a:latin typeface="Arial Black"/>
+                  <a:schemeClr val="accent4"/>
+                </a:solidFill>
               </a:rPr>
-              <a:t>Вадим Минкин</a:t>
-            </a:r>
-          </a:p>
-          <a:p>
-            <a:pPr>
-              <a:spcAft>
-                <a:spcPts val="0"/>
-              </a:spcAft>
-              <a:buClr>
-                <a:srgbClr val="525252"/>
-              </a:buClr>
-            </a:pPr>
-            <a:r>
-              <a:rPr lang="ru-RU" dirty="0"/>
-              <a:t>преподаватель</a:t>
+              <a:t>Общеинженерная подготовка</a:t>
             </a:r>
           </a:p>
         </p:txBody>
       </p:sp>
       <p:sp>
         <p:nvSpPr>
-          <p:cNvPr id="13" name="Текст 5">
+          <p:cNvPr id="3" name="Заголовок 2"/>
+          <p:cNvSpPr>
+            <a:spLocks noGrp="1"/>
+          </p:cNvSpPr>
+          <p:nvPr>
+            <p:ph type="ctrTitle"/>
+          </p:nvPr>
+        </p:nvSpPr>
+        <p:spPr/>
+        <p:txBody>
+          <a:bodyPr/>
+          <a:lstStyle/>
+          <a:p>
+            <a:r>
+              <a:rPr lang="ru-RU" sz="8000" dirty="0"/>
+              <a:t>Основы языка </a:t>
+            </a:r>
+            <a:r>
+              <a:rPr lang="en-US" sz="8000" dirty="0"/>
+              <a:t>Python</a:t>
+            </a:r>
+            <a:br>
+              <a:rPr lang="en-US" sz="8000" dirty="0"/>
+            </a:br>
+            <a:endParaRPr lang="ru-RU" sz="8000" dirty="0"/>
+          </a:p>
+        </p:txBody>
+      </p:sp>
+      <p:pic>
+        <p:nvPicPr>
+          <p:cNvPr id="9" name="Рисунок 8"/>
+          <p:cNvPicPr>
+            <a:picLocks noChangeAspect="1"/>
+          </p:cNvPicPr>
+          <p:nvPr/>
+        </p:nvPicPr>
+        <p:blipFill>
+          <a:blip r:embed="rId3">
+            <a:extLst>
+              <a:ext uri="{28A0092B-C50C-407E-A947-70E740481C1C}">
+                <a14:useLocalDpi xmlns:a14="http://schemas.microsoft.com/office/drawing/2010/main" val="0"/>
+              </a:ext>
+            </a:extLst>
+          </a:blip>
+          <a:stretch>
+            <a:fillRect/>
+          </a:stretch>
+        </p:blipFill>
+        <p:spPr>
+          <a:xfrm>
+            <a:off x="21228371" y="1027996"/>
+            <a:ext cx="2442110" cy="739512"/>
+          </a:xfrm>
+          <a:prstGeom prst="rect">
+            <a:avLst/>
+          </a:prstGeom>
+        </p:spPr>
+      </p:pic>
+      <p:sp>
+        <p:nvSpPr>
+          <p:cNvPr id="11" name="Текст 4">
             <a:extLst>
               <a:ext uri="{FF2B5EF4-FFF2-40B4-BE49-F238E27FC236}">
-                <a16:creationId xmlns:a16="http://schemas.microsoft.com/office/drawing/2014/main" id="{C9B72BC6-907C-4B89-B6B1-CE60A8A058D6}"/>
+                <a16:creationId xmlns:a16="http://schemas.microsoft.com/office/drawing/2014/main" id="{0F7FD6C9-92F9-7240-A4B8-A7EA669E7024}"/>
               </a:ext>
             </a:extLst>
           </p:cNvPr>
@@ -7666,275 +7205,417 @@
         </p:nvSpPr>
         <p:spPr>
           <a:xfrm>
-            <a:off x="6603503" y="3855177"/>
-            <a:ext cx="5317067" cy="8187399"/>
+            <a:off x="6634447" y="11682536"/>
+            <a:ext cx="11473880" cy="1440160"/>
+          </a:xfrm>
+          <a:prstGeom prst="rect">
+            <a:avLst/>
+          </a:prstGeom>
+          <a:noFill/>
+          <a:ln>
+            <a:noFill/>
+          </a:ln>
+        </p:spPr>
+        <p:txBody>
+          <a:bodyPr lIns="91425" tIns="91425" rIns="91425" bIns="91425" anchor="t" anchorCtr="0"/>
+          <a:lstStyle>
+            <a:defPPr marR="0" algn="l" rtl="0">
+              <a:lnSpc>
+                <a:spcPct val="100000"/>
+              </a:lnSpc>
+              <a:spcBef>
+                <a:spcPts val="0"/>
+              </a:spcBef>
+              <a:spcAft>
+                <a:spcPts val="0"/>
+              </a:spcAft>
+            </a:defPPr>
+            <a:lvl1pPr marR="0" algn="l" rtl="0">
+              <a:lnSpc>
+                <a:spcPct val="100000"/>
+              </a:lnSpc>
+              <a:spcBef>
+                <a:spcPts val="0"/>
+              </a:spcBef>
+              <a:spcAft>
+                <a:spcPts val="1600"/>
+              </a:spcAft>
+              <a:buClr>
+                <a:schemeClr val="dk2"/>
+              </a:buClr>
+              <a:buSzPct val="100000"/>
+              <a:buNone/>
+              <a:defRPr sz="3200" b="0" i="0" u="none" strike="noStrike" cap="none" spc="-5" baseline="0" dirty="0">
+                <a:solidFill>
+                  <a:schemeClr val="dk2"/>
+                </a:solidFill>
+                <a:latin typeface="+mn-lt"/>
+                <a:ea typeface="Arial"/>
+                <a:cs typeface="Arial"/>
+                <a:sym typeface="Arial"/>
+              </a:defRPr>
+            </a:lvl1pPr>
+            <a:lvl2pPr marR="0" algn="l" rtl="0">
+              <a:lnSpc>
+                <a:spcPct val="115000"/>
+              </a:lnSpc>
+              <a:spcBef>
+                <a:spcPts val="0"/>
+              </a:spcBef>
+              <a:spcAft>
+                <a:spcPts val="1600"/>
+              </a:spcAft>
+              <a:buClr>
+                <a:schemeClr val="dk2"/>
+              </a:buClr>
+              <a:buNone/>
+              <a:defRPr sz="3733" b="0" i="0" u="none" strike="noStrike" cap="none" baseline="0">
+                <a:solidFill>
+                  <a:schemeClr val="dk2"/>
+                </a:solidFill>
+                <a:latin typeface="Arial"/>
+                <a:ea typeface="Arial"/>
+                <a:cs typeface="Arial"/>
+                <a:sym typeface="Arial"/>
+              </a:defRPr>
+            </a:lvl2pPr>
+            <a:lvl3pPr marR="0" algn="l" rtl="0">
+              <a:lnSpc>
+                <a:spcPct val="115000"/>
+              </a:lnSpc>
+              <a:spcBef>
+                <a:spcPts val="0"/>
+              </a:spcBef>
+              <a:spcAft>
+                <a:spcPts val="1600"/>
+              </a:spcAft>
+              <a:buClr>
+                <a:schemeClr val="dk2"/>
+              </a:buClr>
+              <a:buNone/>
+              <a:defRPr sz="3733" b="0" i="0" u="none" strike="noStrike" cap="none" baseline="0">
+                <a:solidFill>
+                  <a:schemeClr val="dk2"/>
+                </a:solidFill>
+                <a:latin typeface="Arial"/>
+                <a:ea typeface="Arial"/>
+                <a:cs typeface="Arial"/>
+                <a:sym typeface="Arial"/>
+              </a:defRPr>
+            </a:lvl3pPr>
+            <a:lvl4pPr marR="0" algn="l" rtl="0">
+              <a:lnSpc>
+                <a:spcPct val="115000"/>
+              </a:lnSpc>
+              <a:spcBef>
+                <a:spcPts val="0"/>
+              </a:spcBef>
+              <a:spcAft>
+                <a:spcPts val="1600"/>
+              </a:spcAft>
+              <a:buClr>
+                <a:schemeClr val="dk2"/>
+              </a:buClr>
+              <a:buNone/>
+              <a:defRPr sz="3733" b="0" i="0" u="none" strike="noStrike" cap="none" baseline="0">
+                <a:solidFill>
+                  <a:schemeClr val="dk2"/>
+                </a:solidFill>
+                <a:latin typeface="Arial"/>
+                <a:ea typeface="Arial"/>
+                <a:cs typeface="Arial"/>
+                <a:sym typeface="Arial"/>
+              </a:defRPr>
+            </a:lvl4pPr>
+            <a:lvl5pPr marR="0" algn="l" rtl="0">
+              <a:lnSpc>
+                <a:spcPct val="115000"/>
+              </a:lnSpc>
+              <a:spcBef>
+                <a:spcPts val="0"/>
+              </a:spcBef>
+              <a:spcAft>
+                <a:spcPts val="1600"/>
+              </a:spcAft>
+              <a:buClr>
+                <a:schemeClr val="dk2"/>
+              </a:buClr>
+              <a:buNone/>
+              <a:defRPr sz="3733" b="0" i="0" u="none" strike="noStrike" cap="none" baseline="0">
+                <a:solidFill>
+                  <a:schemeClr val="dk2"/>
+                </a:solidFill>
+                <a:latin typeface="Arial"/>
+                <a:ea typeface="Arial"/>
+                <a:cs typeface="Arial"/>
+                <a:sym typeface="Arial"/>
+              </a:defRPr>
+            </a:lvl5pPr>
+            <a:lvl6pPr marR="0" algn="l" rtl="0">
+              <a:lnSpc>
+                <a:spcPct val="115000"/>
+              </a:lnSpc>
+              <a:spcBef>
+                <a:spcPts val="0"/>
+              </a:spcBef>
+              <a:spcAft>
+                <a:spcPts val="1600"/>
+              </a:spcAft>
+              <a:buClr>
+                <a:schemeClr val="dk2"/>
+              </a:buClr>
+              <a:buNone/>
+              <a:defRPr sz="3733" b="0" i="0" u="none" strike="noStrike" cap="none" baseline="0">
+                <a:solidFill>
+                  <a:schemeClr val="dk2"/>
+                </a:solidFill>
+                <a:latin typeface="Arial"/>
+                <a:ea typeface="Arial"/>
+                <a:cs typeface="Arial"/>
+                <a:sym typeface="Arial"/>
+              </a:defRPr>
+            </a:lvl6pPr>
+            <a:lvl7pPr marR="0" algn="l" rtl="0">
+              <a:lnSpc>
+                <a:spcPct val="115000"/>
+              </a:lnSpc>
+              <a:spcBef>
+                <a:spcPts val="0"/>
+              </a:spcBef>
+              <a:spcAft>
+                <a:spcPts val="1600"/>
+              </a:spcAft>
+              <a:buClr>
+                <a:schemeClr val="dk2"/>
+              </a:buClr>
+              <a:buNone/>
+              <a:defRPr sz="3733" b="0" i="0" u="none" strike="noStrike" cap="none" baseline="0">
+                <a:solidFill>
+                  <a:schemeClr val="dk2"/>
+                </a:solidFill>
+                <a:latin typeface="Arial"/>
+                <a:ea typeface="Arial"/>
+                <a:cs typeface="Arial"/>
+                <a:sym typeface="Arial"/>
+              </a:defRPr>
+            </a:lvl7pPr>
+            <a:lvl8pPr marR="0" algn="l" rtl="0">
+              <a:lnSpc>
+                <a:spcPct val="115000"/>
+              </a:lnSpc>
+              <a:spcBef>
+                <a:spcPts val="0"/>
+              </a:spcBef>
+              <a:spcAft>
+                <a:spcPts val="1600"/>
+              </a:spcAft>
+              <a:buClr>
+                <a:schemeClr val="dk2"/>
+              </a:buClr>
+              <a:buNone/>
+              <a:defRPr sz="3733" b="0" i="0" u="none" strike="noStrike" cap="none" baseline="0">
+                <a:solidFill>
+                  <a:schemeClr val="dk2"/>
+                </a:solidFill>
+                <a:latin typeface="Arial"/>
+                <a:ea typeface="Arial"/>
+                <a:cs typeface="Arial"/>
+                <a:sym typeface="Arial"/>
+              </a:defRPr>
+            </a:lvl8pPr>
+            <a:lvl9pPr marR="0" algn="l" rtl="0">
+              <a:lnSpc>
+                <a:spcPct val="115000"/>
+              </a:lnSpc>
+              <a:spcBef>
+                <a:spcPts val="0"/>
+              </a:spcBef>
+              <a:spcAft>
+                <a:spcPts val="1600"/>
+              </a:spcAft>
+              <a:buClr>
+                <a:schemeClr val="dk2"/>
+              </a:buClr>
+              <a:buNone/>
+              <a:defRPr sz="3733" b="0" i="0" u="none" strike="noStrike" cap="none" baseline="0">
+                <a:solidFill>
+                  <a:schemeClr val="dk2"/>
+                </a:solidFill>
+                <a:latin typeface="Arial"/>
+                <a:ea typeface="Arial"/>
+                <a:cs typeface="Arial"/>
+                <a:sym typeface="Arial"/>
+              </a:defRPr>
+            </a:lvl9pPr>
+          </a:lstStyle>
+          <a:p>
+            <a:pPr algn="ctr"/>
+            <a:r>
+              <a:rPr lang="ru-RU" sz="2400" dirty="0"/>
+              <a:t>© 2020 Иван Потылицын и Анастасия </a:t>
+            </a:r>
+            <a:r>
+              <a:rPr lang="ru-RU" sz="2400" dirty="0" err="1"/>
+              <a:t>Мершавка</a:t>
+            </a:r>
+            <a:br>
+              <a:rPr lang="ru-RU" sz="2400" dirty="0"/>
+            </a:br>
+            <a:r>
+              <a:rPr lang="ru-RU" sz="2400" dirty="0"/>
+              <a:t>Кафедра прикладной механики МФТИ</a:t>
+            </a:r>
+            <a:br>
+              <a:rPr lang="ru-RU" sz="2400" dirty="0"/>
+            </a:br>
+            <a:r>
+              <a:rPr lang="ru-RU" sz="2400" dirty="0"/>
+              <a:t>Физтех-школа аэрокосмических технологий</a:t>
+            </a:r>
+          </a:p>
+        </p:txBody>
+      </p:sp>
+    </p:spTree>
+    <p:extLst>
+      <p:ext uri="{BB962C8B-B14F-4D97-AF65-F5344CB8AC3E}">
+        <p14:creationId xmlns:p14="http://schemas.microsoft.com/office/powerpoint/2010/main" val="284188959"/>
+      </p:ext>
+    </p:extLst>
+  </p:cSld>
+  <p:clrMapOvr>
+    <a:masterClrMapping/>
+  </p:clrMapOvr>
+</p:sld>
+</file>
+
+<file path=ppt/slides/slide12.xml><?xml version="1.0" encoding="utf-8"?>
+<p:sld xmlns:a="http://schemas.openxmlformats.org/drawingml/2006/main" xmlns:r="http://schemas.openxmlformats.org/officeDocument/2006/relationships" xmlns:p="http://schemas.openxmlformats.org/presentationml/2006/main">
+  <p:cSld>
+    <p:bg>
+      <p:bgPr>
+        <a:blipFill dpi="0" rotWithShape="1">
+          <a:blip r:embed="rId2">
+            <a:lum/>
+          </a:blip>
+          <a:srcRect/>
+          <a:stretch>
+            <a:fillRect t="-1000" b="-1000"/>
+          </a:stretch>
+        </a:blipFill>
+        <a:effectLst/>
+      </p:bgPr>
+    </p:bg>
+    <p:spTree>
+      <p:nvGrpSpPr>
+        <p:cNvPr id="1" name=""/>
+        <p:cNvGrpSpPr/>
+        <p:nvPr/>
+      </p:nvGrpSpPr>
+      <p:grpSpPr>
+        <a:xfrm>
+          <a:off x="0" y="0"/>
+          <a:ext cx="0" cy="0"/>
+          <a:chOff x="0" y="0"/>
+          <a:chExt cx="0" cy="0"/>
+        </a:xfrm>
+      </p:grpSpPr>
+      <p:sp>
+        <p:nvSpPr>
+          <p:cNvPr id="2" name="Подзаголовок 1"/>
+          <p:cNvSpPr>
+            <a:spLocks noGrp="1"/>
+          </p:cNvSpPr>
+          <p:nvPr>
+            <p:ph type="subTitle" idx="1"/>
+          </p:nvPr>
+        </p:nvSpPr>
+        <p:spPr>
+          <a:xfrm>
+            <a:off x="843437" y="8204076"/>
+            <a:ext cx="23055913" cy="2686371"/>
+          </a:xfrm>
+        </p:spPr>
+        <p:txBody>
+          <a:bodyPr/>
+          <a:lstStyle/>
+          <a:p>
+            <a:r>
+              <a:rPr lang="ru-RU" dirty="0">
+                <a:solidFill>
+                  <a:schemeClr val="accent4"/>
+                </a:solidFill>
+              </a:rPr>
+              <a:t>Общеинженерная подготовка</a:t>
+            </a:r>
+          </a:p>
+        </p:txBody>
+      </p:sp>
+      <p:sp>
+        <p:nvSpPr>
+          <p:cNvPr id="3" name="Заголовок 2"/>
+          <p:cNvSpPr>
+            <a:spLocks noGrp="1"/>
+          </p:cNvSpPr>
+          <p:nvPr>
+            <p:ph type="ctrTitle"/>
+          </p:nvPr>
+        </p:nvSpPr>
+        <p:spPr/>
+        <p:txBody>
+          <a:bodyPr/>
+          <a:lstStyle/>
+          <a:p>
+            <a:r>
+              <a:rPr lang="ru-RU" sz="8000" dirty="0"/>
+              <a:t>Задание по </a:t>
+            </a:r>
+            <a:r>
+              <a:rPr lang="en-US" sz="8000" dirty="0"/>
+              <a:t>Python</a:t>
+            </a:r>
+            <a:br>
+              <a:rPr lang="en-US" sz="8000" dirty="0"/>
+            </a:br>
+            <a:endParaRPr lang="ru-RU" sz="8000" dirty="0"/>
+          </a:p>
+        </p:txBody>
+      </p:sp>
+      <p:pic>
+        <p:nvPicPr>
+          <p:cNvPr id="9" name="Рисунок 8"/>
+          <p:cNvPicPr>
+            <a:picLocks noChangeAspect="1"/>
+          </p:cNvPicPr>
+          <p:nvPr/>
+        </p:nvPicPr>
+        <p:blipFill>
+          <a:blip r:embed="rId3">
+            <a:extLst>
+              <a:ext uri="{28A0092B-C50C-407E-A947-70E740481C1C}">
+                <a14:useLocalDpi xmlns:a14="http://schemas.microsoft.com/office/drawing/2010/main" val="0"/>
+              </a:ext>
+            </a:extLst>
+          </a:blip>
+          <a:stretch>
+            <a:fillRect/>
+          </a:stretch>
+        </p:blipFill>
+        <p:spPr>
+          <a:xfrm>
+            <a:off x="21228371" y="1027996"/>
+            <a:ext cx="2442110" cy="739512"/>
           </a:xfrm>
           <a:prstGeom prst="rect">
             <a:avLst/>
           </a:prstGeom>
         </p:spPr>
-        <p:txBody>
-          <a:bodyPr lIns="91425" tIns="91425" rIns="91425" bIns="91425" anchor="t" anchorCtr="0"/>
-          <a:lstStyle>
-            <a:defPPr marR="0" algn="l" rtl="0">
-              <a:lnSpc>
-                <a:spcPct val="100000"/>
-              </a:lnSpc>
-              <a:spcBef>
-                <a:spcPts val="0"/>
-              </a:spcBef>
-              <a:spcAft>
-                <a:spcPts val="0"/>
-              </a:spcAft>
-            </a:defPPr>
-            <a:lvl1pPr marR="0" algn="l" rtl="0">
-              <a:lnSpc>
-                <a:spcPct val="100000"/>
-              </a:lnSpc>
-              <a:spcBef>
-                <a:spcPts val="0"/>
-              </a:spcBef>
-              <a:spcAft>
-                <a:spcPts val="1600"/>
-              </a:spcAft>
-              <a:buClr>
-                <a:schemeClr val="dk2"/>
-              </a:buClr>
-              <a:buSzPct val="100000"/>
-              <a:buNone/>
-              <a:defRPr sz="3200" b="0" i="0" u="none" strike="noStrike" cap="none" spc="-5" baseline="0" dirty="0">
-                <a:solidFill>
-                  <a:schemeClr val="dk2"/>
-                </a:solidFill>
-                <a:latin typeface="+mn-lt"/>
-                <a:ea typeface="Arial"/>
-                <a:cs typeface="Arial"/>
-                <a:sym typeface="Arial"/>
-              </a:defRPr>
-            </a:lvl1pPr>
-            <a:lvl2pPr marR="0" algn="l" rtl="0">
-              <a:lnSpc>
-                <a:spcPct val="115000"/>
-              </a:lnSpc>
-              <a:spcBef>
-                <a:spcPts val="0"/>
-              </a:spcBef>
-              <a:spcAft>
-                <a:spcPts val="1600"/>
-              </a:spcAft>
-              <a:buClr>
-                <a:schemeClr val="dk2"/>
-              </a:buClr>
-              <a:buNone/>
-              <a:defRPr sz="3733" b="0" i="0" u="none" strike="noStrike" cap="none" baseline="0">
-                <a:solidFill>
-                  <a:schemeClr val="dk2"/>
-                </a:solidFill>
-                <a:latin typeface="Arial"/>
-                <a:ea typeface="Arial"/>
-                <a:cs typeface="Arial"/>
-                <a:sym typeface="Arial"/>
-              </a:defRPr>
-            </a:lvl2pPr>
-            <a:lvl3pPr marR="0" algn="l" rtl="0">
-              <a:lnSpc>
-                <a:spcPct val="115000"/>
-              </a:lnSpc>
-              <a:spcBef>
-                <a:spcPts val="0"/>
-              </a:spcBef>
-              <a:spcAft>
-                <a:spcPts val="1600"/>
-              </a:spcAft>
-              <a:buClr>
-                <a:schemeClr val="dk2"/>
-              </a:buClr>
-              <a:buNone/>
-              <a:defRPr sz="3733" b="0" i="0" u="none" strike="noStrike" cap="none" baseline="0">
-                <a:solidFill>
-                  <a:schemeClr val="dk2"/>
-                </a:solidFill>
-                <a:latin typeface="Arial"/>
-                <a:ea typeface="Arial"/>
-                <a:cs typeface="Arial"/>
-                <a:sym typeface="Arial"/>
-              </a:defRPr>
-            </a:lvl3pPr>
-            <a:lvl4pPr marR="0" algn="l" rtl="0">
-              <a:lnSpc>
-                <a:spcPct val="115000"/>
-              </a:lnSpc>
-              <a:spcBef>
-                <a:spcPts val="0"/>
-              </a:spcBef>
-              <a:spcAft>
-                <a:spcPts val="1600"/>
-              </a:spcAft>
-              <a:buClr>
-                <a:schemeClr val="dk2"/>
-              </a:buClr>
-              <a:buNone/>
-              <a:defRPr sz="3733" b="0" i="0" u="none" strike="noStrike" cap="none" baseline="0">
-                <a:solidFill>
-                  <a:schemeClr val="dk2"/>
-                </a:solidFill>
-                <a:latin typeface="Arial"/>
-                <a:ea typeface="Arial"/>
-                <a:cs typeface="Arial"/>
-                <a:sym typeface="Arial"/>
-              </a:defRPr>
-            </a:lvl4pPr>
-            <a:lvl5pPr marR="0" algn="l" rtl="0">
-              <a:lnSpc>
-                <a:spcPct val="115000"/>
-              </a:lnSpc>
-              <a:spcBef>
-                <a:spcPts val="0"/>
-              </a:spcBef>
-              <a:spcAft>
-                <a:spcPts val="1600"/>
-              </a:spcAft>
-              <a:buClr>
-                <a:schemeClr val="dk2"/>
-              </a:buClr>
-              <a:buNone/>
-              <a:defRPr sz="3733" b="0" i="0" u="none" strike="noStrike" cap="none" baseline="0">
-                <a:solidFill>
-                  <a:schemeClr val="dk2"/>
-                </a:solidFill>
-                <a:latin typeface="Arial"/>
-                <a:ea typeface="Arial"/>
-                <a:cs typeface="Arial"/>
-                <a:sym typeface="Arial"/>
-              </a:defRPr>
-            </a:lvl5pPr>
-            <a:lvl6pPr marR="0" algn="l" rtl="0">
-              <a:lnSpc>
-                <a:spcPct val="115000"/>
-              </a:lnSpc>
-              <a:spcBef>
-                <a:spcPts val="0"/>
-              </a:spcBef>
-              <a:spcAft>
-                <a:spcPts val="1600"/>
-              </a:spcAft>
-              <a:buClr>
-                <a:schemeClr val="dk2"/>
-              </a:buClr>
-              <a:buNone/>
-              <a:defRPr sz="3733" b="0" i="0" u="none" strike="noStrike" cap="none" baseline="0">
-                <a:solidFill>
-                  <a:schemeClr val="dk2"/>
-                </a:solidFill>
-                <a:latin typeface="Arial"/>
-                <a:ea typeface="Arial"/>
-                <a:cs typeface="Arial"/>
-                <a:sym typeface="Arial"/>
-              </a:defRPr>
-            </a:lvl6pPr>
-            <a:lvl7pPr marR="0" algn="l" rtl="0">
-              <a:lnSpc>
-                <a:spcPct val="115000"/>
-              </a:lnSpc>
-              <a:spcBef>
-                <a:spcPts val="0"/>
-              </a:spcBef>
-              <a:spcAft>
-                <a:spcPts val="1600"/>
-              </a:spcAft>
-              <a:buClr>
-                <a:schemeClr val="dk2"/>
-              </a:buClr>
-              <a:buNone/>
-              <a:defRPr sz="3733" b="0" i="0" u="none" strike="noStrike" cap="none" baseline="0">
-                <a:solidFill>
-                  <a:schemeClr val="dk2"/>
-                </a:solidFill>
-                <a:latin typeface="Arial"/>
-                <a:ea typeface="Arial"/>
-                <a:cs typeface="Arial"/>
-                <a:sym typeface="Arial"/>
-              </a:defRPr>
-            </a:lvl7pPr>
-            <a:lvl8pPr marR="0" algn="l" rtl="0">
-              <a:lnSpc>
-                <a:spcPct val="115000"/>
-              </a:lnSpc>
-              <a:spcBef>
-                <a:spcPts val="0"/>
-              </a:spcBef>
-              <a:spcAft>
-                <a:spcPts val="1600"/>
-              </a:spcAft>
-              <a:buClr>
-                <a:schemeClr val="dk2"/>
-              </a:buClr>
-              <a:buNone/>
-              <a:defRPr sz="3733" b="0" i="0" u="none" strike="noStrike" cap="none" baseline="0">
-                <a:solidFill>
-                  <a:schemeClr val="dk2"/>
-                </a:solidFill>
-                <a:latin typeface="Arial"/>
-                <a:ea typeface="Arial"/>
-                <a:cs typeface="Arial"/>
-                <a:sym typeface="Arial"/>
-              </a:defRPr>
-            </a:lvl8pPr>
-            <a:lvl9pPr marR="0" algn="l" rtl="0">
-              <a:lnSpc>
-                <a:spcPct val="115000"/>
-              </a:lnSpc>
-              <a:spcBef>
-                <a:spcPts val="0"/>
-              </a:spcBef>
-              <a:spcAft>
-                <a:spcPts val="1600"/>
-              </a:spcAft>
-              <a:buClr>
-                <a:schemeClr val="dk2"/>
-              </a:buClr>
-              <a:buNone/>
-              <a:defRPr sz="3733" b="0" i="0" u="none" strike="noStrike" cap="none" baseline="0">
-                <a:solidFill>
-                  <a:schemeClr val="dk2"/>
-                </a:solidFill>
-                <a:latin typeface="Arial"/>
-                <a:ea typeface="Arial"/>
-                <a:cs typeface="Arial"/>
-                <a:sym typeface="Arial"/>
-              </a:defRPr>
-            </a:lvl9pPr>
-          </a:lstStyle>
-          <a:p>
-            <a:r>
-              <a:rPr lang="ru-RU" dirty="0" err="1"/>
-              <a:t>телеграм</a:t>
-            </a:r>
-            <a:endParaRPr lang="ru-RU" dirty="0"/>
-          </a:p>
-          <a:p>
-            <a:r>
-              <a:rPr lang="en-US" dirty="0"/>
-              <a:t>E-mail</a:t>
-            </a:r>
-          </a:p>
-          <a:p>
-            <a:endParaRPr lang="ru-RU" dirty="0"/>
-          </a:p>
-          <a:p>
-            <a:endParaRPr lang="ru-RU" dirty="0"/>
-          </a:p>
-          <a:p>
-            <a:endParaRPr lang="ru-RU" dirty="0"/>
-          </a:p>
-        </p:txBody>
-      </p:sp>
+      </p:pic>
       <p:sp>
         <p:nvSpPr>
-          <p:cNvPr id="14" name="Текст 4">
+          <p:cNvPr id="11" name="Текст 4">
             <a:extLst>
               <a:ext uri="{FF2B5EF4-FFF2-40B4-BE49-F238E27FC236}">
-                <a16:creationId xmlns:a16="http://schemas.microsoft.com/office/drawing/2014/main" id="{C26CA0EA-A4E9-4F97-BB7A-A41577A90A57}"/>
+                <a16:creationId xmlns:a16="http://schemas.microsoft.com/office/drawing/2014/main" id="{0F7FD6C9-92F9-7240-A4B8-A7EA669E7024}"/>
               </a:ext>
             </a:extLst>
           </p:cNvPr>
@@ -7945,12 +7626,16 @@
         </p:nvSpPr>
         <p:spPr>
           <a:xfrm>
-            <a:off x="12275675" y="3855177"/>
-            <a:ext cx="5801742" cy="8187399"/>
+            <a:off x="6634447" y="11682536"/>
+            <a:ext cx="11473880" cy="1440160"/>
           </a:xfrm>
           <a:prstGeom prst="rect">
             <a:avLst/>
           </a:prstGeom>
+          <a:noFill/>
+          <a:ln>
+            <a:noFill/>
+          </a:ln>
         </p:spPr>
         <p:txBody>
           <a:bodyPr lIns="91425" tIns="91425" rIns="91425" bIns="91425" anchor="t" anchorCtr="0"/>
@@ -8185,321 +7870,36 @@
             </a:lvl9pPr>
           </a:lstStyle>
           <a:p>
+            <a:pPr algn="ctr"/>
             <a:r>
-              <a:rPr lang="en-US" dirty="0">
-                <a:solidFill>
-                  <a:schemeClr val="accent5"/>
-                </a:solidFill>
-              </a:rPr>
-              <a:t>@</a:t>
+              <a:rPr lang="ru-RU" sz="2400" dirty="0"/>
+              <a:t>© 2020 Иван Потылицын и Анастасия </a:t>
             </a:r>
             <a:r>
-              <a:rPr lang="en-US" dirty="0" err="1">
-                <a:solidFill>
-                  <a:schemeClr val="accent5"/>
-                </a:solidFill>
-              </a:rPr>
-              <a:t>vadjuse</a:t>
+              <a:rPr lang="ru-RU" sz="2400" dirty="0" err="1"/>
+              <a:t>Мершавка</a:t>
             </a:r>
-            <a:endParaRPr lang="ru-RU" dirty="0">
-              <a:solidFill>
-                <a:schemeClr val="accent5"/>
-              </a:solidFill>
-            </a:endParaRPr>
-          </a:p>
-          <a:p>
+            <a:br>
+              <a:rPr lang="ru-RU" sz="2400" dirty="0"/>
+            </a:br>
             <a:r>
-              <a:rPr lang="en-US" dirty="0" err="1">
-                <a:solidFill>
-                  <a:schemeClr val="accent5"/>
-                </a:solidFill>
-              </a:rPr>
-              <a:t>minkinvadim@gmail.com</a:t>
+              <a:rPr lang="ru-RU" sz="2400" dirty="0"/>
+              <a:t>Кафедра прикладной механики МФТИ</a:t>
             </a:r>
-            <a:endParaRPr lang="en-US" dirty="0">
-              <a:solidFill>
-                <a:schemeClr val="accent5"/>
-              </a:solidFill>
-            </a:endParaRPr>
-          </a:p>
-        </p:txBody>
-      </p:sp>
-      <p:sp>
-        <p:nvSpPr>
-          <p:cNvPr id="15" name="Текст 4">
-            <a:extLst>
-              <a:ext uri="{FF2B5EF4-FFF2-40B4-BE49-F238E27FC236}">
-                <a16:creationId xmlns:a16="http://schemas.microsoft.com/office/drawing/2014/main" id="{C3E0BD1C-E531-4FA6-87A8-EAAECD61DA1C}"/>
-              </a:ext>
-            </a:extLst>
-          </p:cNvPr>
-          <p:cNvSpPr txBox="1">
-            <a:spLocks/>
-          </p:cNvSpPr>
-          <p:nvPr/>
-        </p:nvSpPr>
-        <p:spPr>
-          <a:xfrm>
-            <a:off x="20364275" y="11970568"/>
-            <a:ext cx="5801742" cy="8187399"/>
-          </a:xfrm>
-          <a:prstGeom prst="rect">
-            <a:avLst/>
-          </a:prstGeom>
-        </p:spPr>
-        <p:txBody>
-          <a:bodyPr lIns="91425" tIns="91425" rIns="91425" bIns="91425" anchor="t" anchorCtr="0"/>
-          <a:lstStyle>
-            <a:defPPr marR="0" algn="l" rtl="0">
-              <a:lnSpc>
-                <a:spcPct val="100000"/>
-              </a:lnSpc>
-              <a:spcBef>
-                <a:spcPts val="0"/>
-              </a:spcBef>
-              <a:spcAft>
-                <a:spcPts val="0"/>
-              </a:spcAft>
-            </a:defPPr>
-            <a:lvl1pPr marR="0" algn="l" rtl="0">
-              <a:lnSpc>
-                <a:spcPct val="100000"/>
-              </a:lnSpc>
-              <a:spcBef>
-                <a:spcPts val="0"/>
-              </a:spcBef>
-              <a:spcAft>
-                <a:spcPts val="1600"/>
-              </a:spcAft>
-              <a:buClr>
-                <a:schemeClr val="dk2"/>
-              </a:buClr>
-              <a:buSzPct val="100000"/>
-              <a:buNone/>
-              <a:defRPr sz="3200" b="0" i="0" u="none" strike="noStrike" cap="none" spc="-5" baseline="0" dirty="0">
-                <a:solidFill>
-                  <a:schemeClr val="dk2"/>
-                </a:solidFill>
-                <a:latin typeface="+mn-lt"/>
-                <a:ea typeface="Arial"/>
-                <a:cs typeface="Arial"/>
-                <a:sym typeface="Arial"/>
-              </a:defRPr>
-            </a:lvl1pPr>
-            <a:lvl2pPr marR="0" algn="l" rtl="0">
-              <a:lnSpc>
-                <a:spcPct val="115000"/>
-              </a:lnSpc>
-              <a:spcBef>
-                <a:spcPts val="0"/>
-              </a:spcBef>
-              <a:spcAft>
-                <a:spcPts val="1600"/>
-              </a:spcAft>
-              <a:buClr>
-                <a:schemeClr val="dk2"/>
-              </a:buClr>
-              <a:buNone/>
-              <a:defRPr sz="3733" b="0" i="0" u="none" strike="noStrike" cap="none" baseline="0">
-                <a:solidFill>
-                  <a:schemeClr val="dk2"/>
-                </a:solidFill>
-                <a:latin typeface="Arial"/>
-                <a:ea typeface="Arial"/>
-                <a:cs typeface="Arial"/>
-                <a:sym typeface="Arial"/>
-              </a:defRPr>
-            </a:lvl2pPr>
-            <a:lvl3pPr marR="0" algn="l" rtl="0">
-              <a:lnSpc>
-                <a:spcPct val="115000"/>
-              </a:lnSpc>
-              <a:spcBef>
-                <a:spcPts val="0"/>
-              </a:spcBef>
-              <a:spcAft>
-                <a:spcPts val="1600"/>
-              </a:spcAft>
-              <a:buClr>
-                <a:schemeClr val="dk2"/>
-              </a:buClr>
-              <a:buNone/>
-              <a:defRPr sz="3733" b="0" i="0" u="none" strike="noStrike" cap="none" baseline="0">
-                <a:solidFill>
-                  <a:schemeClr val="dk2"/>
-                </a:solidFill>
-                <a:latin typeface="Arial"/>
-                <a:ea typeface="Arial"/>
-                <a:cs typeface="Arial"/>
-                <a:sym typeface="Arial"/>
-              </a:defRPr>
-            </a:lvl3pPr>
-            <a:lvl4pPr marR="0" algn="l" rtl="0">
-              <a:lnSpc>
-                <a:spcPct val="115000"/>
-              </a:lnSpc>
-              <a:spcBef>
-                <a:spcPts val="0"/>
-              </a:spcBef>
-              <a:spcAft>
-                <a:spcPts val="1600"/>
-              </a:spcAft>
-              <a:buClr>
-                <a:schemeClr val="dk2"/>
-              </a:buClr>
-              <a:buNone/>
-              <a:defRPr sz="3733" b="0" i="0" u="none" strike="noStrike" cap="none" baseline="0">
-                <a:solidFill>
-                  <a:schemeClr val="dk2"/>
-                </a:solidFill>
-                <a:latin typeface="Arial"/>
-                <a:ea typeface="Arial"/>
-                <a:cs typeface="Arial"/>
-                <a:sym typeface="Arial"/>
-              </a:defRPr>
-            </a:lvl4pPr>
-            <a:lvl5pPr marR="0" algn="l" rtl="0">
-              <a:lnSpc>
-                <a:spcPct val="115000"/>
-              </a:lnSpc>
-              <a:spcBef>
-                <a:spcPts val="0"/>
-              </a:spcBef>
-              <a:spcAft>
-                <a:spcPts val="1600"/>
-              </a:spcAft>
-              <a:buClr>
-                <a:schemeClr val="dk2"/>
-              </a:buClr>
-              <a:buNone/>
-              <a:defRPr sz="3733" b="0" i="0" u="none" strike="noStrike" cap="none" baseline="0">
-                <a:solidFill>
-                  <a:schemeClr val="dk2"/>
-                </a:solidFill>
-                <a:latin typeface="Arial"/>
-                <a:ea typeface="Arial"/>
-                <a:cs typeface="Arial"/>
-                <a:sym typeface="Arial"/>
-              </a:defRPr>
-            </a:lvl5pPr>
-            <a:lvl6pPr marR="0" algn="l" rtl="0">
-              <a:lnSpc>
-                <a:spcPct val="115000"/>
-              </a:lnSpc>
-              <a:spcBef>
-                <a:spcPts val="0"/>
-              </a:spcBef>
-              <a:spcAft>
-                <a:spcPts val="1600"/>
-              </a:spcAft>
-              <a:buClr>
-                <a:schemeClr val="dk2"/>
-              </a:buClr>
-              <a:buNone/>
-              <a:defRPr sz="3733" b="0" i="0" u="none" strike="noStrike" cap="none" baseline="0">
-                <a:solidFill>
-                  <a:schemeClr val="dk2"/>
-                </a:solidFill>
-                <a:latin typeface="Arial"/>
-                <a:ea typeface="Arial"/>
-                <a:cs typeface="Arial"/>
-                <a:sym typeface="Arial"/>
-              </a:defRPr>
-            </a:lvl6pPr>
-            <a:lvl7pPr marR="0" algn="l" rtl="0">
-              <a:lnSpc>
-                <a:spcPct val="115000"/>
-              </a:lnSpc>
-              <a:spcBef>
-                <a:spcPts val="0"/>
-              </a:spcBef>
-              <a:spcAft>
-                <a:spcPts val="1600"/>
-              </a:spcAft>
-              <a:buClr>
-                <a:schemeClr val="dk2"/>
-              </a:buClr>
-              <a:buNone/>
-              <a:defRPr sz="3733" b="0" i="0" u="none" strike="noStrike" cap="none" baseline="0">
-                <a:solidFill>
-                  <a:schemeClr val="dk2"/>
-                </a:solidFill>
-                <a:latin typeface="Arial"/>
-                <a:ea typeface="Arial"/>
-                <a:cs typeface="Arial"/>
-                <a:sym typeface="Arial"/>
-              </a:defRPr>
-            </a:lvl7pPr>
-            <a:lvl8pPr marR="0" algn="l" rtl="0">
-              <a:lnSpc>
-                <a:spcPct val="115000"/>
-              </a:lnSpc>
-              <a:spcBef>
-                <a:spcPts val="0"/>
-              </a:spcBef>
-              <a:spcAft>
-                <a:spcPts val="1600"/>
-              </a:spcAft>
-              <a:buClr>
-                <a:schemeClr val="dk2"/>
-              </a:buClr>
-              <a:buNone/>
-              <a:defRPr sz="3733" b="0" i="0" u="none" strike="noStrike" cap="none" baseline="0">
-                <a:solidFill>
-                  <a:schemeClr val="dk2"/>
-                </a:solidFill>
-                <a:latin typeface="Arial"/>
-                <a:ea typeface="Arial"/>
-                <a:cs typeface="Arial"/>
-                <a:sym typeface="Arial"/>
-              </a:defRPr>
-            </a:lvl8pPr>
-            <a:lvl9pPr marR="0" algn="l" rtl="0">
-              <a:lnSpc>
-                <a:spcPct val="115000"/>
-              </a:lnSpc>
-              <a:spcBef>
-                <a:spcPts val="0"/>
-              </a:spcBef>
-              <a:spcAft>
-                <a:spcPts val="1600"/>
-              </a:spcAft>
-              <a:buClr>
-                <a:schemeClr val="dk2"/>
-              </a:buClr>
-              <a:buNone/>
-              <a:defRPr sz="3733" b="0" i="0" u="none" strike="noStrike" cap="none" baseline="0">
-                <a:solidFill>
-                  <a:schemeClr val="dk2"/>
-                </a:solidFill>
-                <a:latin typeface="Arial"/>
-                <a:ea typeface="Arial"/>
-                <a:cs typeface="Arial"/>
-                <a:sym typeface="Arial"/>
-              </a:defRPr>
-            </a:lvl9pPr>
-          </a:lstStyle>
-          <a:p>
+            <a:br>
+              <a:rPr lang="ru-RU" sz="2400" dirty="0"/>
+            </a:br>
             <a:r>
-              <a:rPr lang="en-US" dirty="0">
-                <a:solidFill>
-                  <a:schemeClr val="accent5"/>
-                </a:solidFill>
-              </a:rPr>
-              <a:t>applmech.mipt.ru</a:t>
+              <a:rPr lang="ru-RU" sz="2400" dirty="0"/>
+              <a:t>Физтех-школа аэрокосмических технологий</a:t>
             </a:r>
-            <a:endParaRPr lang="ru-RU" dirty="0">
-              <a:solidFill>
-                <a:schemeClr val="accent5"/>
-              </a:solidFill>
-            </a:endParaRPr>
           </a:p>
         </p:txBody>
       </p:sp>
     </p:spTree>
     <p:extLst>
       <p:ext uri="{BB962C8B-B14F-4D97-AF65-F5344CB8AC3E}">
-        <p14:creationId xmlns:p14="http://schemas.microsoft.com/office/powerpoint/2010/main" val="385710111"/>
+        <p14:creationId xmlns:p14="http://schemas.microsoft.com/office/powerpoint/2010/main" val="1605712218"/>
       </p:ext>
     </p:extLst>
   </p:cSld>
@@ -8509,7 +7909,7 @@
 </p:sld>
 </file>
 
-<file path=ppt/slides/slide11.xml><?xml version="1.0" encoding="utf-8"?>
+<file path=ppt/slides/slide13.xml><?xml version="1.0" encoding="utf-8"?>
 <p:sld xmlns:a="http://schemas.openxmlformats.org/drawingml/2006/main" xmlns:r="http://schemas.openxmlformats.org/officeDocument/2006/relationships" xmlns:p="http://schemas.openxmlformats.org/presentationml/2006/main">
   <p:cSld>
     <p:spTree>
@@ -9220,42 +8620,6 @@
           </a:p>
         </p:txBody>
       </p:sp>
-      <p:pic>
-        <p:nvPicPr>
-          <p:cNvPr id="16" name="Рисунок 15">
-            <a:extLst>
-              <a:ext uri="{FF2B5EF4-FFF2-40B4-BE49-F238E27FC236}">
-                <a16:creationId xmlns:a16="http://schemas.microsoft.com/office/drawing/2014/main" id="{FBC1EEAE-15F1-FB47-BD37-62C94C9A1106}"/>
-              </a:ext>
-            </a:extLst>
-          </p:cNvPr>
-          <p:cNvPicPr>
-            <a:picLocks noChangeAspect="1"/>
-          </p:cNvPicPr>
-          <p:nvPr/>
-        </p:nvPicPr>
-        <p:blipFill>
-          <a:blip r:embed="rId2">
-            <a:extLst>
-              <a:ext uri="{28A0092B-C50C-407E-A947-70E740481C1C}">
-                <a14:useLocalDpi xmlns:a14="http://schemas.microsoft.com/office/drawing/2010/main" val="0"/>
-              </a:ext>
-            </a:extLst>
-          </a:blip>
-          <a:stretch>
-            <a:fillRect/>
-          </a:stretch>
-        </p:blipFill>
-        <p:spPr>
-          <a:xfrm>
-            <a:off x="22588335" y="449344"/>
-            <a:ext cx="1664372" cy="504000"/>
-          </a:xfrm>
-          <a:prstGeom prst="rect">
-            <a:avLst/>
-          </a:prstGeom>
-        </p:spPr>
-      </p:pic>
       <p:sp>
         <p:nvSpPr>
           <p:cNvPr id="12" name="Текст 2">
@@ -9531,23 +8895,8 @@
                 </a:solidFill>
                 <a:latin typeface="Arial Black"/>
               </a:rPr>
-              <a:t>Анастасия </a:t>
+              <a:t>Вадим Минкин</a:t>
             </a:r>
-            <a:r>
-              <a:rPr lang="ru-RU" dirty="0" err="1">
-                <a:solidFill>
-                  <a:srgbClr val="525252"/>
-                </a:solidFill>
-                <a:latin typeface="Arial Black"/>
-              </a:rPr>
-              <a:t>Мершавка</a:t>
-            </a:r>
-            <a:endParaRPr lang="ru-RU" dirty="0">
-              <a:solidFill>
-                <a:srgbClr val="525252"/>
-              </a:solidFill>
-              <a:latin typeface="Arial Black"/>
-            </a:endParaRPr>
           </a:p>
           <a:p>
             <a:pPr>
@@ -10114,6 +9463,1971 @@
                   <a:schemeClr val="accent5"/>
                 </a:solidFill>
               </a:rPr>
+              <a:t>vadjuse</a:t>
+            </a:r>
+            <a:endParaRPr lang="ru-RU" dirty="0">
+              <a:solidFill>
+                <a:schemeClr val="accent5"/>
+              </a:solidFill>
+            </a:endParaRPr>
+          </a:p>
+          <a:p>
+            <a:r>
+              <a:rPr lang="en-US" dirty="0" err="1">
+                <a:solidFill>
+                  <a:schemeClr val="accent5"/>
+                </a:solidFill>
+              </a:rPr>
+              <a:t>minkinvadim@gmail.com</a:t>
+            </a:r>
+            <a:endParaRPr lang="en-US" dirty="0">
+              <a:solidFill>
+                <a:schemeClr val="accent5"/>
+              </a:solidFill>
+            </a:endParaRPr>
+          </a:p>
+        </p:txBody>
+      </p:sp>
+      <p:pic>
+        <p:nvPicPr>
+          <p:cNvPr id="11" name="Рисунок 10">
+            <a:extLst>
+              <a:ext uri="{FF2B5EF4-FFF2-40B4-BE49-F238E27FC236}">
+                <a16:creationId xmlns:a16="http://schemas.microsoft.com/office/drawing/2014/main" id="{EF05EB55-98C1-5143-BE0C-8A92B277C845}"/>
+              </a:ext>
+            </a:extLst>
+          </p:cNvPr>
+          <p:cNvPicPr>
+            <a:picLocks noChangeAspect="1"/>
+          </p:cNvPicPr>
+          <p:nvPr/>
+        </p:nvPicPr>
+        <p:blipFill>
+          <a:blip r:embed="rId2">
+            <a:extLst>
+              <a:ext uri="{28A0092B-C50C-407E-A947-70E740481C1C}">
+                <a14:useLocalDpi xmlns:a14="http://schemas.microsoft.com/office/drawing/2010/main" val="0"/>
+              </a:ext>
+            </a:extLst>
+          </a:blip>
+          <a:stretch>
+            <a:fillRect/>
+          </a:stretch>
+        </p:blipFill>
+        <p:spPr>
+          <a:xfrm>
+            <a:off x="22195152" y="827269"/>
+            <a:ext cx="1664372" cy="504000"/>
+          </a:xfrm>
+          <a:prstGeom prst="rect">
+            <a:avLst/>
+          </a:prstGeom>
+        </p:spPr>
+      </p:pic>
+      <p:sp>
+        <p:nvSpPr>
+          <p:cNvPr id="17" name="Текст 4">
+            <a:extLst>
+              <a:ext uri="{FF2B5EF4-FFF2-40B4-BE49-F238E27FC236}">
+                <a16:creationId xmlns:a16="http://schemas.microsoft.com/office/drawing/2014/main" id="{B56C6E76-9E71-B440-B5D9-F21BED043897}"/>
+              </a:ext>
+            </a:extLst>
+          </p:cNvPr>
+          <p:cNvSpPr txBox="1">
+            <a:spLocks/>
+          </p:cNvSpPr>
+          <p:nvPr/>
+        </p:nvSpPr>
+        <p:spPr>
+          <a:xfrm>
+            <a:off x="20611205" y="12330608"/>
+            <a:ext cx="5801742" cy="8187399"/>
+          </a:xfrm>
+          <a:prstGeom prst="rect">
+            <a:avLst/>
+          </a:prstGeom>
+        </p:spPr>
+        <p:txBody>
+          <a:bodyPr lIns="91425" tIns="91425" rIns="91425" bIns="91425" anchor="t" anchorCtr="0"/>
+          <a:lstStyle>
+            <a:defPPr marR="0" algn="l" rtl="0">
+              <a:lnSpc>
+                <a:spcPct val="100000"/>
+              </a:lnSpc>
+              <a:spcBef>
+                <a:spcPts val="0"/>
+              </a:spcBef>
+              <a:spcAft>
+                <a:spcPts val="0"/>
+              </a:spcAft>
+            </a:defPPr>
+            <a:lvl1pPr marR="0" algn="l" rtl="0">
+              <a:lnSpc>
+                <a:spcPct val="100000"/>
+              </a:lnSpc>
+              <a:spcBef>
+                <a:spcPts val="0"/>
+              </a:spcBef>
+              <a:spcAft>
+                <a:spcPts val="1600"/>
+              </a:spcAft>
+              <a:buClr>
+                <a:schemeClr val="dk2"/>
+              </a:buClr>
+              <a:buSzPct val="100000"/>
+              <a:buNone/>
+              <a:defRPr sz="3200" b="0" i="0" u="none" strike="noStrike" cap="none" spc="-5" baseline="0" dirty="0">
+                <a:solidFill>
+                  <a:schemeClr val="dk2"/>
+                </a:solidFill>
+                <a:latin typeface="+mn-lt"/>
+                <a:ea typeface="Arial"/>
+                <a:cs typeface="Arial"/>
+                <a:sym typeface="Arial"/>
+              </a:defRPr>
+            </a:lvl1pPr>
+            <a:lvl2pPr marR="0" algn="l" rtl="0">
+              <a:lnSpc>
+                <a:spcPct val="115000"/>
+              </a:lnSpc>
+              <a:spcBef>
+                <a:spcPts val="0"/>
+              </a:spcBef>
+              <a:spcAft>
+                <a:spcPts val="1600"/>
+              </a:spcAft>
+              <a:buClr>
+                <a:schemeClr val="dk2"/>
+              </a:buClr>
+              <a:buNone/>
+              <a:defRPr sz="3733" b="0" i="0" u="none" strike="noStrike" cap="none" baseline="0">
+                <a:solidFill>
+                  <a:schemeClr val="dk2"/>
+                </a:solidFill>
+                <a:latin typeface="Arial"/>
+                <a:ea typeface="Arial"/>
+                <a:cs typeface="Arial"/>
+                <a:sym typeface="Arial"/>
+              </a:defRPr>
+            </a:lvl2pPr>
+            <a:lvl3pPr marR="0" algn="l" rtl="0">
+              <a:lnSpc>
+                <a:spcPct val="115000"/>
+              </a:lnSpc>
+              <a:spcBef>
+                <a:spcPts val="0"/>
+              </a:spcBef>
+              <a:spcAft>
+                <a:spcPts val="1600"/>
+              </a:spcAft>
+              <a:buClr>
+                <a:schemeClr val="dk2"/>
+              </a:buClr>
+              <a:buNone/>
+              <a:defRPr sz="3733" b="0" i="0" u="none" strike="noStrike" cap="none" baseline="0">
+                <a:solidFill>
+                  <a:schemeClr val="dk2"/>
+                </a:solidFill>
+                <a:latin typeface="Arial"/>
+                <a:ea typeface="Arial"/>
+                <a:cs typeface="Arial"/>
+                <a:sym typeface="Arial"/>
+              </a:defRPr>
+            </a:lvl3pPr>
+            <a:lvl4pPr marR="0" algn="l" rtl="0">
+              <a:lnSpc>
+                <a:spcPct val="115000"/>
+              </a:lnSpc>
+              <a:spcBef>
+                <a:spcPts val="0"/>
+              </a:spcBef>
+              <a:spcAft>
+                <a:spcPts val="1600"/>
+              </a:spcAft>
+              <a:buClr>
+                <a:schemeClr val="dk2"/>
+              </a:buClr>
+              <a:buNone/>
+              <a:defRPr sz="3733" b="0" i="0" u="none" strike="noStrike" cap="none" baseline="0">
+                <a:solidFill>
+                  <a:schemeClr val="dk2"/>
+                </a:solidFill>
+                <a:latin typeface="Arial"/>
+                <a:ea typeface="Arial"/>
+                <a:cs typeface="Arial"/>
+                <a:sym typeface="Arial"/>
+              </a:defRPr>
+            </a:lvl4pPr>
+            <a:lvl5pPr marR="0" algn="l" rtl="0">
+              <a:lnSpc>
+                <a:spcPct val="115000"/>
+              </a:lnSpc>
+              <a:spcBef>
+                <a:spcPts val="0"/>
+              </a:spcBef>
+              <a:spcAft>
+                <a:spcPts val="1600"/>
+              </a:spcAft>
+              <a:buClr>
+                <a:schemeClr val="dk2"/>
+              </a:buClr>
+              <a:buNone/>
+              <a:defRPr sz="3733" b="0" i="0" u="none" strike="noStrike" cap="none" baseline="0">
+                <a:solidFill>
+                  <a:schemeClr val="dk2"/>
+                </a:solidFill>
+                <a:latin typeface="Arial"/>
+                <a:ea typeface="Arial"/>
+                <a:cs typeface="Arial"/>
+                <a:sym typeface="Arial"/>
+              </a:defRPr>
+            </a:lvl5pPr>
+            <a:lvl6pPr marR="0" algn="l" rtl="0">
+              <a:lnSpc>
+                <a:spcPct val="115000"/>
+              </a:lnSpc>
+              <a:spcBef>
+                <a:spcPts val="0"/>
+              </a:spcBef>
+              <a:spcAft>
+                <a:spcPts val="1600"/>
+              </a:spcAft>
+              <a:buClr>
+                <a:schemeClr val="dk2"/>
+              </a:buClr>
+              <a:buNone/>
+              <a:defRPr sz="3733" b="0" i="0" u="none" strike="noStrike" cap="none" baseline="0">
+                <a:solidFill>
+                  <a:schemeClr val="dk2"/>
+                </a:solidFill>
+                <a:latin typeface="Arial"/>
+                <a:ea typeface="Arial"/>
+                <a:cs typeface="Arial"/>
+                <a:sym typeface="Arial"/>
+              </a:defRPr>
+            </a:lvl6pPr>
+            <a:lvl7pPr marR="0" algn="l" rtl="0">
+              <a:lnSpc>
+                <a:spcPct val="115000"/>
+              </a:lnSpc>
+              <a:spcBef>
+                <a:spcPts val="0"/>
+              </a:spcBef>
+              <a:spcAft>
+                <a:spcPts val="1600"/>
+              </a:spcAft>
+              <a:buClr>
+                <a:schemeClr val="dk2"/>
+              </a:buClr>
+              <a:buNone/>
+              <a:defRPr sz="3733" b="0" i="0" u="none" strike="noStrike" cap="none" baseline="0">
+                <a:solidFill>
+                  <a:schemeClr val="dk2"/>
+                </a:solidFill>
+                <a:latin typeface="Arial"/>
+                <a:ea typeface="Arial"/>
+                <a:cs typeface="Arial"/>
+                <a:sym typeface="Arial"/>
+              </a:defRPr>
+            </a:lvl7pPr>
+            <a:lvl8pPr marR="0" algn="l" rtl="0">
+              <a:lnSpc>
+                <a:spcPct val="115000"/>
+              </a:lnSpc>
+              <a:spcBef>
+                <a:spcPts val="0"/>
+              </a:spcBef>
+              <a:spcAft>
+                <a:spcPts val="1600"/>
+              </a:spcAft>
+              <a:buClr>
+                <a:schemeClr val="dk2"/>
+              </a:buClr>
+              <a:buNone/>
+              <a:defRPr sz="3733" b="0" i="0" u="none" strike="noStrike" cap="none" baseline="0">
+                <a:solidFill>
+                  <a:schemeClr val="dk2"/>
+                </a:solidFill>
+                <a:latin typeface="Arial"/>
+                <a:ea typeface="Arial"/>
+                <a:cs typeface="Arial"/>
+                <a:sym typeface="Arial"/>
+              </a:defRPr>
+            </a:lvl8pPr>
+            <a:lvl9pPr marR="0" algn="l" rtl="0">
+              <a:lnSpc>
+                <a:spcPct val="115000"/>
+              </a:lnSpc>
+              <a:spcBef>
+                <a:spcPts val="0"/>
+              </a:spcBef>
+              <a:spcAft>
+                <a:spcPts val="1600"/>
+              </a:spcAft>
+              <a:buClr>
+                <a:schemeClr val="dk2"/>
+              </a:buClr>
+              <a:buNone/>
+              <a:defRPr sz="3733" b="0" i="0" u="none" strike="noStrike" cap="none" baseline="0">
+                <a:solidFill>
+                  <a:schemeClr val="dk2"/>
+                </a:solidFill>
+                <a:latin typeface="Arial"/>
+                <a:ea typeface="Arial"/>
+                <a:cs typeface="Arial"/>
+                <a:sym typeface="Arial"/>
+              </a:defRPr>
+            </a:lvl9pPr>
+          </a:lstStyle>
+          <a:p>
+            <a:r>
+              <a:rPr lang="en-US" dirty="0">
+                <a:solidFill>
+                  <a:schemeClr val="accent5"/>
+                </a:solidFill>
+              </a:rPr>
+              <a:t>applmech.mipt.ru</a:t>
+            </a:r>
+            <a:endParaRPr lang="ru-RU" dirty="0">
+              <a:solidFill>
+                <a:schemeClr val="accent5"/>
+              </a:solidFill>
+            </a:endParaRPr>
+          </a:p>
+        </p:txBody>
+      </p:sp>
+    </p:spTree>
+    <p:extLst>
+      <p:ext uri="{BB962C8B-B14F-4D97-AF65-F5344CB8AC3E}">
+        <p14:creationId xmlns:p14="http://schemas.microsoft.com/office/powerpoint/2010/main" val="385710111"/>
+      </p:ext>
+    </p:extLst>
+  </p:cSld>
+  <p:clrMapOvr>
+    <a:masterClrMapping/>
+  </p:clrMapOvr>
+</p:sld>
+</file>
+
+<file path=ppt/slides/slide14.xml><?xml version="1.0" encoding="utf-8"?>
+<p:sld xmlns:a="http://schemas.openxmlformats.org/drawingml/2006/main" xmlns:r="http://schemas.openxmlformats.org/officeDocument/2006/relationships" xmlns:p="http://schemas.openxmlformats.org/presentationml/2006/main">
+  <p:cSld>
+    <p:spTree>
+      <p:nvGrpSpPr>
+        <p:cNvPr id="1" name=""/>
+        <p:cNvGrpSpPr/>
+        <p:nvPr/>
+      </p:nvGrpSpPr>
+      <p:grpSpPr>
+        <a:xfrm>
+          <a:off x="0" y="0"/>
+          <a:ext cx="0" cy="0"/>
+          <a:chOff x="0" y="0"/>
+          <a:chExt cx="0" cy="0"/>
+        </a:xfrm>
+      </p:grpSpPr>
+      <p:sp>
+        <p:nvSpPr>
+          <p:cNvPr id="2" name="Заголовок 1"/>
+          <p:cNvSpPr>
+            <a:spLocks noGrp="1"/>
+          </p:cNvSpPr>
+          <p:nvPr>
+            <p:ph type="title"/>
+          </p:nvPr>
+        </p:nvSpPr>
+        <p:spPr/>
+        <p:txBody>
+          <a:bodyPr/>
+          <a:lstStyle/>
+          <a:p>
+            <a:r>
+              <a:rPr lang="ru-RU" dirty="0"/>
+              <a:t>КОНТАКТЫ</a:t>
+            </a:r>
+          </a:p>
+        </p:txBody>
+      </p:sp>
+      <p:sp>
+        <p:nvSpPr>
+          <p:cNvPr id="3" name="Текст 2"/>
+          <p:cNvSpPr>
+            <a:spLocks noGrp="1"/>
+          </p:cNvSpPr>
+          <p:nvPr>
+            <p:ph type="body" idx="1"/>
+          </p:nvPr>
+        </p:nvSpPr>
+        <p:spPr>
+          <a:xfrm>
+            <a:off x="949350" y="7722096"/>
+            <a:ext cx="5317067" cy="2952328"/>
+          </a:xfrm>
+        </p:spPr>
+        <p:txBody>
+          <a:bodyPr/>
+          <a:lstStyle/>
+          <a:p>
+            <a:pPr lvl="0">
+              <a:spcAft>
+                <a:spcPts val="0"/>
+              </a:spcAft>
+              <a:buClr>
+                <a:srgbClr val="525252"/>
+              </a:buClr>
+            </a:pPr>
+            <a:r>
+              <a:rPr lang="ru-RU" dirty="0">
+                <a:solidFill>
+                  <a:srgbClr val="525252"/>
+                </a:solidFill>
+                <a:latin typeface="Arial Black"/>
+              </a:rPr>
+              <a:t>Иван Потылицын</a:t>
+            </a:r>
+          </a:p>
+          <a:p>
+            <a:pPr lvl="0">
+              <a:spcAft>
+                <a:spcPts val="0"/>
+              </a:spcAft>
+              <a:buClr>
+                <a:srgbClr val="525252"/>
+              </a:buClr>
+            </a:pPr>
+            <a:r>
+              <a:rPr lang="ru-RU" dirty="0">
+                <a:solidFill>
+                  <a:srgbClr val="525252"/>
+                </a:solidFill>
+              </a:rPr>
+              <a:t>старший </a:t>
+            </a:r>
+            <a:r>
+              <a:rPr lang="ru-RU" dirty="0"/>
+              <a:t>преподаватель, </a:t>
+            </a:r>
+            <a:r>
+              <a:rPr lang="ru-RU" dirty="0">
+                <a:solidFill>
+                  <a:srgbClr val="525252"/>
+                </a:solidFill>
+              </a:rPr>
+              <a:t>инженер 2-й категории</a:t>
+            </a:r>
+            <a:endParaRPr lang="ru-RU" dirty="0"/>
+          </a:p>
+          <a:p>
+            <a:pPr lvl="0">
+              <a:spcAft>
+                <a:spcPts val="0"/>
+              </a:spcAft>
+              <a:buClr>
+                <a:srgbClr val="525252"/>
+              </a:buClr>
+            </a:pPr>
+            <a:endParaRPr lang="ru-RU" dirty="0"/>
+          </a:p>
+        </p:txBody>
+      </p:sp>
+      <p:sp>
+        <p:nvSpPr>
+          <p:cNvPr id="8" name="Текст 5">
+            <a:extLst>
+              <a:ext uri="{FF2B5EF4-FFF2-40B4-BE49-F238E27FC236}">
+                <a16:creationId xmlns:a16="http://schemas.microsoft.com/office/drawing/2014/main" id="{C7433E0F-528E-884E-84CE-EFDD34F434E6}"/>
+              </a:ext>
+            </a:extLst>
+          </p:cNvPr>
+          <p:cNvSpPr txBox="1">
+            <a:spLocks/>
+          </p:cNvSpPr>
+          <p:nvPr/>
+        </p:nvSpPr>
+        <p:spPr>
+          <a:xfrm>
+            <a:off x="6603503" y="7671601"/>
+            <a:ext cx="5317067" cy="8187399"/>
+          </a:xfrm>
+          <a:prstGeom prst="rect">
+            <a:avLst/>
+          </a:prstGeom>
+        </p:spPr>
+        <p:txBody>
+          <a:bodyPr lIns="91425" tIns="91425" rIns="91425" bIns="91425" anchor="t" anchorCtr="0"/>
+          <a:lstStyle>
+            <a:defPPr marR="0" algn="l" rtl="0">
+              <a:lnSpc>
+                <a:spcPct val="100000"/>
+              </a:lnSpc>
+              <a:spcBef>
+                <a:spcPts val="0"/>
+              </a:spcBef>
+              <a:spcAft>
+                <a:spcPts val="0"/>
+              </a:spcAft>
+            </a:defPPr>
+            <a:lvl1pPr marR="0" algn="l" rtl="0">
+              <a:lnSpc>
+                <a:spcPct val="100000"/>
+              </a:lnSpc>
+              <a:spcBef>
+                <a:spcPts val="0"/>
+              </a:spcBef>
+              <a:spcAft>
+                <a:spcPts val="1600"/>
+              </a:spcAft>
+              <a:buClr>
+                <a:schemeClr val="dk2"/>
+              </a:buClr>
+              <a:buSzPct val="100000"/>
+              <a:buNone/>
+              <a:defRPr sz="3200" b="0" i="0" u="none" strike="noStrike" cap="none" spc="-5" baseline="0" dirty="0">
+                <a:solidFill>
+                  <a:schemeClr val="dk2"/>
+                </a:solidFill>
+                <a:latin typeface="+mn-lt"/>
+                <a:ea typeface="Arial"/>
+                <a:cs typeface="Arial"/>
+                <a:sym typeface="Arial"/>
+              </a:defRPr>
+            </a:lvl1pPr>
+            <a:lvl2pPr marR="0" algn="l" rtl="0">
+              <a:lnSpc>
+                <a:spcPct val="115000"/>
+              </a:lnSpc>
+              <a:spcBef>
+                <a:spcPts val="0"/>
+              </a:spcBef>
+              <a:spcAft>
+                <a:spcPts val="1600"/>
+              </a:spcAft>
+              <a:buClr>
+                <a:schemeClr val="dk2"/>
+              </a:buClr>
+              <a:buNone/>
+              <a:defRPr sz="3733" b="0" i="0" u="none" strike="noStrike" cap="none" baseline="0">
+                <a:solidFill>
+                  <a:schemeClr val="dk2"/>
+                </a:solidFill>
+                <a:latin typeface="Arial"/>
+                <a:ea typeface="Arial"/>
+                <a:cs typeface="Arial"/>
+                <a:sym typeface="Arial"/>
+              </a:defRPr>
+            </a:lvl2pPr>
+            <a:lvl3pPr marR="0" algn="l" rtl="0">
+              <a:lnSpc>
+                <a:spcPct val="115000"/>
+              </a:lnSpc>
+              <a:spcBef>
+                <a:spcPts val="0"/>
+              </a:spcBef>
+              <a:spcAft>
+                <a:spcPts val="1600"/>
+              </a:spcAft>
+              <a:buClr>
+                <a:schemeClr val="dk2"/>
+              </a:buClr>
+              <a:buNone/>
+              <a:defRPr sz="3733" b="0" i="0" u="none" strike="noStrike" cap="none" baseline="0">
+                <a:solidFill>
+                  <a:schemeClr val="dk2"/>
+                </a:solidFill>
+                <a:latin typeface="Arial"/>
+                <a:ea typeface="Arial"/>
+                <a:cs typeface="Arial"/>
+                <a:sym typeface="Arial"/>
+              </a:defRPr>
+            </a:lvl3pPr>
+            <a:lvl4pPr marR="0" algn="l" rtl="0">
+              <a:lnSpc>
+                <a:spcPct val="115000"/>
+              </a:lnSpc>
+              <a:spcBef>
+                <a:spcPts val="0"/>
+              </a:spcBef>
+              <a:spcAft>
+                <a:spcPts val="1600"/>
+              </a:spcAft>
+              <a:buClr>
+                <a:schemeClr val="dk2"/>
+              </a:buClr>
+              <a:buNone/>
+              <a:defRPr sz="3733" b="0" i="0" u="none" strike="noStrike" cap="none" baseline="0">
+                <a:solidFill>
+                  <a:schemeClr val="dk2"/>
+                </a:solidFill>
+                <a:latin typeface="Arial"/>
+                <a:ea typeface="Arial"/>
+                <a:cs typeface="Arial"/>
+                <a:sym typeface="Arial"/>
+              </a:defRPr>
+            </a:lvl4pPr>
+            <a:lvl5pPr marR="0" algn="l" rtl="0">
+              <a:lnSpc>
+                <a:spcPct val="115000"/>
+              </a:lnSpc>
+              <a:spcBef>
+                <a:spcPts val="0"/>
+              </a:spcBef>
+              <a:spcAft>
+                <a:spcPts val="1600"/>
+              </a:spcAft>
+              <a:buClr>
+                <a:schemeClr val="dk2"/>
+              </a:buClr>
+              <a:buNone/>
+              <a:defRPr sz="3733" b="0" i="0" u="none" strike="noStrike" cap="none" baseline="0">
+                <a:solidFill>
+                  <a:schemeClr val="dk2"/>
+                </a:solidFill>
+                <a:latin typeface="Arial"/>
+                <a:ea typeface="Arial"/>
+                <a:cs typeface="Arial"/>
+                <a:sym typeface="Arial"/>
+              </a:defRPr>
+            </a:lvl5pPr>
+            <a:lvl6pPr marR="0" algn="l" rtl="0">
+              <a:lnSpc>
+                <a:spcPct val="115000"/>
+              </a:lnSpc>
+              <a:spcBef>
+                <a:spcPts val="0"/>
+              </a:spcBef>
+              <a:spcAft>
+                <a:spcPts val="1600"/>
+              </a:spcAft>
+              <a:buClr>
+                <a:schemeClr val="dk2"/>
+              </a:buClr>
+              <a:buNone/>
+              <a:defRPr sz="3733" b="0" i="0" u="none" strike="noStrike" cap="none" baseline="0">
+                <a:solidFill>
+                  <a:schemeClr val="dk2"/>
+                </a:solidFill>
+                <a:latin typeface="Arial"/>
+                <a:ea typeface="Arial"/>
+                <a:cs typeface="Arial"/>
+                <a:sym typeface="Arial"/>
+              </a:defRPr>
+            </a:lvl6pPr>
+            <a:lvl7pPr marR="0" algn="l" rtl="0">
+              <a:lnSpc>
+                <a:spcPct val="115000"/>
+              </a:lnSpc>
+              <a:spcBef>
+                <a:spcPts val="0"/>
+              </a:spcBef>
+              <a:spcAft>
+                <a:spcPts val="1600"/>
+              </a:spcAft>
+              <a:buClr>
+                <a:schemeClr val="dk2"/>
+              </a:buClr>
+              <a:buNone/>
+              <a:defRPr sz="3733" b="0" i="0" u="none" strike="noStrike" cap="none" baseline="0">
+                <a:solidFill>
+                  <a:schemeClr val="dk2"/>
+                </a:solidFill>
+                <a:latin typeface="Arial"/>
+                <a:ea typeface="Arial"/>
+                <a:cs typeface="Arial"/>
+                <a:sym typeface="Arial"/>
+              </a:defRPr>
+            </a:lvl7pPr>
+            <a:lvl8pPr marR="0" algn="l" rtl="0">
+              <a:lnSpc>
+                <a:spcPct val="115000"/>
+              </a:lnSpc>
+              <a:spcBef>
+                <a:spcPts val="0"/>
+              </a:spcBef>
+              <a:spcAft>
+                <a:spcPts val="1600"/>
+              </a:spcAft>
+              <a:buClr>
+                <a:schemeClr val="dk2"/>
+              </a:buClr>
+              <a:buNone/>
+              <a:defRPr sz="3733" b="0" i="0" u="none" strike="noStrike" cap="none" baseline="0">
+                <a:solidFill>
+                  <a:schemeClr val="dk2"/>
+                </a:solidFill>
+                <a:latin typeface="Arial"/>
+                <a:ea typeface="Arial"/>
+                <a:cs typeface="Arial"/>
+                <a:sym typeface="Arial"/>
+              </a:defRPr>
+            </a:lvl8pPr>
+            <a:lvl9pPr marR="0" algn="l" rtl="0">
+              <a:lnSpc>
+                <a:spcPct val="115000"/>
+              </a:lnSpc>
+              <a:spcBef>
+                <a:spcPts val="0"/>
+              </a:spcBef>
+              <a:spcAft>
+                <a:spcPts val="1600"/>
+              </a:spcAft>
+              <a:buClr>
+                <a:schemeClr val="dk2"/>
+              </a:buClr>
+              <a:buNone/>
+              <a:defRPr sz="3733" b="0" i="0" u="none" strike="noStrike" cap="none" baseline="0">
+                <a:solidFill>
+                  <a:schemeClr val="dk2"/>
+                </a:solidFill>
+                <a:latin typeface="Arial"/>
+                <a:ea typeface="Arial"/>
+                <a:cs typeface="Arial"/>
+                <a:sym typeface="Arial"/>
+              </a:defRPr>
+            </a:lvl9pPr>
+          </a:lstStyle>
+          <a:p>
+            <a:r>
+              <a:rPr lang="ru-RU" dirty="0"/>
+              <a:t>телефон, </a:t>
+            </a:r>
+            <a:r>
+              <a:rPr lang="ru-RU" dirty="0" err="1"/>
+              <a:t>телеграм</a:t>
+            </a:r>
+            <a:endParaRPr lang="ru-RU" dirty="0"/>
+          </a:p>
+          <a:p>
+            <a:r>
+              <a:rPr lang="en-US" dirty="0"/>
+              <a:t>E-mail</a:t>
+            </a:r>
+          </a:p>
+          <a:p>
+            <a:endParaRPr lang="ru-RU" dirty="0"/>
+          </a:p>
+          <a:p>
+            <a:endParaRPr lang="ru-RU" dirty="0"/>
+          </a:p>
+          <a:p>
+            <a:endParaRPr lang="ru-RU" dirty="0"/>
+          </a:p>
+        </p:txBody>
+      </p:sp>
+      <p:sp>
+        <p:nvSpPr>
+          <p:cNvPr id="9" name="Текст 4">
+            <a:extLst>
+              <a:ext uri="{FF2B5EF4-FFF2-40B4-BE49-F238E27FC236}">
+                <a16:creationId xmlns:a16="http://schemas.microsoft.com/office/drawing/2014/main" id="{48458159-C055-2944-BB69-32175CB30D79}"/>
+              </a:ext>
+            </a:extLst>
+          </p:cNvPr>
+          <p:cNvSpPr txBox="1">
+            <a:spLocks/>
+          </p:cNvSpPr>
+          <p:nvPr/>
+        </p:nvSpPr>
+        <p:spPr>
+          <a:xfrm>
+            <a:off x="12275675" y="7671601"/>
+            <a:ext cx="5801742" cy="8187399"/>
+          </a:xfrm>
+          <a:prstGeom prst="rect">
+            <a:avLst/>
+          </a:prstGeom>
+        </p:spPr>
+        <p:txBody>
+          <a:bodyPr lIns="91425" tIns="91425" rIns="91425" bIns="91425" anchor="t" anchorCtr="0"/>
+          <a:lstStyle>
+            <a:defPPr marR="0" algn="l" rtl="0">
+              <a:lnSpc>
+                <a:spcPct val="100000"/>
+              </a:lnSpc>
+              <a:spcBef>
+                <a:spcPts val="0"/>
+              </a:spcBef>
+              <a:spcAft>
+                <a:spcPts val="0"/>
+              </a:spcAft>
+            </a:defPPr>
+            <a:lvl1pPr marR="0" algn="l" rtl="0">
+              <a:lnSpc>
+                <a:spcPct val="100000"/>
+              </a:lnSpc>
+              <a:spcBef>
+                <a:spcPts val="0"/>
+              </a:spcBef>
+              <a:spcAft>
+                <a:spcPts val="1600"/>
+              </a:spcAft>
+              <a:buClr>
+                <a:schemeClr val="dk2"/>
+              </a:buClr>
+              <a:buSzPct val="100000"/>
+              <a:buNone/>
+              <a:defRPr sz="3200" b="0" i="0" u="none" strike="noStrike" cap="none" spc="-5" baseline="0" dirty="0">
+                <a:solidFill>
+                  <a:schemeClr val="dk2"/>
+                </a:solidFill>
+                <a:latin typeface="+mn-lt"/>
+                <a:ea typeface="Arial"/>
+                <a:cs typeface="Arial"/>
+                <a:sym typeface="Arial"/>
+              </a:defRPr>
+            </a:lvl1pPr>
+            <a:lvl2pPr marR="0" algn="l" rtl="0">
+              <a:lnSpc>
+                <a:spcPct val="115000"/>
+              </a:lnSpc>
+              <a:spcBef>
+                <a:spcPts val="0"/>
+              </a:spcBef>
+              <a:spcAft>
+                <a:spcPts val="1600"/>
+              </a:spcAft>
+              <a:buClr>
+                <a:schemeClr val="dk2"/>
+              </a:buClr>
+              <a:buNone/>
+              <a:defRPr sz="3733" b="0" i="0" u="none" strike="noStrike" cap="none" baseline="0">
+                <a:solidFill>
+                  <a:schemeClr val="dk2"/>
+                </a:solidFill>
+                <a:latin typeface="Arial"/>
+                <a:ea typeface="Arial"/>
+                <a:cs typeface="Arial"/>
+                <a:sym typeface="Arial"/>
+              </a:defRPr>
+            </a:lvl2pPr>
+            <a:lvl3pPr marR="0" algn="l" rtl="0">
+              <a:lnSpc>
+                <a:spcPct val="115000"/>
+              </a:lnSpc>
+              <a:spcBef>
+                <a:spcPts val="0"/>
+              </a:spcBef>
+              <a:spcAft>
+                <a:spcPts val="1600"/>
+              </a:spcAft>
+              <a:buClr>
+                <a:schemeClr val="dk2"/>
+              </a:buClr>
+              <a:buNone/>
+              <a:defRPr sz="3733" b="0" i="0" u="none" strike="noStrike" cap="none" baseline="0">
+                <a:solidFill>
+                  <a:schemeClr val="dk2"/>
+                </a:solidFill>
+                <a:latin typeface="Arial"/>
+                <a:ea typeface="Arial"/>
+                <a:cs typeface="Arial"/>
+                <a:sym typeface="Arial"/>
+              </a:defRPr>
+            </a:lvl3pPr>
+            <a:lvl4pPr marR="0" algn="l" rtl="0">
+              <a:lnSpc>
+                <a:spcPct val="115000"/>
+              </a:lnSpc>
+              <a:spcBef>
+                <a:spcPts val="0"/>
+              </a:spcBef>
+              <a:spcAft>
+                <a:spcPts val="1600"/>
+              </a:spcAft>
+              <a:buClr>
+                <a:schemeClr val="dk2"/>
+              </a:buClr>
+              <a:buNone/>
+              <a:defRPr sz="3733" b="0" i="0" u="none" strike="noStrike" cap="none" baseline="0">
+                <a:solidFill>
+                  <a:schemeClr val="dk2"/>
+                </a:solidFill>
+                <a:latin typeface="Arial"/>
+                <a:ea typeface="Arial"/>
+                <a:cs typeface="Arial"/>
+                <a:sym typeface="Arial"/>
+              </a:defRPr>
+            </a:lvl4pPr>
+            <a:lvl5pPr marR="0" algn="l" rtl="0">
+              <a:lnSpc>
+                <a:spcPct val="115000"/>
+              </a:lnSpc>
+              <a:spcBef>
+                <a:spcPts val="0"/>
+              </a:spcBef>
+              <a:spcAft>
+                <a:spcPts val="1600"/>
+              </a:spcAft>
+              <a:buClr>
+                <a:schemeClr val="dk2"/>
+              </a:buClr>
+              <a:buNone/>
+              <a:defRPr sz="3733" b="0" i="0" u="none" strike="noStrike" cap="none" baseline="0">
+                <a:solidFill>
+                  <a:schemeClr val="dk2"/>
+                </a:solidFill>
+                <a:latin typeface="Arial"/>
+                <a:ea typeface="Arial"/>
+                <a:cs typeface="Arial"/>
+                <a:sym typeface="Arial"/>
+              </a:defRPr>
+            </a:lvl5pPr>
+            <a:lvl6pPr marR="0" algn="l" rtl="0">
+              <a:lnSpc>
+                <a:spcPct val="115000"/>
+              </a:lnSpc>
+              <a:spcBef>
+                <a:spcPts val="0"/>
+              </a:spcBef>
+              <a:spcAft>
+                <a:spcPts val="1600"/>
+              </a:spcAft>
+              <a:buClr>
+                <a:schemeClr val="dk2"/>
+              </a:buClr>
+              <a:buNone/>
+              <a:defRPr sz="3733" b="0" i="0" u="none" strike="noStrike" cap="none" baseline="0">
+                <a:solidFill>
+                  <a:schemeClr val="dk2"/>
+                </a:solidFill>
+                <a:latin typeface="Arial"/>
+                <a:ea typeface="Arial"/>
+                <a:cs typeface="Arial"/>
+                <a:sym typeface="Arial"/>
+              </a:defRPr>
+            </a:lvl6pPr>
+            <a:lvl7pPr marR="0" algn="l" rtl="0">
+              <a:lnSpc>
+                <a:spcPct val="115000"/>
+              </a:lnSpc>
+              <a:spcBef>
+                <a:spcPts val="0"/>
+              </a:spcBef>
+              <a:spcAft>
+                <a:spcPts val="1600"/>
+              </a:spcAft>
+              <a:buClr>
+                <a:schemeClr val="dk2"/>
+              </a:buClr>
+              <a:buNone/>
+              <a:defRPr sz="3733" b="0" i="0" u="none" strike="noStrike" cap="none" baseline="0">
+                <a:solidFill>
+                  <a:schemeClr val="dk2"/>
+                </a:solidFill>
+                <a:latin typeface="Arial"/>
+                <a:ea typeface="Arial"/>
+                <a:cs typeface="Arial"/>
+                <a:sym typeface="Arial"/>
+              </a:defRPr>
+            </a:lvl7pPr>
+            <a:lvl8pPr marR="0" algn="l" rtl="0">
+              <a:lnSpc>
+                <a:spcPct val="115000"/>
+              </a:lnSpc>
+              <a:spcBef>
+                <a:spcPts val="0"/>
+              </a:spcBef>
+              <a:spcAft>
+                <a:spcPts val="1600"/>
+              </a:spcAft>
+              <a:buClr>
+                <a:schemeClr val="dk2"/>
+              </a:buClr>
+              <a:buNone/>
+              <a:defRPr sz="3733" b="0" i="0" u="none" strike="noStrike" cap="none" baseline="0">
+                <a:solidFill>
+                  <a:schemeClr val="dk2"/>
+                </a:solidFill>
+                <a:latin typeface="Arial"/>
+                <a:ea typeface="Arial"/>
+                <a:cs typeface="Arial"/>
+                <a:sym typeface="Arial"/>
+              </a:defRPr>
+            </a:lvl8pPr>
+            <a:lvl9pPr marR="0" algn="l" rtl="0">
+              <a:lnSpc>
+                <a:spcPct val="115000"/>
+              </a:lnSpc>
+              <a:spcBef>
+                <a:spcPts val="0"/>
+              </a:spcBef>
+              <a:spcAft>
+                <a:spcPts val="1600"/>
+              </a:spcAft>
+              <a:buClr>
+                <a:schemeClr val="dk2"/>
+              </a:buClr>
+              <a:buNone/>
+              <a:defRPr sz="3733" b="0" i="0" u="none" strike="noStrike" cap="none" baseline="0">
+                <a:solidFill>
+                  <a:schemeClr val="dk2"/>
+                </a:solidFill>
+                <a:latin typeface="Arial"/>
+                <a:ea typeface="Arial"/>
+                <a:cs typeface="Arial"/>
+                <a:sym typeface="Arial"/>
+              </a:defRPr>
+            </a:lvl9pPr>
+          </a:lstStyle>
+          <a:p>
+            <a:r>
+              <a:rPr lang="ru-RU" dirty="0"/>
+              <a:t>+7 (9</a:t>
+            </a:r>
+            <a:r>
+              <a:rPr lang="en-US" dirty="0"/>
+              <a:t>85</a:t>
+            </a:r>
+            <a:r>
+              <a:rPr lang="ru-RU" dirty="0"/>
+              <a:t>) </a:t>
+            </a:r>
+            <a:r>
+              <a:rPr lang="en-US" dirty="0"/>
+              <a:t>963</a:t>
+            </a:r>
+            <a:r>
+              <a:rPr lang="ru-RU" dirty="0"/>
+              <a:t> </a:t>
+            </a:r>
+            <a:r>
+              <a:rPr lang="en-US" dirty="0"/>
+              <a:t>42</a:t>
+            </a:r>
+            <a:r>
+              <a:rPr lang="ru-RU" dirty="0"/>
+              <a:t> </a:t>
+            </a:r>
+            <a:r>
+              <a:rPr lang="en-US" dirty="0"/>
+              <a:t>31</a:t>
+            </a:r>
+            <a:endParaRPr lang="ru-RU" dirty="0"/>
+          </a:p>
+          <a:p>
+            <a:r>
+              <a:rPr lang="en-US" dirty="0">
+                <a:solidFill>
+                  <a:schemeClr val="accent5"/>
+                </a:solidFill>
+              </a:rPr>
+              <a:t>potylitcyn@phystech.edu</a:t>
+            </a:r>
+            <a:endParaRPr lang="ru-RU" dirty="0">
+              <a:solidFill>
+                <a:schemeClr val="accent5"/>
+              </a:solidFill>
+            </a:endParaRPr>
+          </a:p>
+        </p:txBody>
+      </p:sp>
+      <p:pic>
+        <p:nvPicPr>
+          <p:cNvPr id="16" name="Рисунок 15">
+            <a:extLst>
+              <a:ext uri="{FF2B5EF4-FFF2-40B4-BE49-F238E27FC236}">
+                <a16:creationId xmlns:a16="http://schemas.microsoft.com/office/drawing/2014/main" id="{FBC1EEAE-15F1-FB47-BD37-62C94C9A1106}"/>
+              </a:ext>
+            </a:extLst>
+          </p:cNvPr>
+          <p:cNvPicPr>
+            <a:picLocks noChangeAspect="1"/>
+          </p:cNvPicPr>
+          <p:nvPr/>
+        </p:nvPicPr>
+        <p:blipFill>
+          <a:blip r:embed="rId2">
+            <a:extLst>
+              <a:ext uri="{28A0092B-C50C-407E-A947-70E740481C1C}">
+                <a14:useLocalDpi xmlns:a14="http://schemas.microsoft.com/office/drawing/2010/main" val="0"/>
+              </a:ext>
+            </a:extLst>
+          </a:blip>
+          <a:stretch>
+            <a:fillRect/>
+          </a:stretch>
+        </p:blipFill>
+        <p:spPr>
+          <a:xfrm>
+            <a:off x="22195152" y="827269"/>
+            <a:ext cx="1664372" cy="504000"/>
+          </a:xfrm>
+          <a:prstGeom prst="rect">
+            <a:avLst/>
+          </a:prstGeom>
+        </p:spPr>
+      </p:pic>
+      <p:sp>
+        <p:nvSpPr>
+          <p:cNvPr id="12" name="Текст 2">
+            <a:extLst>
+              <a:ext uri="{FF2B5EF4-FFF2-40B4-BE49-F238E27FC236}">
+                <a16:creationId xmlns:a16="http://schemas.microsoft.com/office/drawing/2014/main" id="{D417E178-698D-4842-8A60-B1CF83048286}"/>
+              </a:ext>
+            </a:extLst>
+          </p:cNvPr>
+          <p:cNvSpPr txBox="1">
+            <a:spLocks/>
+          </p:cNvSpPr>
+          <p:nvPr/>
+        </p:nvSpPr>
+        <p:spPr>
+          <a:xfrm>
+            <a:off x="949350" y="3905672"/>
+            <a:ext cx="5317067" cy="2952328"/>
+          </a:xfrm>
+          <a:prstGeom prst="rect">
+            <a:avLst/>
+          </a:prstGeom>
+          <a:noFill/>
+          <a:ln>
+            <a:noFill/>
+          </a:ln>
+        </p:spPr>
+        <p:txBody>
+          <a:bodyPr lIns="91425" tIns="91425" rIns="91425" bIns="91425" anchor="t" anchorCtr="0"/>
+          <a:lstStyle>
+            <a:defPPr marR="0" algn="l" rtl="0">
+              <a:lnSpc>
+                <a:spcPct val="100000"/>
+              </a:lnSpc>
+              <a:spcBef>
+                <a:spcPts val="0"/>
+              </a:spcBef>
+              <a:spcAft>
+                <a:spcPts val="0"/>
+              </a:spcAft>
+            </a:defPPr>
+            <a:lvl1pPr marR="0" algn="l" rtl="0">
+              <a:lnSpc>
+                <a:spcPct val="100000"/>
+              </a:lnSpc>
+              <a:spcBef>
+                <a:spcPts val="0"/>
+              </a:spcBef>
+              <a:spcAft>
+                <a:spcPts val="1600"/>
+              </a:spcAft>
+              <a:buClr>
+                <a:schemeClr val="dk2"/>
+              </a:buClr>
+              <a:buSzPct val="100000"/>
+              <a:buNone/>
+              <a:defRPr sz="3200" b="0" i="0" u="none" strike="noStrike" cap="none" spc="-5" baseline="0" dirty="0">
+                <a:solidFill>
+                  <a:schemeClr val="dk2"/>
+                </a:solidFill>
+                <a:latin typeface="+mn-lt"/>
+                <a:ea typeface="Arial"/>
+                <a:cs typeface="Arial"/>
+                <a:sym typeface="Arial"/>
+              </a:defRPr>
+            </a:lvl1pPr>
+            <a:lvl2pPr marR="0" algn="l" rtl="0">
+              <a:lnSpc>
+                <a:spcPct val="115000"/>
+              </a:lnSpc>
+              <a:spcBef>
+                <a:spcPts val="0"/>
+              </a:spcBef>
+              <a:spcAft>
+                <a:spcPts val="1600"/>
+              </a:spcAft>
+              <a:buClr>
+                <a:schemeClr val="dk2"/>
+              </a:buClr>
+              <a:buNone/>
+              <a:defRPr sz="3733" b="0" i="0" u="none" strike="noStrike" cap="none" baseline="0">
+                <a:solidFill>
+                  <a:schemeClr val="dk2"/>
+                </a:solidFill>
+                <a:latin typeface="Arial"/>
+                <a:ea typeface="Arial"/>
+                <a:cs typeface="Arial"/>
+                <a:sym typeface="Arial"/>
+              </a:defRPr>
+            </a:lvl2pPr>
+            <a:lvl3pPr marR="0" algn="l" rtl="0">
+              <a:lnSpc>
+                <a:spcPct val="115000"/>
+              </a:lnSpc>
+              <a:spcBef>
+                <a:spcPts val="0"/>
+              </a:spcBef>
+              <a:spcAft>
+                <a:spcPts val="1600"/>
+              </a:spcAft>
+              <a:buClr>
+                <a:schemeClr val="dk2"/>
+              </a:buClr>
+              <a:buNone/>
+              <a:defRPr sz="3733" b="0" i="0" u="none" strike="noStrike" cap="none" baseline="0">
+                <a:solidFill>
+                  <a:schemeClr val="dk2"/>
+                </a:solidFill>
+                <a:latin typeface="Arial"/>
+                <a:ea typeface="Arial"/>
+                <a:cs typeface="Arial"/>
+                <a:sym typeface="Arial"/>
+              </a:defRPr>
+            </a:lvl3pPr>
+            <a:lvl4pPr marR="0" algn="l" rtl="0">
+              <a:lnSpc>
+                <a:spcPct val="115000"/>
+              </a:lnSpc>
+              <a:spcBef>
+                <a:spcPts val="0"/>
+              </a:spcBef>
+              <a:spcAft>
+                <a:spcPts val="1600"/>
+              </a:spcAft>
+              <a:buClr>
+                <a:schemeClr val="dk2"/>
+              </a:buClr>
+              <a:buNone/>
+              <a:defRPr sz="3733" b="0" i="0" u="none" strike="noStrike" cap="none" baseline="0">
+                <a:solidFill>
+                  <a:schemeClr val="dk2"/>
+                </a:solidFill>
+                <a:latin typeface="Arial"/>
+                <a:ea typeface="Arial"/>
+                <a:cs typeface="Arial"/>
+                <a:sym typeface="Arial"/>
+              </a:defRPr>
+            </a:lvl4pPr>
+            <a:lvl5pPr marR="0" algn="l" rtl="0">
+              <a:lnSpc>
+                <a:spcPct val="115000"/>
+              </a:lnSpc>
+              <a:spcBef>
+                <a:spcPts val="0"/>
+              </a:spcBef>
+              <a:spcAft>
+                <a:spcPts val="1600"/>
+              </a:spcAft>
+              <a:buClr>
+                <a:schemeClr val="dk2"/>
+              </a:buClr>
+              <a:buNone/>
+              <a:defRPr sz="3733" b="0" i="0" u="none" strike="noStrike" cap="none" baseline="0">
+                <a:solidFill>
+                  <a:schemeClr val="dk2"/>
+                </a:solidFill>
+                <a:latin typeface="Arial"/>
+                <a:ea typeface="Arial"/>
+                <a:cs typeface="Arial"/>
+                <a:sym typeface="Arial"/>
+              </a:defRPr>
+            </a:lvl5pPr>
+            <a:lvl6pPr marR="0" algn="l" rtl="0">
+              <a:lnSpc>
+                <a:spcPct val="115000"/>
+              </a:lnSpc>
+              <a:spcBef>
+                <a:spcPts val="0"/>
+              </a:spcBef>
+              <a:spcAft>
+                <a:spcPts val="1600"/>
+              </a:spcAft>
+              <a:buClr>
+                <a:schemeClr val="dk2"/>
+              </a:buClr>
+              <a:buNone/>
+              <a:defRPr sz="3733" b="0" i="0" u="none" strike="noStrike" cap="none" baseline="0">
+                <a:solidFill>
+                  <a:schemeClr val="dk2"/>
+                </a:solidFill>
+                <a:latin typeface="Arial"/>
+                <a:ea typeface="Arial"/>
+                <a:cs typeface="Arial"/>
+                <a:sym typeface="Arial"/>
+              </a:defRPr>
+            </a:lvl6pPr>
+            <a:lvl7pPr marR="0" algn="l" rtl="0">
+              <a:lnSpc>
+                <a:spcPct val="115000"/>
+              </a:lnSpc>
+              <a:spcBef>
+                <a:spcPts val="0"/>
+              </a:spcBef>
+              <a:spcAft>
+                <a:spcPts val="1600"/>
+              </a:spcAft>
+              <a:buClr>
+                <a:schemeClr val="dk2"/>
+              </a:buClr>
+              <a:buNone/>
+              <a:defRPr sz="3733" b="0" i="0" u="none" strike="noStrike" cap="none" baseline="0">
+                <a:solidFill>
+                  <a:schemeClr val="dk2"/>
+                </a:solidFill>
+                <a:latin typeface="Arial"/>
+                <a:ea typeface="Arial"/>
+                <a:cs typeface="Arial"/>
+                <a:sym typeface="Arial"/>
+              </a:defRPr>
+            </a:lvl7pPr>
+            <a:lvl8pPr marR="0" algn="l" rtl="0">
+              <a:lnSpc>
+                <a:spcPct val="115000"/>
+              </a:lnSpc>
+              <a:spcBef>
+                <a:spcPts val="0"/>
+              </a:spcBef>
+              <a:spcAft>
+                <a:spcPts val="1600"/>
+              </a:spcAft>
+              <a:buClr>
+                <a:schemeClr val="dk2"/>
+              </a:buClr>
+              <a:buNone/>
+              <a:defRPr sz="3733" b="0" i="0" u="none" strike="noStrike" cap="none" baseline="0">
+                <a:solidFill>
+                  <a:schemeClr val="dk2"/>
+                </a:solidFill>
+                <a:latin typeface="Arial"/>
+                <a:ea typeface="Arial"/>
+                <a:cs typeface="Arial"/>
+                <a:sym typeface="Arial"/>
+              </a:defRPr>
+            </a:lvl8pPr>
+            <a:lvl9pPr marR="0" algn="l" rtl="0">
+              <a:lnSpc>
+                <a:spcPct val="115000"/>
+              </a:lnSpc>
+              <a:spcBef>
+                <a:spcPts val="0"/>
+              </a:spcBef>
+              <a:spcAft>
+                <a:spcPts val="1600"/>
+              </a:spcAft>
+              <a:buClr>
+                <a:schemeClr val="dk2"/>
+              </a:buClr>
+              <a:buNone/>
+              <a:defRPr sz="3733" b="0" i="0" u="none" strike="noStrike" cap="none" baseline="0">
+                <a:solidFill>
+                  <a:schemeClr val="dk2"/>
+                </a:solidFill>
+                <a:latin typeface="Arial"/>
+                <a:ea typeface="Arial"/>
+                <a:cs typeface="Arial"/>
+                <a:sym typeface="Arial"/>
+              </a:defRPr>
+            </a:lvl9pPr>
+          </a:lstStyle>
+          <a:p>
+            <a:pPr>
+              <a:spcAft>
+                <a:spcPts val="0"/>
+              </a:spcAft>
+              <a:buClr>
+                <a:srgbClr val="525252"/>
+              </a:buClr>
+            </a:pPr>
+            <a:r>
+              <a:rPr lang="ru-RU" dirty="0">
+                <a:solidFill>
+                  <a:srgbClr val="525252"/>
+                </a:solidFill>
+                <a:latin typeface="Arial Black"/>
+              </a:rPr>
+              <a:t>Анастасия </a:t>
+            </a:r>
+            <a:r>
+              <a:rPr lang="ru-RU" dirty="0" err="1">
+                <a:solidFill>
+                  <a:srgbClr val="525252"/>
+                </a:solidFill>
+                <a:latin typeface="Arial Black"/>
+              </a:rPr>
+              <a:t>Мершавка</a:t>
+            </a:r>
+            <a:endParaRPr lang="ru-RU" dirty="0">
+              <a:solidFill>
+                <a:srgbClr val="525252"/>
+              </a:solidFill>
+              <a:latin typeface="Arial Black"/>
+            </a:endParaRPr>
+          </a:p>
+          <a:p>
+            <a:pPr>
+              <a:spcAft>
+                <a:spcPts val="0"/>
+              </a:spcAft>
+              <a:buClr>
+                <a:srgbClr val="525252"/>
+              </a:buClr>
+            </a:pPr>
+            <a:r>
+              <a:rPr lang="ru-RU" dirty="0"/>
+              <a:t>преподаватель,</a:t>
+            </a:r>
+          </a:p>
+          <a:p>
+            <a:pPr>
+              <a:spcAft>
+                <a:spcPts val="0"/>
+              </a:spcAft>
+              <a:buClr>
+                <a:srgbClr val="525252"/>
+              </a:buClr>
+            </a:pPr>
+            <a:r>
+              <a:rPr lang="ru-RU" dirty="0"/>
+              <a:t>инженер</a:t>
+            </a:r>
+          </a:p>
+        </p:txBody>
+      </p:sp>
+      <p:sp>
+        <p:nvSpPr>
+          <p:cNvPr id="13" name="Текст 5">
+            <a:extLst>
+              <a:ext uri="{FF2B5EF4-FFF2-40B4-BE49-F238E27FC236}">
+                <a16:creationId xmlns:a16="http://schemas.microsoft.com/office/drawing/2014/main" id="{C9B72BC6-907C-4B89-B6B1-CE60A8A058D6}"/>
+              </a:ext>
+            </a:extLst>
+          </p:cNvPr>
+          <p:cNvSpPr txBox="1">
+            <a:spLocks/>
+          </p:cNvSpPr>
+          <p:nvPr/>
+        </p:nvSpPr>
+        <p:spPr>
+          <a:xfrm>
+            <a:off x="6603503" y="3855177"/>
+            <a:ext cx="5317067" cy="8187399"/>
+          </a:xfrm>
+          <a:prstGeom prst="rect">
+            <a:avLst/>
+          </a:prstGeom>
+        </p:spPr>
+        <p:txBody>
+          <a:bodyPr lIns="91425" tIns="91425" rIns="91425" bIns="91425" anchor="t" anchorCtr="0"/>
+          <a:lstStyle>
+            <a:defPPr marR="0" algn="l" rtl="0">
+              <a:lnSpc>
+                <a:spcPct val="100000"/>
+              </a:lnSpc>
+              <a:spcBef>
+                <a:spcPts val="0"/>
+              </a:spcBef>
+              <a:spcAft>
+                <a:spcPts val="0"/>
+              </a:spcAft>
+            </a:defPPr>
+            <a:lvl1pPr marR="0" algn="l" rtl="0">
+              <a:lnSpc>
+                <a:spcPct val="100000"/>
+              </a:lnSpc>
+              <a:spcBef>
+                <a:spcPts val="0"/>
+              </a:spcBef>
+              <a:spcAft>
+                <a:spcPts val="1600"/>
+              </a:spcAft>
+              <a:buClr>
+                <a:schemeClr val="dk2"/>
+              </a:buClr>
+              <a:buSzPct val="100000"/>
+              <a:buNone/>
+              <a:defRPr sz="3200" b="0" i="0" u="none" strike="noStrike" cap="none" spc="-5" baseline="0" dirty="0">
+                <a:solidFill>
+                  <a:schemeClr val="dk2"/>
+                </a:solidFill>
+                <a:latin typeface="+mn-lt"/>
+                <a:ea typeface="Arial"/>
+                <a:cs typeface="Arial"/>
+                <a:sym typeface="Arial"/>
+              </a:defRPr>
+            </a:lvl1pPr>
+            <a:lvl2pPr marR="0" algn="l" rtl="0">
+              <a:lnSpc>
+                <a:spcPct val="115000"/>
+              </a:lnSpc>
+              <a:spcBef>
+                <a:spcPts val="0"/>
+              </a:spcBef>
+              <a:spcAft>
+                <a:spcPts val="1600"/>
+              </a:spcAft>
+              <a:buClr>
+                <a:schemeClr val="dk2"/>
+              </a:buClr>
+              <a:buNone/>
+              <a:defRPr sz="3733" b="0" i="0" u="none" strike="noStrike" cap="none" baseline="0">
+                <a:solidFill>
+                  <a:schemeClr val="dk2"/>
+                </a:solidFill>
+                <a:latin typeface="Arial"/>
+                <a:ea typeface="Arial"/>
+                <a:cs typeface="Arial"/>
+                <a:sym typeface="Arial"/>
+              </a:defRPr>
+            </a:lvl2pPr>
+            <a:lvl3pPr marR="0" algn="l" rtl="0">
+              <a:lnSpc>
+                <a:spcPct val="115000"/>
+              </a:lnSpc>
+              <a:spcBef>
+                <a:spcPts val="0"/>
+              </a:spcBef>
+              <a:spcAft>
+                <a:spcPts val="1600"/>
+              </a:spcAft>
+              <a:buClr>
+                <a:schemeClr val="dk2"/>
+              </a:buClr>
+              <a:buNone/>
+              <a:defRPr sz="3733" b="0" i="0" u="none" strike="noStrike" cap="none" baseline="0">
+                <a:solidFill>
+                  <a:schemeClr val="dk2"/>
+                </a:solidFill>
+                <a:latin typeface="Arial"/>
+                <a:ea typeface="Arial"/>
+                <a:cs typeface="Arial"/>
+                <a:sym typeface="Arial"/>
+              </a:defRPr>
+            </a:lvl3pPr>
+            <a:lvl4pPr marR="0" algn="l" rtl="0">
+              <a:lnSpc>
+                <a:spcPct val="115000"/>
+              </a:lnSpc>
+              <a:spcBef>
+                <a:spcPts val="0"/>
+              </a:spcBef>
+              <a:spcAft>
+                <a:spcPts val="1600"/>
+              </a:spcAft>
+              <a:buClr>
+                <a:schemeClr val="dk2"/>
+              </a:buClr>
+              <a:buNone/>
+              <a:defRPr sz="3733" b="0" i="0" u="none" strike="noStrike" cap="none" baseline="0">
+                <a:solidFill>
+                  <a:schemeClr val="dk2"/>
+                </a:solidFill>
+                <a:latin typeface="Arial"/>
+                <a:ea typeface="Arial"/>
+                <a:cs typeface="Arial"/>
+                <a:sym typeface="Arial"/>
+              </a:defRPr>
+            </a:lvl4pPr>
+            <a:lvl5pPr marR="0" algn="l" rtl="0">
+              <a:lnSpc>
+                <a:spcPct val="115000"/>
+              </a:lnSpc>
+              <a:spcBef>
+                <a:spcPts val="0"/>
+              </a:spcBef>
+              <a:spcAft>
+                <a:spcPts val="1600"/>
+              </a:spcAft>
+              <a:buClr>
+                <a:schemeClr val="dk2"/>
+              </a:buClr>
+              <a:buNone/>
+              <a:defRPr sz="3733" b="0" i="0" u="none" strike="noStrike" cap="none" baseline="0">
+                <a:solidFill>
+                  <a:schemeClr val="dk2"/>
+                </a:solidFill>
+                <a:latin typeface="Arial"/>
+                <a:ea typeface="Arial"/>
+                <a:cs typeface="Arial"/>
+                <a:sym typeface="Arial"/>
+              </a:defRPr>
+            </a:lvl5pPr>
+            <a:lvl6pPr marR="0" algn="l" rtl="0">
+              <a:lnSpc>
+                <a:spcPct val="115000"/>
+              </a:lnSpc>
+              <a:spcBef>
+                <a:spcPts val="0"/>
+              </a:spcBef>
+              <a:spcAft>
+                <a:spcPts val="1600"/>
+              </a:spcAft>
+              <a:buClr>
+                <a:schemeClr val="dk2"/>
+              </a:buClr>
+              <a:buNone/>
+              <a:defRPr sz="3733" b="0" i="0" u="none" strike="noStrike" cap="none" baseline="0">
+                <a:solidFill>
+                  <a:schemeClr val="dk2"/>
+                </a:solidFill>
+                <a:latin typeface="Arial"/>
+                <a:ea typeface="Arial"/>
+                <a:cs typeface="Arial"/>
+                <a:sym typeface="Arial"/>
+              </a:defRPr>
+            </a:lvl6pPr>
+            <a:lvl7pPr marR="0" algn="l" rtl="0">
+              <a:lnSpc>
+                <a:spcPct val="115000"/>
+              </a:lnSpc>
+              <a:spcBef>
+                <a:spcPts val="0"/>
+              </a:spcBef>
+              <a:spcAft>
+                <a:spcPts val="1600"/>
+              </a:spcAft>
+              <a:buClr>
+                <a:schemeClr val="dk2"/>
+              </a:buClr>
+              <a:buNone/>
+              <a:defRPr sz="3733" b="0" i="0" u="none" strike="noStrike" cap="none" baseline="0">
+                <a:solidFill>
+                  <a:schemeClr val="dk2"/>
+                </a:solidFill>
+                <a:latin typeface="Arial"/>
+                <a:ea typeface="Arial"/>
+                <a:cs typeface="Arial"/>
+                <a:sym typeface="Arial"/>
+              </a:defRPr>
+            </a:lvl7pPr>
+            <a:lvl8pPr marR="0" algn="l" rtl="0">
+              <a:lnSpc>
+                <a:spcPct val="115000"/>
+              </a:lnSpc>
+              <a:spcBef>
+                <a:spcPts val="0"/>
+              </a:spcBef>
+              <a:spcAft>
+                <a:spcPts val="1600"/>
+              </a:spcAft>
+              <a:buClr>
+                <a:schemeClr val="dk2"/>
+              </a:buClr>
+              <a:buNone/>
+              <a:defRPr sz="3733" b="0" i="0" u="none" strike="noStrike" cap="none" baseline="0">
+                <a:solidFill>
+                  <a:schemeClr val="dk2"/>
+                </a:solidFill>
+                <a:latin typeface="Arial"/>
+                <a:ea typeface="Arial"/>
+                <a:cs typeface="Arial"/>
+                <a:sym typeface="Arial"/>
+              </a:defRPr>
+            </a:lvl8pPr>
+            <a:lvl9pPr marR="0" algn="l" rtl="0">
+              <a:lnSpc>
+                <a:spcPct val="115000"/>
+              </a:lnSpc>
+              <a:spcBef>
+                <a:spcPts val="0"/>
+              </a:spcBef>
+              <a:spcAft>
+                <a:spcPts val="1600"/>
+              </a:spcAft>
+              <a:buClr>
+                <a:schemeClr val="dk2"/>
+              </a:buClr>
+              <a:buNone/>
+              <a:defRPr sz="3733" b="0" i="0" u="none" strike="noStrike" cap="none" baseline="0">
+                <a:solidFill>
+                  <a:schemeClr val="dk2"/>
+                </a:solidFill>
+                <a:latin typeface="Arial"/>
+                <a:ea typeface="Arial"/>
+                <a:cs typeface="Arial"/>
+                <a:sym typeface="Arial"/>
+              </a:defRPr>
+            </a:lvl9pPr>
+          </a:lstStyle>
+          <a:p>
+            <a:r>
+              <a:rPr lang="ru-RU" dirty="0" err="1"/>
+              <a:t>телеграм</a:t>
+            </a:r>
+            <a:endParaRPr lang="ru-RU" dirty="0"/>
+          </a:p>
+          <a:p>
+            <a:r>
+              <a:rPr lang="en-US" dirty="0"/>
+              <a:t>E-mail</a:t>
+            </a:r>
+          </a:p>
+          <a:p>
+            <a:endParaRPr lang="ru-RU" dirty="0"/>
+          </a:p>
+          <a:p>
+            <a:endParaRPr lang="ru-RU" dirty="0"/>
+          </a:p>
+          <a:p>
+            <a:endParaRPr lang="ru-RU" dirty="0"/>
+          </a:p>
+        </p:txBody>
+      </p:sp>
+      <p:sp>
+        <p:nvSpPr>
+          <p:cNvPr id="14" name="Текст 4">
+            <a:extLst>
+              <a:ext uri="{FF2B5EF4-FFF2-40B4-BE49-F238E27FC236}">
+                <a16:creationId xmlns:a16="http://schemas.microsoft.com/office/drawing/2014/main" id="{C26CA0EA-A4E9-4F97-BB7A-A41577A90A57}"/>
+              </a:ext>
+            </a:extLst>
+          </p:cNvPr>
+          <p:cNvSpPr txBox="1">
+            <a:spLocks/>
+          </p:cNvSpPr>
+          <p:nvPr/>
+        </p:nvSpPr>
+        <p:spPr>
+          <a:xfrm>
+            <a:off x="12275675" y="3855177"/>
+            <a:ext cx="5801742" cy="8187399"/>
+          </a:xfrm>
+          <a:prstGeom prst="rect">
+            <a:avLst/>
+          </a:prstGeom>
+        </p:spPr>
+        <p:txBody>
+          <a:bodyPr lIns="91425" tIns="91425" rIns="91425" bIns="91425" anchor="t" anchorCtr="0"/>
+          <a:lstStyle>
+            <a:defPPr marR="0" algn="l" rtl="0">
+              <a:lnSpc>
+                <a:spcPct val="100000"/>
+              </a:lnSpc>
+              <a:spcBef>
+                <a:spcPts val="0"/>
+              </a:spcBef>
+              <a:spcAft>
+                <a:spcPts val="0"/>
+              </a:spcAft>
+            </a:defPPr>
+            <a:lvl1pPr marR="0" algn="l" rtl="0">
+              <a:lnSpc>
+                <a:spcPct val="100000"/>
+              </a:lnSpc>
+              <a:spcBef>
+                <a:spcPts val="0"/>
+              </a:spcBef>
+              <a:spcAft>
+                <a:spcPts val="1600"/>
+              </a:spcAft>
+              <a:buClr>
+                <a:schemeClr val="dk2"/>
+              </a:buClr>
+              <a:buSzPct val="100000"/>
+              <a:buNone/>
+              <a:defRPr sz="3200" b="0" i="0" u="none" strike="noStrike" cap="none" spc="-5" baseline="0" dirty="0">
+                <a:solidFill>
+                  <a:schemeClr val="dk2"/>
+                </a:solidFill>
+                <a:latin typeface="+mn-lt"/>
+                <a:ea typeface="Arial"/>
+                <a:cs typeface="Arial"/>
+                <a:sym typeface="Arial"/>
+              </a:defRPr>
+            </a:lvl1pPr>
+            <a:lvl2pPr marR="0" algn="l" rtl="0">
+              <a:lnSpc>
+                <a:spcPct val="115000"/>
+              </a:lnSpc>
+              <a:spcBef>
+                <a:spcPts val="0"/>
+              </a:spcBef>
+              <a:spcAft>
+                <a:spcPts val="1600"/>
+              </a:spcAft>
+              <a:buClr>
+                <a:schemeClr val="dk2"/>
+              </a:buClr>
+              <a:buNone/>
+              <a:defRPr sz="3733" b="0" i="0" u="none" strike="noStrike" cap="none" baseline="0">
+                <a:solidFill>
+                  <a:schemeClr val="dk2"/>
+                </a:solidFill>
+                <a:latin typeface="Arial"/>
+                <a:ea typeface="Arial"/>
+                <a:cs typeface="Arial"/>
+                <a:sym typeface="Arial"/>
+              </a:defRPr>
+            </a:lvl2pPr>
+            <a:lvl3pPr marR="0" algn="l" rtl="0">
+              <a:lnSpc>
+                <a:spcPct val="115000"/>
+              </a:lnSpc>
+              <a:spcBef>
+                <a:spcPts val="0"/>
+              </a:spcBef>
+              <a:spcAft>
+                <a:spcPts val="1600"/>
+              </a:spcAft>
+              <a:buClr>
+                <a:schemeClr val="dk2"/>
+              </a:buClr>
+              <a:buNone/>
+              <a:defRPr sz="3733" b="0" i="0" u="none" strike="noStrike" cap="none" baseline="0">
+                <a:solidFill>
+                  <a:schemeClr val="dk2"/>
+                </a:solidFill>
+                <a:latin typeface="Arial"/>
+                <a:ea typeface="Arial"/>
+                <a:cs typeface="Arial"/>
+                <a:sym typeface="Arial"/>
+              </a:defRPr>
+            </a:lvl3pPr>
+            <a:lvl4pPr marR="0" algn="l" rtl="0">
+              <a:lnSpc>
+                <a:spcPct val="115000"/>
+              </a:lnSpc>
+              <a:spcBef>
+                <a:spcPts val="0"/>
+              </a:spcBef>
+              <a:spcAft>
+                <a:spcPts val="1600"/>
+              </a:spcAft>
+              <a:buClr>
+                <a:schemeClr val="dk2"/>
+              </a:buClr>
+              <a:buNone/>
+              <a:defRPr sz="3733" b="0" i="0" u="none" strike="noStrike" cap="none" baseline="0">
+                <a:solidFill>
+                  <a:schemeClr val="dk2"/>
+                </a:solidFill>
+                <a:latin typeface="Arial"/>
+                <a:ea typeface="Arial"/>
+                <a:cs typeface="Arial"/>
+                <a:sym typeface="Arial"/>
+              </a:defRPr>
+            </a:lvl4pPr>
+            <a:lvl5pPr marR="0" algn="l" rtl="0">
+              <a:lnSpc>
+                <a:spcPct val="115000"/>
+              </a:lnSpc>
+              <a:spcBef>
+                <a:spcPts val="0"/>
+              </a:spcBef>
+              <a:spcAft>
+                <a:spcPts val="1600"/>
+              </a:spcAft>
+              <a:buClr>
+                <a:schemeClr val="dk2"/>
+              </a:buClr>
+              <a:buNone/>
+              <a:defRPr sz="3733" b="0" i="0" u="none" strike="noStrike" cap="none" baseline="0">
+                <a:solidFill>
+                  <a:schemeClr val="dk2"/>
+                </a:solidFill>
+                <a:latin typeface="Arial"/>
+                <a:ea typeface="Arial"/>
+                <a:cs typeface="Arial"/>
+                <a:sym typeface="Arial"/>
+              </a:defRPr>
+            </a:lvl5pPr>
+            <a:lvl6pPr marR="0" algn="l" rtl="0">
+              <a:lnSpc>
+                <a:spcPct val="115000"/>
+              </a:lnSpc>
+              <a:spcBef>
+                <a:spcPts val="0"/>
+              </a:spcBef>
+              <a:spcAft>
+                <a:spcPts val="1600"/>
+              </a:spcAft>
+              <a:buClr>
+                <a:schemeClr val="dk2"/>
+              </a:buClr>
+              <a:buNone/>
+              <a:defRPr sz="3733" b="0" i="0" u="none" strike="noStrike" cap="none" baseline="0">
+                <a:solidFill>
+                  <a:schemeClr val="dk2"/>
+                </a:solidFill>
+                <a:latin typeface="Arial"/>
+                <a:ea typeface="Arial"/>
+                <a:cs typeface="Arial"/>
+                <a:sym typeface="Arial"/>
+              </a:defRPr>
+            </a:lvl6pPr>
+            <a:lvl7pPr marR="0" algn="l" rtl="0">
+              <a:lnSpc>
+                <a:spcPct val="115000"/>
+              </a:lnSpc>
+              <a:spcBef>
+                <a:spcPts val="0"/>
+              </a:spcBef>
+              <a:spcAft>
+                <a:spcPts val="1600"/>
+              </a:spcAft>
+              <a:buClr>
+                <a:schemeClr val="dk2"/>
+              </a:buClr>
+              <a:buNone/>
+              <a:defRPr sz="3733" b="0" i="0" u="none" strike="noStrike" cap="none" baseline="0">
+                <a:solidFill>
+                  <a:schemeClr val="dk2"/>
+                </a:solidFill>
+                <a:latin typeface="Arial"/>
+                <a:ea typeface="Arial"/>
+                <a:cs typeface="Arial"/>
+                <a:sym typeface="Arial"/>
+              </a:defRPr>
+            </a:lvl7pPr>
+            <a:lvl8pPr marR="0" algn="l" rtl="0">
+              <a:lnSpc>
+                <a:spcPct val="115000"/>
+              </a:lnSpc>
+              <a:spcBef>
+                <a:spcPts val="0"/>
+              </a:spcBef>
+              <a:spcAft>
+                <a:spcPts val="1600"/>
+              </a:spcAft>
+              <a:buClr>
+                <a:schemeClr val="dk2"/>
+              </a:buClr>
+              <a:buNone/>
+              <a:defRPr sz="3733" b="0" i="0" u="none" strike="noStrike" cap="none" baseline="0">
+                <a:solidFill>
+                  <a:schemeClr val="dk2"/>
+                </a:solidFill>
+                <a:latin typeface="Arial"/>
+                <a:ea typeface="Arial"/>
+                <a:cs typeface="Arial"/>
+                <a:sym typeface="Arial"/>
+              </a:defRPr>
+            </a:lvl8pPr>
+            <a:lvl9pPr marR="0" algn="l" rtl="0">
+              <a:lnSpc>
+                <a:spcPct val="115000"/>
+              </a:lnSpc>
+              <a:spcBef>
+                <a:spcPts val="0"/>
+              </a:spcBef>
+              <a:spcAft>
+                <a:spcPts val="1600"/>
+              </a:spcAft>
+              <a:buClr>
+                <a:schemeClr val="dk2"/>
+              </a:buClr>
+              <a:buNone/>
+              <a:defRPr sz="3733" b="0" i="0" u="none" strike="noStrike" cap="none" baseline="0">
+                <a:solidFill>
+                  <a:schemeClr val="dk2"/>
+                </a:solidFill>
+                <a:latin typeface="Arial"/>
+                <a:ea typeface="Arial"/>
+                <a:cs typeface="Arial"/>
+                <a:sym typeface="Arial"/>
+              </a:defRPr>
+            </a:lvl9pPr>
+          </a:lstStyle>
+          <a:p>
+            <a:r>
+              <a:rPr lang="en-US" dirty="0">
+                <a:solidFill>
+                  <a:schemeClr val="accent5"/>
+                </a:solidFill>
+              </a:rPr>
+              <a:t>@</a:t>
+            </a:r>
+            <a:r>
+              <a:rPr lang="en-US" dirty="0" err="1">
+                <a:solidFill>
+                  <a:schemeClr val="accent5"/>
+                </a:solidFill>
+              </a:rPr>
               <a:t>aquashlem</a:t>
             </a:r>
             <a:endParaRPr lang="ru-RU" dirty="0">
@@ -10129,9 +11443,9 @@
                   <a:schemeClr val="accent5"/>
                 </a:solidFill>
               </a:rPr>
-              <a:t>mershavkaa@yandex.ru</a:t>
+              <a:t>mershavka.ad@phystech.edu</a:t>
             </a:r>
-            <a:endParaRPr lang="en-US" dirty="0">
+            <a:endParaRPr lang="ru-RU" dirty="0">
               <a:solidFill>
                 <a:schemeClr val="accent5"/>
               </a:solidFill>
@@ -10155,7 +11469,7 @@
         </p:nvSpPr>
         <p:spPr>
           <a:xfrm>
-            <a:off x="20364275" y="11970568"/>
+            <a:off x="20611205" y="12330608"/>
             <a:ext cx="5801742" cy="8187399"/>
           </a:xfrm>
           <a:prstGeom prst="rect">
@@ -10415,6 +11729,2131 @@
     <p:extLst>
       <p:ext uri="{BB962C8B-B14F-4D97-AF65-F5344CB8AC3E}">
         <p14:creationId xmlns:p14="http://schemas.microsoft.com/office/powerpoint/2010/main" val="3966650094"/>
+      </p:ext>
+    </p:extLst>
+  </p:cSld>
+  <p:clrMapOvr>
+    <a:masterClrMapping/>
+  </p:clrMapOvr>
+</p:sld>
+</file>
+
+<file path=ppt/slides/slide15.xml><?xml version="1.0" encoding="utf-8"?>
+<p:sld xmlns:a="http://schemas.openxmlformats.org/drawingml/2006/main" xmlns:r="http://schemas.openxmlformats.org/officeDocument/2006/relationships" xmlns:p="http://schemas.openxmlformats.org/presentationml/2006/main">
+  <p:cSld>
+    <p:bg>
+      <p:bgPr>
+        <a:blipFill dpi="0" rotWithShape="1">
+          <a:blip r:embed="rId2">
+            <a:lum/>
+          </a:blip>
+          <a:srcRect/>
+          <a:stretch>
+            <a:fillRect t="-1000" b="-1000"/>
+          </a:stretch>
+        </a:blipFill>
+        <a:effectLst/>
+      </p:bgPr>
+    </p:bg>
+    <p:spTree>
+      <p:nvGrpSpPr>
+        <p:cNvPr id="1" name=""/>
+        <p:cNvGrpSpPr/>
+        <p:nvPr/>
+      </p:nvGrpSpPr>
+      <p:grpSpPr>
+        <a:xfrm>
+          <a:off x="0" y="0"/>
+          <a:ext cx="0" cy="0"/>
+          <a:chOff x="0" y="0"/>
+          <a:chExt cx="0" cy="0"/>
+        </a:xfrm>
+      </p:grpSpPr>
+      <p:sp>
+        <p:nvSpPr>
+          <p:cNvPr id="2" name="Подзаголовок 1"/>
+          <p:cNvSpPr>
+            <a:spLocks noGrp="1"/>
+          </p:cNvSpPr>
+          <p:nvPr>
+            <p:ph type="subTitle" idx="1"/>
+          </p:nvPr>
+        </p:nvSpPr>
+        <p:spPr>
+          <a:xfrm>
+            <a:off x="843437" y="8204076"/>
+            <a:ext cx="23055913" cy="2686371"/>
+          </a:xfrm>
+        </p:spPr>
+        <p:txBody>
+          <a:bodyPr/>
+          <a:lstStyle/>
+          <a:p>
+            <a:r>
+              <a:rPr lang="ru-RU" dirty="0">
+                <a:solidFill>
+                  <a:schemeClr val="accent4"/>
+                </a:solidFill>
+              </a:rPr>
+              <a:t>Общеинженерная подготовка</a:t>
+            </a:r>
+          </a:p>
+        </p:txBody>
+      </p:sp>
+      <p:sp>
+        <p:nvSpPr>
+          <p:cNvPr id="3" name="Заголовок 2"/>
+          <p:cNvSpPr>
+            <a:spLocks noGrp="1"/>
+          </p:cNvSpPr>
+          <p:nvPr>
+            <p:ph type="ctrTitle"/>
+          </p:nvPr>
+        </p:nvSpPr>
+        <p:spPr/>
+        <p:txBody>
+          <a:bodyPr/>
+          <a:lstStyle/>
+          <a:p>
+            <a:r>
+              <a:rPr lang="ru-RU" sz="8000" dirty="0"/>
+              <a:t>Основы работы с </a:t>
+            </a:r>
+            <a:r>
+              <a:rPr lang="en-US" sz="8000" dirty="0"/>
+              <a:t>Python</a:t>
+            </a:r>
+            <a:br>
+              <a:rPr lang="ru-RU" sz="8000" dirty="0"/>
+            </a:br>
+            <a:r>
+              <a:rPr lang="ru-RU" sz="8000" dirty="0"/>
+              <a:t>часть 1</a:t>
+            </a:r>
+            <a:br>
+              <a:rPr lang="ru-RU" sz="8000" dirty="0"/>
+            </a:br>
+            <a:endParaRPr lang="ru-RU" sz="8000" dirty="0"/>
+          </a:p>
+        </p:txBody>
+      </p:sp>
+      <p:pic>
+        <p:nvPicPr>
+          <p:cNvPr id="9" name="Рисунок 8"/>
+          <p:cNvPicPr>
+            <a:picLocks noChangeAspect="1"/>
+          </p:cNvPicPr>
+          <p:nvPr/>
+        </p:nvPicPr>
+        <p:blipFill>
+          <a:blip r:embed="rId3">
+            <a:extLst>
+              <a:ext uri="{28A0092B-C50C-407E-A947-70E740481C1C}">
+                <a14:useLocalDpi xmlns:a14="http://schemas.microsoft.com/office/drawing/2010/main" val="0"/>
+              </a:ext>
+            </a:extLst>
+          </a:blip>
+          <a:stretch>
+            <a:fillRect/>
+          </a:stretch>
+        </p:blipFill>
+        <p:spPr>
+          <a:xfrm>
+            <a:off x="21228371" y="1027996"/>
+            <a:ext cx="2442110" cy="739512"/>
+          </a:xfrm>
+          <a:prstGeom prst="rect">
+            <a:avLst/>
+          </a:prstGeom>
+        </p:spPr>
+      </p:pic>
+      <p:sp>
+        <p:nvSpPr>
+          <p:cNvPr id="11" name="Текст 4">
+            <a:extLst>
+              <a:ext uri="{FF2B5EF4-FFF2-40B4-BE49-F238E27FC236}">
+                <a16:creationId xmlns:a16="http://schemas.microsoft.com/office/drawing/2014/main" id="{0F7FD6C9-92F9-7240-A4B8-A7EA669E7024}"/>
+              </a:ext>
+            </a:extLst>
+          </p:cNvPr>
+          <p:cNvSpPr txBox="1">
+            <a:spLocks/>
+          </p:cNvSpPr>
+          <p:nvPr/>
+        </p:nvSpPr>
+        <p:spPr>
+          <a:xfrm>
+            <a:off x="6634447" y="11682536"/>
+            <a:ext cx="11473880" cy="1440160"/>
+          </a:xfrm>
+          <a:prstGeom prst="rect">
+            <a:avLst/>
+          </a:prstGeom>
+          <a:noFill/>
+          <a:ln>
+            <a:noFill/>
+          </a:ln>
+        </p:spPr>
+        <p:txBody>
+          <a:bodyPr lIns="91425" tIns="91425" rIns="91425" bIns="91425" anchor="t" anchorCtr="0"/>
+          <a:lstStyle>
+            <a:defPPr marR="0" algn="l" rtl="0">
+              <a:lnSpc>
+                <a:spcPct val="100000"/>
+              </a:lnSpc>
+              <a:spcBef>
+                <a:spcPts val="0"/>
+              </a:spcBef>
+              <a:spcAft>
+                <a:spcPts val="0"/>
+              </a:spcAft>
+            </a:defPPr>
+            <a:lvl1pPr marR="0" algn="l" rtl="0">
+              <a:lnSpc>
+                <a:spcPct val="100000"/>
+              </a:lnSpc>
+              <a:spcBef>
+                <a:spcPts val="0"/>
+              </a:spcBef>
+              <a:spcAft>
+                <a:spcPts val="1600"/>
+              </a:spcAft>
+              <a:buClr>
+                <a:schemeClr val="dk2"/>
+              </a:buClr>
+              <a:buSzPct val="100000"/>
+              <a:buNone/>
+              <a:defRPr sz="3200" b="0" i="0" u="none" strike="noStrike" cap="none" spc="-5" baseline="0" dirty="0">
+                <a:solidFill>
+                  <a:schemeClr val="dk2"/>
+                </a:solidFill>
+                <a:latin typeface="+mn-lt"/>
+                <a:ea typeface="Arial"/>
+                <a:cs typeface="Arial"/>
+                <a:sym typeface="Arial"/>
+              </a:defRPr>
+            </a:lvl1pPr>
+            <a:lvl2pPr marR="0" algn="l" rtl="0">
+              <a:lnSpc>
+                <a:spcPct val="115000"/>
+              </a:lnSpc>
+              <a:spcBef>
+                <a:spcPts val="0"/>
+              </a:spcBef>
+              <a:spcAft>
+                <a:spcPts val="1600"/>
+              </a:spcAft>
+              <a:buClr>
+                <a:schemeClr val="dk2"/>
+              </a:buClr>
+              <a:buNone/>
+              <a:defRPr sz="3733" b="0" i="0" u="none" strike="noStrike" cap="none" baseline="0">
+                <a:solidFill>
+                  <a:schemeClr val="dk2"/>
+                </a:solidFill>
+                <a:latin typeface="Arial"/>
+                <a:ea typeface="Arial"/>
+                <a:cs typeface="Arial"/>
+                <a:sym typeface="Arial"/>
+              </a:defRPr>
+            </a:lvl2pPr>
+            <a:lvl3pPr marR="0" algn="l" rtl="0">
+              <a:lnSpc>
+                <a:spcPct val="115000"/>
+              </a:lnSpc>
+              <a:spcBef>
+                <a:spcPts val="0"/>
+              </a:spcBef>
+              <a:spcAft>
+                <a:spcPts val="1600"/>
+              </a:spcAft>
+              <a:buClr>
+                <a:schemeClr val="dk2"/>
+              </a:buClr>
+              <a:buNone/>
+              <a:defRPr sz="3733" b="0" i="0" u="none" strike="noStrike" cap="none" baseline="0">
+                <a:solidFill>
+                  <a:schemeClr val="dk2"/>
+                </a:solidFill>
+                <a:latin typeface="Arial"/>
+                <a:ea typeface="Arial"/>
+                <a:cs typeface="Arial"/>
+                <a:sym typeface="Arial"/>
+              </a:defRPr>
+            </a:lvl3pPr>
+            <a:lvl4pPr marR="0" algn="l" rtl="0">
+              <a:lnSpc>
+                <a:spcPct val="115000"/>
+              </a:lnSpc>
+              <a:spcBef>
+                <a:spcPts val="0"/>
+              </a:spcBef>
+              <a:spcAft>
+                <a:spcPts val="1600"/>
+              </a:spcAft>
+              <a:buClr>
+                <a:schemeClr val="dk2"/>
+              </a:buClr>
+              <a:buNone/>
+              <a:defRPr sz="3733" b="0" i="0" u="none" strike="noStrike" cap="none" baseline="0">
+                <a:solidFill>
+                  <a:schemeClr val="dk2"/>
+                </a:solidFill>
+                <a:latin typeface="Arial"/>
+                <a:ea typeface="Arial"/>
+                <a:cs typeface="Arial"/>
+                <a:sym typeface="Arial"/>
+              </a:defRPr>
+            </a:lvl4pPr>
+            <a:lvl5pPr marR="0" algn="l" rtl="0">
+              <a:lnSpc>
+                <a:spcPct val="115000"/>
+              </a:lnSpc>
+              <a:spcBef>
+                <a:spcPts val="0"/>
+              </a:spcBef>
+              <a:spcAft>
+                <a:spcPts val="1600"/>
+              </a:spcAft>
+              <a:buClr>
+                <a:schemeClr val="dk2"/>
+              </a:buClr>
+              <a:buNone/>
+              <a:defRPr sz="3733" b="0" i="0" u="none" strike="noStrike" cap="none" baseline="0">
+                <a:solidFill>
+                  <a:schemeClr val="dk2"/>
+                </a:solidFill>
+                <a:latin typeface="Arial"/>
+                <a:ea typeface="Arial"/>
+                <a:cs typeface="Arial"/>
+                <a:sym typeface="Arial"/>
+              </a:defRPr>
+            </a:lvl5pPr>
+            <a:lvl6pPr marR="0" algn="l" rtl="0">
+              <a:lnSpc>
+                <a:spcPct val="115000"/>
+              </a:lnSpc>
+              <a:spcBef>
+                <a:spcPts val="0"/>
+              </a:spcBef>
+              <a:spcAft>
+                <a:spcPts val="1600"/>
+              </a:spcAft>
+              <a:buClr>
+                <a:schemeClr val="dk2"/>
+              </a:buClr>
+              <a:buNone/>
+              <a:defRPr sz="3733" b="0" i="0" u="none" strike="noStrike" cap="none" baseline="0">
+                <a:solidFill>
+                  <a:schemeClr val="dk2"/>
+                </a:solidFill>
+                <a:latin typeface="Arial"/>
+                <a:ea typeface="Arial"/>
+                <a:cs typeface="Arial"/>
+                <a:sym typeface="Arial"/>
+              </a:defRPr>
+            </a:lvl6pPr>
+            <a:lvl7pPr marR="0" algn="l" rtl="0">
+              <a:lnSpc>
+                <a:spcPct val="115000"/>
+              </a:lnSpc>
+              <a:spcBef>
+                <a:spcPts val="0"/>
+              </a:spcBef>
+              <a:spcAft>
+                <a:spcPts val="1600"/>
+              </a:spcAft>
+              <a:buClr>
+                <a:schemeClr val="dk2"/>
+              </a:buClr>
+              <a:buNone/>
+              <a:defRPr sz="3733" b="0" i="0" u="none" strike="noStrike" cap="none" baseline="0">
+                <a:solidFill>
+                  <a:schemeClr val="dk2"/>
+                </a:solidFill>
+                <a:latin typeface="Arial"/>
+                <a:ea typeface="Arial"/>
+                <a:cs typeface="Arial"/>
+                <a:sym typeface="Arial"/>
+              </a:defRPr>
+            </a:lvl7pPr>
+            <a:lvl8pPr marR="0" algn="l" rtl="0">
+              <a:lnSpc>
+                <a:spcPct val="115000"/>
+              </a:lnSpc>
+              <a:spcBef>
+                <a:spcPts val="0"/>
+              </a:spcBef>
+              <a:spcAft>
+                <a:spcPts val="1600"/>
+              </a:spcAft>
+              <a:buClr>
+                <a:schemeClr val="dk2"/>
+              </a:buClr>
+              <a:buNone/>
+              <a:defRPr sz="3733" b="0" i="0" u="none" strike="noStrike" cap="none" baseline="0">
+                <a:solidFill>
+                  <a:schemeClr val="dk2"/>
+                </a:solidFill>
+                <a:latin typeface="Arial"/>
+                <a:ea typeface="Arial"/>
+                <a:cs typeface="Arial"/>
+                <a:sym typeface="Arial"/>
+              </a:defRPr>
+            </a:lvl8pPr>
+            <a:lvl9pPr marR="0" algn="l" rtl="0">
+              <a:lnSpc>
+                <a:spcPct val="115000"/>
+              </a:lnSpc>
+              <a:spcBef>
+                <a:spcPts val="0"/>
+              </a:spcBef>
+              <a:spcAft>
+                <a:spcPts val="1600"/>
+              </a:spcAft>
+              <a:buClr>
+                <a:schemeClr val="dk2"/>
+              </a:buClr>
+              <a:buNone/>
+              <a:defRPr sz="3733" b="0" i="0" u="none" strike="noStrike" cap="none" baseline="0">
+                <a:solidFill>
+                  <a:schemeClr val="dk2"/>
+                </a:solidFill>
+                <a:latin typeface="Arial"/>
+                <a:ea typeface="Arial"/>
+                <a:cs typeface="Arial"/>
+                <a:sym typeface="Arial"/>
+              </a:defRPr>
+            </a:lvl9pPr>
+          </a:lstStyle>
+          <a:p>
+            <a:pPr algn="ctr"/>
+            <a:r>
+              <a:rPr lang="ru-RU" sz="2400" dirty="0"/>
+              <a:t>© 2020 Иван Потылицын и Анастасия </a:t>
+            </a:r>
+            <a:r>
+              <a:rPr lang="ru-RU" sz="2400" dirty="0" err="1"/>
+              <a:t>Мершавка</a:t>
+            </a:r>
+            <a:br>
+              <a:rPr lang="ru-RU" sz="2400" dirty="0"/>
+            </a:br>
+            <a:r>
+              <a:rPr lang="ru-RU" sz="2400" dirty="0"/>
+              <a:t>Кафедра прикладной механики МФТИ</a:t>
+            </a:r>
+            <a:br>
+              <a:rPr lang="ru-RU" sz="2400" dirty="0"/>
+            </a:br>
+            <a:r>
+              <a:rPr lang="ru-RU" sz="2400" dirty="0"/>
+              <a:t>Физтех-школа аэрокосмических технологий</a:t>
+            </a:r>
+          </a:p>
+        </p:txBody>
+      </p:sp>
+    </p:spTree>
+    <p:extLst>
+      <p:ext uri="{BB962C8B-B14F-4D97-AF65-F5344CB8AC3E}">
+        <p14:creationId xmlns:p14="http://schemas.microsoft.com/office/powerpoint/2010/main" val="793945418"/>
+      </p:ext>
+    </p:extLst>
+  </p:cSld>
+  <p:clrMapOvr>
+    <a:masterClrMapping/>
+  </p:clrMapOvr>
+</p:sld>
+</file>
+
+<file path=ppt/slides/slide16.xml><?xml version="1.0" encoding="utf-8"?>
+<p:sld xmlns:a="http://schemas.openxmlformats.org/drawingml/2006/main" xmlns:r="http://schemas.openxmlformats.org/officeDocument/2006/relationships" xmlns:p="http://schemas.openxmlformats.org/presentationml/2006/main">
+  <p:cSld>
+    <p:bg>
+      <p:bgPr>
+        <a:blipFill dpi="0" rotWithShape="1">
+          <a:blip r:embed="rId2">
+            <a:lum/>
+          </a:blip>
+          <a:srcRect/>
+          <a:stretch>
+            <a:fillRect t="-1000" b="-1000"/>
+          </a:stretch>
+        </a:blipFill>
+        <a:effectLst/>
+      </p:bgPr>
+    </p:bg>
+    <p:spTree>
+      <p:nvGrpSpPr>
+        <p:cNvPr id="1" name=""/>
+        <p:cNvGrpSpPr/>
+        <p:nvPr/>
+      </p:nvGrpSpPr>
+      <p:grpSpPr>
+        <a:xfrm>
+          <a:off x="0" y="0"/>
+          <a:ext cx="0" cy="0"/>
+          <a:chOff x="0" y="0"/>
+          <a:chExt cx="0" cy="0"/>
+        </a:xfrm>
+      </p:grpSpPr>
+      <p:sp>
+        <p:nvSpPr>
+          <p:cNvPr id="2" name="Подзаголовок 1"/>
+          <p:cNvSpPr>
+            <a:spLocks noGrp="1"/>
+          </p:cNvSpPr>
+          <p:nvPr>
+            <p:ph type="subTitle" idx="1"/>
+          </p:nvPr>
+        </p:nvSpPr>
+        <p:spPr>
+          <a:xfrm>
+            <a:off x="843437" y="8204076"/>
+            <a:ext cx="23055913" cy="2686371"/>
+          </a:xfrm>
+        </p:spPr>
+        <p:txBody>
+          <a:bodyPr/>
+          <a:lstStyle/>
+          <a:p>
+            <a:r>
+              <a:rPr lang="ru-RU" dirty="0">
+                <a:solidFill>
+                  <a:schemeClr val="accent4"/>
+                </a:solidFill>
+              </a:rPr>
+              <a:t>Общеинженерная подготовка</a:t>
+            </a:r>
+          </a:p>
+        </p:txBody>
+      </p:sp>
+      <p:sp>
+        <p:nvSpPr>
+          <p:cNvPr id="3" name="Заголовок 2"/>
+          <p:cNvSpPr>
+            <a:spLocks noGrp="1"/>
+          </p:cNvSpPr>
+          <p:nvPr>
+            <p:ph type="ctrTitle"/>
+          </p:nvPr>
+        </p:nvSpPr>
+        <p:spPr/>
+        <p:txBody>
+          <a:bodyPr/>
+          <a:lstStyle/>
+          <a:p>
+            <a:r>
+              <a:rPr lang="ru-RU" sz="8000" dirty="0"/>
+              <a:t>Условные операторы</a:t>
+            </a:r>
+            <a:br>
+              <a:rPr lang="en-US" sz="8000" dirty="0"/>
+            </a:br>
+            <a:r>
+              <a:rPr lang="en-US" sz="8000" dirty="0"/>
+              <a:t>if, </a:t>
+            </a:r>
+            <a:r>
+              <a:rPr lang="en-US" sz="8000" dirty="0" err="1"/>
+              <a:t>elif</a:t>
+            </a:r>
+            <a:r>
+              <a:rPr lang="en-US" sz="8000" dirty="0"/>
+              <a:t>, else</a:t>
+            </a:r>
+            <a:br>
+              <a:rPr lang="en-US" sz="8000" dirty="0"/>
+            </a:br>
+            <a:endParaRPr lang="ru-RU" sz="8000" dirty="0"/>
+          </a:p>
+        </p:txBody>
+      </p:sp>
+      <p:pic>
+        <p:nvPicPr>
+          <p:cNvPr id="9" name="Рисунок 8"/>
+          <p:cNvPicPr>
+            <a:picLocks noChangeAspect="1"/>
+          </p:cNvPicPr>
+          <p:nvPr/>
+        </p:nvPicPr>
+        <p:blipFill>
+          <a:blip r:embed="rId3">
+            <a:extLst>
+              <a:ext uri="{28A0092B-C50C-407E-A947-70E740481C1C}">
+                <a14:useLocalDpi xmlns:a14="http://schemas.microsoft.com/office/drawing/2010/main" val="0"/>
+              </a:ext>
+            </a:extLst>
+          </a:blip>
+          <a:stretch>
+            <a:fillRect/>
+          </a:stretch>
+        </p:blipFill>
+        <p:spPr>
+          <a:xfrm>
+            <a:off x="21228371" y="1027996"/>
+            <a:ext cx="2442110" cy="739512"/>
+          </a:xfrm>
+          <a:prstGeom prst="rect">
+            <a:avLst/>
+          </a:prstGeom>
+        </p:spPr>
+      </p:pic>
+      <p:sp>
+        <p:nvSpPr>
+          <p:cNvPr id="11" name="Текст 4">
+            <a:extLst>
+              <a:ext uri="{FF2B5EF4-FFF2-40B4-BE49-F238E27FC236}">
+                <a16:creationId xmlns:a16="http://schemas.microsoft.com/office/drawing/2014/main" id="{0F7FD6C9-92F9-7240-A4B8-A7EA669E7024}"/>
+              </a:ext>
+            </a:extLst>
+          </p:cNvPr>
+          <p:cNvSpPr txBox="1">
+            <a:spLocks/>
+          </p:cNvSpPr>
+          <p:nvPr/>
+        </p:nvSpPr>
+        <p:spPr>
+          <a:xfrm>
+            <a:off x="6634447" y="11682536"/>
+            <a:ext cx="11473880" cy="1440160"/>
+          </a:xfrm>
+          <a:prstGeom prst="rect">
+            <a:avLst/>
+          </a:prstGeom>
+          <a:noFill/>
+          <a:ln>
+            <a:noFill/>
+          </a:ln>
+        </p:spPr>
+        <p:txBody>
+          <a:bodyPr lIns="91425" tIns="91425" rIns="91425" bIns="91425" anchor="t" anchorCtr="0"/>
+          <a:lstStyle>
+            <a:defPPr marR="0" algn="l" rtl="0">
+              <a:lnSpc>
+                <a:spcPct val="100000"/>
+              </a:lnSpc>
+              <a:spcBef>
+                <a:spcPts val="0"/>
+              </a:spcBef>
+              <a:spcAft>
+                <a:spcPts val="0"/>
+              </a:spcAft>
+            </a:defPPr>
+            <a:lvl1pPr marR="0" algn="l" rtl="0">
+              <a:lnSpc>
+                <a:spcPct val="100000"/>
+              </a:lnSpc>
+              <a:spcBef>
+                <a:spcPts val="0"/>
+              </a:spcBef>
+              <a:spcAft>
+                <a:spcPts val="1600"/>
+              </a:spcAft>
+              <a:buClr>
+                <a:schemeClr val="dk2"/>
+              </a:buClr>
+              <a:buSzPct val="100000"/>
+              <a:buNone/>
+              <a:defRPr sz="3200" b="0" i="0" u="none" strike="noStrike" cap="none" spc="-5" baseline="0" dirty="0">
+                <a:solidFill>
+                  <a:schemeClr val="dk2"/>
+                </a:solidFill>
+                <a:latin typeface="+mn-lt"/>
+                <a:ea typeface="Arial"/>
+                <a:cs typeface="Arial"/>
+                <a:sym typeface="Arial"/>
+              </a:defRPr>
+            </a:lvl1pPr>
+            <a:lvl2pPr marR="0" algn="l" rtl="0">
+              <a:lnSpc>
+                <a:spcPct val="115000"/>
+              </a:lnSpc>
+              <a:spcBef>
+                <a:spcPts val="0"/>
+              </a:spcBef>
+              <a:spcAft>
+                <a:spcPts val="1600"/>
+              </a:spcAft>
+              <a:buClr>
+                <a:schemeClr val="dk2"/>
+              </a:buClr>
+              <a:buNone/>
+              <a:defRPr sz="3733" b="0" i="0" u="none" strike="noStrike" cap="none" baseline="0">
+                <a:solidFill>
+                  <a:schemeClr val="dk2"/>
+                </a:solidFill>
+                <a:latin typeface="Arial"/>
+                <a:ea typeface="Arial"/>
+                <a:cs typeface="Arial"/>
+                <a:sym typeface="Arial"/>
+              </a:defRPr>
+            </a:lvl2pPr>
+            <a:lvl3pPr marR="0" algn="l" rtl="0">
+              <a:lnSpc>
+                <a:spcPct val="115000"/>
+              </a:lnSpc>
+              <a:spcBef>
+                <a:spcPts val="0"/>
+              </a:spcBef>
+              <a:spcAft>
+                <a:spcPts val="1600"/>
+              </a:spcAft>
+              <a:buClr>
+                <a:schemeClr val="dk2"/>
+              </a:buClr>
+              <a:buNone/>
+              <a:defRPr sz="3733" b="0" i="0" u="none" strike="noStrike" cap="none" baseline="0">
+                <a:solidFill>
+                  <a:schemeClr val="dk2"/>
+                </a:solidFill>
+                <a:latin typeface="Arial"/>
+                <a:ea typeface="Arial"/>
+                <a:cs typeface="Arial"/>
+                <a:sym typeface="Arial"/>
+              </a:defRPr>
+            </a:lvl3pPr>
+            <a:lvl4pPr marR="0" algn="l" rtl="0">
+              <a:lnSpc>
+                <a:spcPct val="115000"/>
+              </a:lnSpc>
+              <a:spcBef>
+                <a:spcPts val="0"/>
+              </a:spcBef>
+              <a:spcAft>
+                <a:spcPts val="1600"/>
+              </a:spcAft>
+              <a:buClr>
+                <a:schemeClr val="dk2"/>
+              </a:buClr>
+              <a:buNone/>
+              <a:defRPr sz="3733" b="0" i="0" u="none" strike="noStrike" cap="none" baseline="0">
+                <a:solidFill>
+                  <a:schemeClr val="dk2"/>
+                </a:solidFill>
+                <a:latin typeface="Arial"/>
+                <a:ea typeface="Arial"/>
+                <a:cs typeface="Arial"/>
+                <a:sym typeface="Arial"/>
+              </a:defRPr>
+            </a:lvl4pPr>
+            <a:lvl5pPr marR="0" algn="l" rtl="0">
+              <a:lnSpc>
+                <a:spcPct val="115000"/>
+              </a:lnSpc>
+              <a:spcBef>
+                <a:spcPts val="0"/>
+              </a:spcBef>
+              <a:spcAft>
+                <a:spcPts val="1600"/>
+              </a:spcAft>
+              <a:buClr>
+                <a:schemeClr val="dk2"/>
+              </a:buClr>
+              <a:buNone/>
+              <a:defRPr sz="3733" b="0" i="0" u="none" strike="noStrike" cap="none" baseline="0">
+                <a:solidFill>
+                  <a:schemeClr val="dk2"/>
+                </a:solidFill>
+                <a:latin typeface="Arial"/>
+                <a:ea typeface="Arial"/>
+                <a:cs typeface="Arial"/>
+                <a:sym typeface="Arial"/>
+              </a:defRPr>
+            </a:lvl5pPr>
+            <a:lvl6pPr marR="0" algn="l" rtl="0">
+              <a:lnSpc>
+                <a:spcPct val="115000"/>
+              </a:lnSpc>
+              <a:spcBef>
+                <a:spcPts val="0"/>
+              </a:spcBef>
+              <a:spcAft>
+                <a:spcPts val="1600"/>
+              </a:spcAft>
+              <a:buClr>
+                <a:schemeClr val="dk2"/>
+              </a:buClr>
+              <a:buNone/>
+              <a:defRPr sz="3733" b="0" i="0" u="none" strike="noStrike" cap="none" baseline="0">
+                <a:solidFill>
+                  <a:schemeClr val="dk2"/>
+                </a:solidFill>
+                <a:latin typeface="Arial"/>
+                <a:ea typeface="Arial"/>
+                <a:cs typeface="Arial"/>
+                <a:sym typeface="Arial"/>
+              </a:defRPr>
+            </a:lvl6pPr>
+            <a:lvl7pPr marR="0" algn="l" rtl="0">
+              <a:lnSpc>
+                <a:spcPct val="115000"/>
+              </a:lnSpc>
+              <a:spcBef>
+                <a:spcPts val="0"/>
+              </a:spcBef>
+              <a:spcAft>
+                <a:spcPts val="1600"/>
+              </a:spcAft>
+              <a:buClr>
+                <a:schemeClr val="dk2"/>
+              </a:buClr>
+              <a:buNone/>
+              <a:defRPr sz="3733" b="0" i="0" u="none" strike="noStrike" cap="none" baseline="0">
+                <a:solidFill>
+                  <a:schemeClr val="dk2"/>
+                </a:solidFill>
+                <a:latin typeface="Arial"/>
+                <a:ea typeface="Arial"/>
+                <a:cs typeface="Arial"/>
+                <a:sym typeface="Arial"/>
+              </a:defRPr>
+            </a:lvl7pPr>
+            <a:lvl8pPr marR="0" algn="l" rtl="0">
+              <a:lnSpc>
+                <a:spcPct val="115000"/>
+              </a:lnSpc>
+              <a:spcBef>
+                <a:spcPts val="0"/>
+              </a:spcBef>
+              <a:spcAft>
+                <a:spcPts val="1600"/>
+              </a:spcAft>
+              <a:buClr>
+                <a:schemeClr val="dk2"/>
+              </a:buClr>
+              <a:buNone/>
+              <a:defRPr sz="3733" b="0" i="0" u="none" strike="noStrike" cap="none" baseline="0">
+                <a:solidFill>
+                  <a:schemeClr val="dk2"/>
+                </a:solidFill>
+                <a:latin typeface="Arial"/>
+                <a:ea typeface="Arial"/>
+                <a:cs typeface="Arial"/>
+                <a:sym typeface="Arial"/>
+              </a:defRPr>
+            </a:lvl8pPr>
+            <a:lvl9pPr marR="0" algn="l" rtl="0">
+              <a:lnSpc>
+                <a:spcPct val="115000"/>
+              </a:lnSpc>
+              <a:spcBef>
+                <a:spcPts val="0"/>
+              </a:spcBef>
+              <a:spcAft>
+                <a:spcPts val="1600"/>
+              </a:spcAft>
+              <a:buClr>
+                <a:schemeClr val="dk2"/>
+              </a:buClr>
+              <a:buNone/>
+              <a:defRPr sz="3733" b="0" i="0" u="none" strike="noStrike" cap="none" baseline="0">
+                <a:solidFill>
+                  <a:schemeClr val="dk2"/>
+                </a:solidFill>
+                <a:latin typeface="Arial"/>
+                <a:ea typeface="Arial"/>
+                <a:cs typeface="Arial"/>
+                <a:sym typeface="Arial"/>
+              </a:defRPr>
+            </a:lvl9pPr>
+          </a:lstStyle>
+          <a:p>
+            <a:pPr algn="ctr"/>
+            <a:r>
+              <a:rPr lang="ru-RU" sz="2400" dirty="0"/>
+              <a:t>© 2020 Иван Потылицын и Анастасия </a:t>
+            </a:r>
+            <a:r>
+              <a:rPr lang="ru-RU" sz="2400" dirty="0" err="1"/>
+              <a:t>Мершавка</a:t>
+            </a:r>
+            <a:br>
+              <a:rPr lang="ru-RU" sz="2400" dirty="0"/>
+            </a:br>
+            <a:r>
+              <a:rPr lang="ru-RU" sz="2400" dirty="0"/>
+              <a:t>Кафедра прикладной механики МФТИ</a:t>
+            </a:r>
+            <a:br>
+              <a:rPr lang="ru-RU" sz="2400" dirty="0"/>
+            </a:br>
+            <a:r>
+              <a:rPr lang="ru-RU" sz="2400" dirty="0"/>
+              <a:t>Физтех-школа аэрокосмических технологий</a:t>
+            </a:r>
+          </a:p>
+        </p:txBody>
+      </p:sp>
+    </p:spTree>
+    <p:extLst>
+      <p:ext uri="{BB962C8B-B14F-4D97-AF65-F5344CB8AC3E}">
+        <p14:creationId xmlns:p14="http://schemas.microsoft.com/office/powerpoint/2010/main" val="3357557800"/>
+      </p:ext>
+    </p:extLst>
+  </p:cSld>
+  <p:clrMapOvr>
+    <a:masterClrMapping/>
+  </p:clrMapOvr>
+</p:sld>
+</file>
+
+<file path=ppt/slides/slide17.xml><?xml version="1.0" encoding="utf-8"?>
+<p:sld xmlns:a="http://schemas.openxmlformats.org/drawingml/2006/main" xmlns:r="http://schemas.openxmlformats.org/officeDocument/2006/relationships" xmlns:p="http://schemas.openxmlformats.org/presentationml/2006/main">
+  <p:cSld>
+    <p:bg>
+      <p:bgPr>
+        <a:blipFill dpi="0" rotWithShape="1">
+          <a:blip r:embed="rId2">
+            <a:lum/>
+          </a:blip>
+          <a:srcRect/>
+          <a:stretch>
+            <a:fillRect t="-1000" b="-1000"/>
+          </a:stretch>
+        </a:blipFill>
+        <a:effectLst/>
+      </p:bgPr>
+    </p:bg>
+    <p:spTree>
+      <p:nvGrpSpPr>
+        <p:cNvPr id="1" name=""/>
+        <p:cNvGrpSpPr/>
+        <p:nvPr/>
+      </p:nvGrpSpPr>
+      <p:grpSpPr>
+        <a:xfrm>
+          <a:off x="0" y="0"/>
+          <a:ext cx="0" cy="0"/>
+          <a:chOff x="0" y="0"/>
+          <a:chExt cx="0" cy="0"/>
+        </a:xfrm>
+      </p:grpSpPr>
+      <p:sp>
+        <p:nvSpPr>
+          <p:cNvPr id="2" name="Подзаголовок 1"/>
+          <p:cNvSpPr>
+            <a:spLocks noGrp="1"/>
+          </p:cNvSpPr>
+          <p:nvPr>
+            <p:ph type="subTitle" idx="1"/>
+          </p:nvPr>
+        </p:nvSpPr>
+        <p:spPr>
+          <a:xfrm>
+            <a:off x="843437" y="8204076"/>
+            <a:ext cx="23055913" cy="2686371"/>
+          </a:xfrm>
+        </p:spPr>
+        <p:txBody>
+          <a:bodyPr/>
+          <a:lstStyle/>
+          <a:p>
+            <a:r>
+              <a:rPr lang="ru-RU" dirty="0">
+                <a:solidFill>
+                  <a:schemeClr val="accent4"/>
+                </a:solidFill>
+              </a:rPr>
+              <a:t>Общеинженерная подготовка</a:t>
+            </a:r>
+          </a:p>
+        </p:txBody>
+      </p:sp>
+      <p:sp>
+        <p:nvSpPr>
+          <p:cNvPr id="3" name="Заголовок 2"/>
+          <p:cNvSpPr>
+            <a:spLocks noGrp="1"/>
+          </p:cNvSpPr>
+          <p:nvPr>
+            <p:ph type="ctrTitle"/>
+          </p:nvPr>
+        </p:nvSpPr>
+        <p:spPr/>
+        <p:txBody>
+          <a:bodyPr/>
+          <a:lstStyle/>
+          <a:p>
+            <a:r>
+              <a:rPr lang="ru-RU" sz="8000" dirty="0"/>
+              <a:t>Цикл</a:t>
+            </a:r>
+            <a:br>
+              <a:rPr lang="en-US" sz="8000" dirty="0"/>
+            </a:br>
+            <a:r>
+              <a:rPr lang="en-US" sz="8000" dirty="0"/>
+              <a:t>for</a:t>
+            </a:r>
+            <a:br>
+              <a:rPr lang="en-US" sz="8000" dirty="0"/>
+            </a:br>
+            <a:endParaRPr lang="ru-RU" sz="8000" dirty="0"/>
+          </a:p>
+        </p:txBody>
+      </p:sp>
+      <p:pic>
+        <p:nvPicPr>
+          <p:cNvPr id="9" name="Рисунок 8"/>
+          <p:cNvPicPr>
+            <a:picLocks noChangeAspect="1"/>
+          </p:cNvPicPr>
+          <p:nvPr/>
+        </p:nvPicPr>
+        <p:blipFill>
+          <a:blip r:embed="rId3">
+            <a:extLst>
+              <a:ext uri="{28A0092B-C50C-407E-A947-70E740481C1C}">
+                <a14:useLocalDpi xmlns:a14="http://schemas.microsoft.com/office/drawing/2010/main" val="0"/>
+              </a:ext>
+            </a:extLst>
+          </a:blip>
+          <a:stretch>
+            <a:fillRect/>
+          </a:stretch>
+        </p:blipFill>
+        <p:spPr>
+          <a:xfrm>
+            <a:off x="21228371" y="1027996"/>
+            <a:ext cx="2442110" cy="739512"/>
+          </a:xfrm>
+          <a:prstGeom prst="rect">
+            <a:avLst/>
+          </a:prstGeom>
+        </p:spPr>
+      </p:pic>
+      <p:sp>
+        <p:nvSpPr>
+          <p:cNvPr id="11" name="Текст 4">
+            <a:extLst>
+              <a:ext uri="{FF2B5EF4-FFF2-40B4-BE49-F238E27FC236}">
+                <a16:creationId xmlns:a16="http://schemas.microsoft.com/office/drawing/2014/main" id="{0F7FD6C9-92F9-7240-A4B8-A7EA669E7024}"/>
+              </a:ext>
+            </a:extLst>
+          </p:cNvPr>
+          <p:cNvSpPr txBox="1">
+            <a:spLocks/>
+          </p:cNvSpPr>
+          <p:nvPr/>
+        </p:nvSpPr>
+        <p:spPr>
+          <a:xfrm>
+            <a:off x="6634447" y="11682536"/>
+            <a:ext cx="11473880" cy="1440160"/>
+          </a:xfrm>
+          <a:prstGeom prst="rect">
+            <a:avLst/>
+          </a:prstGeom>
+          <a:noFill/>
+          <a:ln>
+            <a:noFill/>
+          </a:ln>
+        </p:spPr>
+        <p:txBody>
+          <a:bodyPr lIns="91425" tIns="91425" rIns="91425" bIns="91425" anchor="t" anchorCtr="0"/>
+          <a:lstStyle>
+            <a:defPPr marR="0" algn="l" rtl="0">
+              <a:lnSpc>
+                <a:spcPct val="100000"/>
+              </a:lnSpc>
+              <a:spcBef>
+                <a:spcPts val="0"/>
+              </a:spcBef>
+              <a:spcAft>
+                <a:spcPts val="0"/>
+              </a:spcAft>
+            </a:defPPr>
+            <a:lvl1pPr marR="0" algn="l" rtl="0">
+              <a:lnSpc>
+                <a:spcPct val="100000"/>
+              </a:lnSpc>
+              <a:spcBef>
+                <a:spcPts val="0"/>
+              </a:spcBef>
+              <a:spcAft>
+                <a:spcPts val="1600"/>
+              </a:spcAft>
+              <a:buClr>
+                <a:schemeClr val="dk2"/>
+              </a:buClr>
+              <a:buSzPct val="100000"/>
+              <a:buNone/>
+              <a:defRPr sz="3200" b="0" i="0" u="none" strike="noStrike" cap="none" spc="-5" baseline="0" dirty="0">
+                <a:solidFill>
+                  <a:schemeClr val="dk2"/>
+                </a:solidFill>
+                <a:latin typeface="+mn-lt"/>
+                <a:ea typeface="Arial"/>
+                <a:cs typeface="Arial"/>
+                <a:sym typeface="Arial"/>
+              </a:defRPr>
+            </a:lvl1pPr>
+            <a:lvl2pPr marR="0" algn="l" rtl="0">
+              <a:lnSpc>
+                <a:spcPct val="115000"/>
+              </a:lnSpc>
+              <a:spcBef>
+                <a:spcPts val="0"/>
+              </a:spcBef>
+              <a:spcAft>
+                <a:spcPts val="1600"/>
+              </a:spcAft>
+              <a:buClr>
+                <a:schemeClr val="dk2"/>
+              </a:buClr>
+              <a:buNone/>
+              <a:defRPr sz="3733" b="0" i="0" u="none" strike="noStrike" cap="none" baseline="0">
+                <a:solidFill>
+                  <a:schemeClr val="dk2"/>
+                </a:solidFill>
+                <a:latin typeface="Arial"/>
+                <a:ea typeface="Arial"/>
+                <a:cs typeface="Arial"/>
+                <a:sym typeface="Arial"/>
+              </a:defRPr>
+            </a:lvl2pPr>
+            <a:lvl3pPr marR="0" algn="l" rtl="0">
+              <a:lnSpc>
+                <a:spcPct val="115000"/>
+              </a:lnSpc>
+              <a:spcBef>
+                <a:spcPts val="0"/>
+              </a:spcBef>
+              <a:spcAft>
+                <a:spcPts val="1600"/>
+              </a:spcAft>
+              <a:buClr>
+                <a:schemeClr val="dk2"/>
+              </a:buClr>
+              <a:buNone/>
+              <a:defRPr sz="3733" b="0" i="0" u="none" strike="noStrike" cap="none" baseline="0">
+                <a:solidFill>
+                  <a:schemeClr val="dk2"/>
+                </a:solidFill>
+                <a:latin typeface="Arial"/>
+                <a:ea typeface="Arial"/>
+                <a:cs typeface="Arial"/>
+                <a:sym typeface="Arial"/>
+              </a:defRPr>
+            </a:lvl3pPr>
+            <a:lvl4pPr marR="0" algn="l" rtl="0">
+              <a:lnSpc>
+                <a:spcPct val="115000"/>
+              </a:lnSpc>
+              <a:spcBef>
+                <a:spcPts val="0"/>
+              </a:spcBef>
+              <a:spcAft>
+                <a:spcPts val="1600"/>
+              </a:spcAft>
+              <a:buClr>
+                <a:schemeClr val="dk2"/>
+              </a:buClr>
+              <a:buNone/>
+              <a:defRPr sz="3733" b="0" i="0" u="none" strike="noStrike" cap="none" baseline="0">
+                <a:solidFill>
+                  <a:schemeClr val="dk2"/>
+                </a:solidFill>
+                <a:latin typeface="Arial"/>
+                <a:ea typeface="Arial"/>
+                <a:cs typeface="Arial"/>
+                <a:sym typeface="Arial"/>
+              </a:defRPr>
+            </a:lvl4pPr>
+            <a:lvl5pPr marR="0" algn="l" rtl="0">
+              <a:lnSpc>
+                <a:spcPct val="115000"/>
+              </a:lnSpc>
+              <a:spcBef>
+                <a:spcPts val="0"/>
+              </a:spcBef>
+              <a:spcAft>
+                <a:spcPts val="1600"/>
+              </a:spcAft>
+              <a:buClr>
+                <a:schemeClr val="dk2"/>
+              </a:buClr>
+              <a:buNone/>
+              <a:defRPr sz="3733" b="0" i="0" u="none" strike="noStrike" cap="none" baseline="0">
+                <a:solidFill>
+                  <a:schemeClr val="dk2"/>
+                </a:solidFill>
+                <a:latin typeface="Arial"/>
+                <a:ea typeface="Arial"/>
+                <a:cs typeface="Arial"/>
+                <a:sym typeface="Arial"/>
+              </a:defRPr>
+            </a:lvl5pPr>
+            <a:lvl6pPr marR="0" algn="l" rtl="0">
+              <a:lnSpc>
+                <a:spcPct val="115000"/>
+              </a:lnSpc>
+              <a:spcBef>
+                <a:spcPts val="0"/>
+              </a:spcBef>
+              <a:spcAft>
+                <a:spcPts val="1600"/>
+              </a:spcAft>
+              <a:buClr>
+                <a:schemeClr val="dk2"/>
+              </a:buClr>
+              <a:buNone/>
+              <a:defRPr sz="3733" b="0" i="0" u="none" strike="noStrike" cap="none" baseline="0">
+                <a:solidFill>
+                  <a:schemeClr val="dk2"/>
+                </a:solidFill>
+                <a:latin typeface="Arial"/>
+                <a:ea typeface="Arial"/>
+                <a:cs typeface="Arial"/>
+                <a:sym typeface="Arial"/>
+              </a:defRPr>
+            </a:lvl6pPr>
+            <a:lvl7pPr marR="0" algn="l" rtl="0">
+              <a:lnSpc>
+                <a:spcPct val="115000"/>
+              </a:lnSpc>
+              <a:spcBef>
+                <a:spcPts val="0"/>
+              </a:spcBef>
+              <a:spcAft>
+                <a:spcPts val="1600"/>
+              </a:spcAft>
+              <a:buClr>
+                <a:schemeClr val="dk2"/>
+              </a:buClr>
+              <a:buNone/>
+              <a:defRPr sz="3733" b="0" i="0" u="none" strike="noStrike" cap="none" baseline="0">
+                <a:solidFill>
+                  <a:schemeClr val="dk2"/>
+                </a:solidFill>
+                <a:latin typeface="Arial"/>
+                <a:ea typeface="Arial"/>
+                <a:cs typeface="Arial"/>
+                <a:sym typeface="Arial"/>
+              </a:defRPr>
+            </a:lvl7pPr>
+            <a:lvl8pPr marR="0" algn="l" rtl="0">
+              <a:lnSpc>
+                <a:spcPct val="115000"/>
+              </a:lnSpc>
+              <a:spcBef>
+                <a:spcPts val="0"/>
+              </a:spcBef>
+              <a:spcAft>
+                <a:spcPts val="1600"/>
+              </a:spcAft>
+              <a:buClr>
+                <a:schemeClr val="dk2"/>
+              </a:buClr>
+              <a:buNone/>
+              <a:defRPr sz="3733" b="0" i="0" u="none" strike="noStrike" cap="none" baseline="0">
+                <a:solidFill>
+                  <a:schemeClr val="dk2"/>
+                </a:solidFill>
+                <a:latin typeface="Arial"/>
+                <a:ea typeface="Arial"/>
+                <a:cs typeface="Arial"/>
+                <a:sym typeface="Arial"/>
+              </a:defRPr>
+            </a:lvl8pPr>
+            <a:lvl9pPr marR="0" algn="l" rtl="0">
+              <a:lnSpc>
+                <a:spcPct val="115000"/>
+              </a:lnSpc>
+              <a:spcBef>
+                <a:spcPts val="0"/>
+              </a:spcBef>
+              <a:spcAft>
+                <a:spcPts val="1600"/>
+              </a:spcAft>
+              <a:buClr>
+                <a:schemeClr val="dk2"/>
+              </a:buClr>
+              <a:buNone/>
+              <a:defRPr sz="3733" b="0" i="0" u="none" strike="noStrike" cap="none" baseline="0">
+                <a:solidFill>
+                  <a:schemeClr val="dk2"/>
+                </a:solidFill>
+                <a:latin typeface="Arial"/>
+                <a:ea typeface="Arial"/>
+                <a:cs typeface="Arial"/>
+                <a:sym typeface="Arial"/>
+              </a:defRPr>
+            </a:lvl9pPr>
+          </a:lstStyle>
+          <a:p>
+            <a:pPr algn="ctr"/>
+            <a:r>
+              <a:rPr lang="ru-RU" sz="2400" dirty="0"/>
+              <a:t>© 2020 Иван Потылицын и Анастасия </a:t>
+            </a:r>
+            <a:r>
+              <a:rPr lang="ru-RU" sz="2400" dirty="0" err="1"/>
+              <a:t>Мершавка</a:t>
+            </a:r>
+            <a:br>
+              <a:rPr lang="ru-RU" sz="2400" dirty="0"/>
+            </a:br>
+            <a:r>
+              <a:rPr lang="ru-RU" sz="2400" dirty="0"/>
+              <a:t>Кафедра прикладной механики МФТИ</a:t>
+            </a:r>
+            <a:br>
+              <a:rPr lang="ru-RU" sz="2400" dirty="0"/>
+            </a:br>
+            <a:r>
+              <a:rPr lang="ru-RU" sz="2400" dirty="0"/>
+              <a:t>Физтех-школа аэрокосмических технологий</a:t>
+            </a:r>
+          </a:p>
+        </p:txBody>
+      </p:sp>
+    </p:spTree>
+    <p:extLst>
+      <p:ext uri="{BB962C8B-B14F-4D97-AF65-F5344CB8AC3E}">
+        <p14:creationId xmlns:p14="http://schemas.microsoft.com/office/powerpoint/2010/main" val="2225952812"/>
+      </p:ext>
+    </p:extLst>
+  </p:cSld>
+  <p:clrMapOvr>
+    <a:masterClrMapping/>
+  </p:clrMapOvr>
+</p:sld>
+</file>
+
+<file path=ppt/slides/slide18.xml><?xml version="1.0" encoding="utf-8"?>
+<p:sld xmlns:a="http://schemas.openxmlformats.org/drawingml/2006/main" xmlns:r="http://schemas.openxmlformats.org/officeDocument/2006/relationships" xmlns:p="http://schemas.openxmlformats.org/presentationml/2006/main">
+  <p:cSld>
+    <p:bg>
+      <p:bgPr>
+        <a:blipFill dpi="0" rotWithShape="1">
+          <a:blip r:embed="rId2">
+            <a:lum/>
+          </a:blip>
+          <a:srcRect/>
+          <a:stretch>
+            <a:fillRect t="-1000" b="-1000"/>
+          </a:stretch>
+        </a:blipFill>
+        <a:effectLst/>
+      </p:bgPr>
+    </p:bg>
+    <p:spTree>
+      <p:nvGrpSpPr>
+        <p:cNvPr id="1" name=""/>
+        <p:cNvGrpSpPr/>
+        <p:nvPr/>
+      </p:nvGrpSpPr>
+      <p:grpSpPr>
+        <a:xfrm>
+          <a:off x="0" y="0"/>
+          <a:ext cx="0" cy="0"/>
+          <a:chOff x="0" y="0"/>
+          <a:chExt cx="0" cy="0"/>
+        </a:xfrm>
+      </p:grpSpPr>
+      <p:sp>
+        <p:nvSpPr>
+          <p:cNvPr id="2" name="Подзаголовок 1"/>
+          <p:cNvSpPr>
+            <a:spLocks noGrp="1"/>
+          </p:cNvSpPr>
+          <p:nvPr>
+            <p:ph type="subTitle" idx="1"/>
+          </p:nvPr>
+        </p:nvSpPr>
+        <p:spPr>
+          <a:xfrm>
+            <a:off x="843437" y="8204076"/>
+            <a:ext cx="23055913" cy="2686371"/>
+          </a:xfrm>
+        </p:spPr>
+        <p:txBody>
+          <a:bodyPr/>
+          <a:lstStyle/>
+          <a:p>
+            <a:r>
+              <a:rPr lang="ru-RU" dirty="0">
+                <a:solidFill>
+                  <a:schemeClr val="accent4"/>
+                </a:solidFill>
+              </a:rPr>
+              <a:t>Общеинженерная подготовка</a:t>
+            </a:r>
+          </a:p>
+        </p:txBody>
+      </p:sp>
+      <p:sp>
+        <p:nvSpPr>
+          <p:cNvPr id="3" name="Заголовок 2"/>
+          <p:cNvSpPr>
+            <a:spLocks noGrp="1"/>
+          </p:cNvSpPr>
+          <p:nvPr>
+            <p:ph type="ctrTitle"/>
+          </p:nvPr>
+        </p:nvSpPr>
+        <p:spPr/>
+        <p:txBody>
+          <a:bodyPr/>
+          <a:lstStyle/>
+          <a:p>
+            <a:r>
+              <a:rPr lang="ru-RU" sz="8000" dirty="0"/>
+              <a:t>Функции</a:t>
+            </a:r>
+            <a:br>
+              <a:rPr lang="en-US" sz="8000" dirty="0"/>
+            </a:br>
+            <a:endParaRPr lang="ru-RU" sz="8000" dirty="0"/>
+          </a:p>
+        </p:txBody>
+      </p:sp>
+      <p:pic>
+        <p:nvPicPr>
+          <p:cNvPr id="9" name="Рисунок 8"/>
+          <p:cNvPicPr>
+            <a:picLocks noChangeAspect="1"/>
+          </p:cNvPicPr>
+          <p:nvPr/>
+        </p:nvPicPr>
+        <p:blipFill>
+          <a:blip r:embed="rId3">
+            <a:extLst>
+              <a:ext uri="{28A0092B-C50C-407E-A947-70E740481C1C}">
+                <a14:useLocalDpi xmlns:a14="http://schemas.microsoft.com/office/drawing/2010/main" val="0"/>
+              </a:ext>
+            </a:extLst>
+          </a:blip>
+          <a:stretch>
+            <a:fillRect/>
+          </a:stretch>
+        </p:blipFill>
+        <p:spPr>
+          <a:xfrm>
+            <a:off x="21228371" y="1027996"/>
+            <a:ext cx="2442110" cy="739512"/>
+          </a:xfrm>
+          <a:prstGeom prst="rect">
+            <a:avLst/>
+          </a:prstGeom>
+        </p:spPr>
+      </p:pic>
+      <p:sp>
+        <p:nvSpPr>
+          <p:cNvPr id="11" name="Текст 4">
+            <a:extLst>
+              <a:ext uri="{FF2B5EF4-FFF2-40B4-BE49-F238E27FC236}">
+                <a16:creationId xmlns:a16="http://schemas.microsoft.com/office/drawing/2014/main" id="{0F7FD6C9-92F9-7240-A4B8-A7EA669E7024}"/>
+              </a:ext>
+            </a:extLst>
+          </p:cNvPr>
+          <p:cNvSpPr txBox="1">
+            <a:spLocks/>
+          </p:cNvSpPr>
+          <p:nvPr/>
+        </p:nvSpPr>
+        <p:spPr>
+          <a:xfrm>
+            <a:off x="6634447" y="11682536"/>
+            <a:ext cx="11473880" cy="1440160"/>
+          </a:xfrm>
+          <a:prstGeom prst="rect">
+            <a:avLst/>
+          </a:prstGeom>
+          <a:noFill/>
+          <a:ln>
+            <a:noFill/>
+          </a:ln>
+        </p:spPr>
+        <p:txBody>
+          <a:bodyPr lIns="91425" tIns="91425" rIns="91425" bIns="91425" anchor="t" anchorCtr="0"/>
+          <a:lstStyle>
+            <a:defPPr marR="0" algn="l" rtl="0">
+              <a:lnSpc>
+                <a:spcPct val="100000"/>
+              </a:lnSpc>
+              <a:spcBef>
+                <a:spcPts val="0"/>
+              </a:spcBef>
+              <a:spcAft>
+                <a:spcPts val="0"/>
+              </a:spcAft>
+            </a:defPPr>
+            <a:lvl1pPr marR="0" algn="l" rtl="0">
+              <a:lnSpc>
+                <a:spcPct val="100000"/>
+              </a:lnSpc>
+              <a:spcBef>
+                <a:spcPts val="0"/>
+              </a:spcBef>
+              <a:spcAft>
+                <a:spcPts val="1600"/>
+              </a:spcAft>
+              <a:buClr>
+                <a:schemeClr val="dk2"/>
+              </a:buClr>
+              <a:buSzPct val="100000"/>
+              <a:buNone/>
+              <a:defRPr sz="3200" b="0" i="0" u="none" strike="noStrike" cap="none" spc="-5" baseline="0" dirty="0">
+                <a:solidFill>
+                  <a:schemeClr val="dk2"/>
+                </a:solidFill>
+                <a:latin typeface="+mn-lt"/>
+                <a:ea typeface="Arial"/>
+                <a:cs typeface="Arial"/>
+                <a:sym typeface="Arial"/>
+              </a:defRPr>
+            </a:lvl1pPr>
+            <a:lvl2pPr marR="0" algn="l" rtl="0">
+              <a:lnSpc>
+                <a:spcPct val="115000"/>
+              </a:lnSpc>
+              <a:spcBef>
+                <a:spcPts val="0"/>
+              </a:spcBef>
+              <a:spcAft>
+                <a:spcPts val="1600"/>
+              </a:spcAft>
+              <a:buClr>
+                <a:schemeClr val="dk2"/>
+              </a:buClr>
+              <a:buNone/>
+              <a:defRPr sz="3733" b="0" i="0" u="none" strike="noStrike" cap="none" baseline="0">
+                <a:solidFill>
+                  <a:schemeClr val="dk2"/>
+                </a:solidFill>
+                <a:latin typeface="Arial"/>
+                <a:ea typeface="Arial"/>
+                <a:cs typeface="Arial"/>
+                <a:sym typeface="Arial"/>
+              </a:defRPr>
+            </a:lvl2pPr>
+            <a:lvl3pPr marR="0" algn="l" rtl="0">
+              <a:lnSpc>
+                <a:spcPct val="115000"/>
+              </a:lnSpc>
+              <a:spcBef>
+                <a:spcPts val="0"/>
+              </a:spcBef>
+              <a:spcAft>
+                <a:spcPts val="1600"/>
+              </a:spcAft>
+              <a:buClr>
+                <a:schemeClr val="dk2"/>
+              </a:buClr>
+              <a:buNone/>
+              <a:defRPr sz="3733" b="0" i="0" u="none" strike="noStrike" cap="none" baseline="0">
+                <a:solidFill>
+                  <a:schemeClr val="dk2"/>
+                </a:solidFill>
+                <a:latin typeface="Arial"/>
+                <a:ea typeface="Arial"/>
+                <a:cs typeface="Arial"/>
+                <a:sym typeface="Arial"/>
+              </a:defRPr>
+            </a:lvl3pPr>
+            <a:lvl4pPr marR="0" algn="l" rtl="0">
+              <a:lnSpc>
+                <a:spcPct val="115000"/>
+              </a:lnSpc>
+              <a:spcBef>
+                <a:spcPts val="0"/>
+              </a:spcBef>
+              <a:spcAft>
+                <a:spcPts val="1600"/>
+              </a:spcAft>
+              <a:buClr>
+                <a:schemeClr val="dk2"/>
+              </a:buClr>
+              <a:buNone/>
+              <a:defRPr sz="3733" b="0" i="0" u="none" strike="noStrike" cap="none" baseline="0">
+                <a:solidFill>
+                  <a:schemeClr val="dk2"/>
+                </a:solidFill>
+                <a:latin typeface="Arial"/>
+                <a:ea typeface="Arial"/>
+                <a:cs typeface="Arial"/>
+                <a:sym typeface="Arial"/>
+              </a:defRPr>
+            </a:lvl4pPr>
+            <a:lvl5pPr marR="0" algn="l" rtl="0">
+              <a:lnSpc>
+                <a:spcPct val="115000"/>
+              </a:lnSpc>
+              <a:spcBef>
+                <a:spcPts val="0"/>
+              </a:spcBef>
+              <a:spcAft>
+                <a:spcPts val="1600"/>
+              </a:spcAft>
+              <a:buClr>
+                <a:schemeClr val="dk2"/>
+              </a:buClr>
+              <a:buNone/>
+              <a:defRPr sz="3733" b="0" i="0" u="none" strike="noStrike" cap="none" baseline="0">
+                <a:solidFill>
+                  <a:schemeClr val="dk2"/>
+                </a:solidFill>
+                <a:latin typeface="Arial"/>
+                <a:ea typeface="Arial"/>
+                <a:cs typeface="Arial"/>
+                <a:sym typeface="Arial"/>
+              </a:defRPr>
+            </a:lvl5pPr>
+            <a:lvl6pPr marR="0" algn="l" rtl="0">
+              <a:lnSpc>
+                <a:spcPct val="115000"/>
+              </a:lnSpc>
+              <a:spcBef>
+                <a:spcPts val="0"/>
+              </a:spcBef>
+              <a:spcAft>
+                <a:spcPts val="1600"/>
+              </a:spcAft>
+              <a:buClr>
+                <a:schemeClr val="dk2"/>
+              </a:buClr>
+              <a:buNone/>
+              <a:defRPr sz="3733" b="0" i="0" u="none" strike="noStrike" cap="none" baseline="0">
+                <a:solidFill>
+                  <a:schemeClr val="dk2"/>
+                </a:solidFill>
+                <a:latin typeface="Arial"/>
+                <a:ea typeface="Arial"/>
+                <a:cs typeface="Arial"/>
+                <a:sym typeface="Arial"/>
+              </a:defRPr>
+            </a:lvl6pPr>
+            <a:lvl7pPr marR="0" algn="l" rtl="0">
+              <a:lnSpc>
+                <a:spcPct val="115000"/>
+              </a:lnSpc>
+              <a:spcBef>
+                <a:spcPts val="0"/>
+              </a:spcBef>
+              <a:spcAft>
+                <a:spcPts val="1600"/>
+              </a:spcAft>
+              <a:buClr>
+                <a:schemeClr val="dk2"/>
+              </a:buClr>
+              <a:buNone/>
+              <a:defRPr sz="3733" b="0" i="0" u="none" strike="noStrike" cap="none" baseline="0">
+                <a:solidFill>
+                  <a:schemeClr val="dk2"/>
+                </a:solidFill>
+                <a:latin typeface="Arial"/>
+                <a:ea typeface="Arial"/>
+                <a:cs typeface="Arial"/>
+                <a:sym typeface="Arial"/>
+              </a:defRPr>
+            </a:lvl7pPr>
+            <a:lvl8pPr marR="0" algn="l" rtl="0">
+              <a:lnSpc>
+                <a:spcPct val="115000"/>
+              </a:lnSpc>
+              <a:spcBef>
+                <a:spcPts val="0"/>
+              </a:spcBef>
+              <a:spcAft>
+                <a:spcPts val="1600"/>
+              </a:spcAft>
+              <a:buClr>
+                <a:schemeClr val="dk2"/>
+              </a:buClr>
+              <a:buNone/>
+              <a:defRPr sz="3733" b="0" i="0" u="none" strike="noStrike" cap="none" baseline="0">
+                <a:solidFill>
+                  <a:schemeClr val="dk2"/>
+                </a:solidFill>
+                <a:latin typeface="Arial"/>
+                <a:ea typeface="Arial"/>
+                <a:cs typeface="Arial"/>
+                <a:sym typeface="Arial"/>
+              </a:defRPr>
+            </a:lvl8pPr>
+            <a:lvl9pPr marR="0" algn="l" rtl="0">
+              <a:lnSpc>
+                <a:spcPct val="115000"/>
+              </a:lnSpc>
+              <a:spcBef>
+                <a:spcPts val="0"/>
+              </a:spcBef>
+              <a:spcAft>
+                <a:spcPts val="1600"/>
+              </a:spcAft>
+              <a:buClr>
+                <a:schemeClr val="dk2"/>
+              </a:buClr>
+              <a:buNone/>
+              <a:defRPr sz="3733" b="0" i="0" u="none" strike="noStrike" cap="none" baseline="0">
+                <a:solidFill>
+                  <a:schemeClr val="dk2"/>
+                </a:solidFill>
+                <a:latin typeface="Arial"/>
+                <a:ea typeface="Arial"/>
+                <a:cs typeface="Arial"/>
+                <a:sym typeface="Arial"/>
+              </a:defRPr>
+            </a:lvl9pPr>
+          </a:lstStyle>
+          <a:p>
+            <a:pPr algn="ctr"/>
+            <a:r>
+              <a:rPr lang="ru-RU" sz="2400" dirty="0"/>
+              <a:t>© 2020 Иван Потылицын и Анастасия </a:t>
+            </a:r>
+            <a:r>
+              <a:rPr lang="ru-RU" sz="2400" dirty="0" err="1"/>
+              <a:t>Мершавка</a:t>
+            </a:r>
+            <a:br>
+              <a:rPr lang="ru-RU" sz="2400" dirty="0"/>
+            </a:br>
+            <a:r>
+              <a:rPr lang="ru-RU" sz="2400" dirty="0"/>
+              <a:t>Кафедра прикладной механики МФТИ</a:t>
+            </a:r>
+            <a:br>
+              <a:rPr lang="ru-RU" sz="2400" dirty="0"/>
+            </a:br>
+            <a:r>
+              <a:rPr lang="ru-RU" sz="2400" dirty="0"/>
+              <a:t>Физтех-школа аэрокосмических технологий</a:t>
+            </a:r>
+          </a:p>
+        </p:txBody>
+      </p:sp>
+    </p:spTree>
+    <p:extLst>
+      <p:ext uri="{BB962C8B-B14F-4D97-AF65-F5344CB8AC3E}">
+        <p14:creationId xmlns:p14="http://schemas.microsoft.com/office/powerpoint/2010/main" val="4006487387"/>
+      </p:ext>
+    </p:extLst>
+  </p:cSld>
+  <p:clrMapOvr>
+    <a:masterClrMapping/>
+  </p:clrMapOvr>
+</p:sld>
+</file>
+
+<file path=ppt/slides/slide19.xml><?xml version="1.0" encoding="utf-8"?>
+<p:sld xmlns:a="http://schemas.openxmlformats.org/drawingml/2006/main" xmlns:r="http://schemas.openxmlformats.org/officeDocument/2006/relationships" xmlns:p="http://schemas.openxmlformats.org/presentationml/2006/main">
+  <p:cSld>
+    <p:bg>
+      <p:bgPr>
+        <a:blipFill dpi="0" rotWithShape="1">
+          <a:blip r:embed="rId2">
+            <a:lum/>
+          </a:blip>
+          <a:srcRect/>
+          <a:stretch>
+            <a:fillRect t="-1000" b="-1000"/>
+          </a:stretch>
+        </a:blipFill>
+        <a:effectLst/>
+      </p:bgPr>
+    </p:bg>
+    <p:spTree>
+      <p:nvGrpSpPr>
+        <p:cNvPr id="1" name=""/>
+        <p:cNvGrpSpPr/>
+        <p:nvPr/>
+      </p:nvGrpSpPr>
+      <p:grpSpPr>
+        <a:xfrm>
+          <a:off x="0" y="0"/>
+          <a:ext cx="0" cy="0"/>
+          <a:chOff x="0" y="0"/>
+          <a:chExt cx="0" cy="0"/>
+        </a:xfrm>
+      </p:grpSpPr>
+      <p:sp>
+        <p:nvSpPr>
+          <p:cNvPr id="2" name="Подзаголовок 1"/>
+          <p:cNvSpPr>
+            <a:spLocks noGrp="1"/>
+          </p:cNvSpPr>
+          <p:nvPr>
+            <p:ph type="subTitle" idx="1"/>
+          </p:nvPr>
+        </p:nvSpPr>
+        <p:spPr>
+          <a:xfrm>
+            <a:off x="843437" y="8204076"/>
+            <a:ext cx="23055913" cy="2686371"/>
+          </a:xfrm>
+        </p:spPr>
+        <p:txBody>
+          <a:bodyPr/>
+          <a:lstStyle/>
+          <a:p>
+            <a:r>
+              <a:rPr lang="ru-RU" dirty="0">
+                <a:solidFill>
+                  <a:schemeClr val="accent4"/>
+                </a:solidFill>
+              </a:rPr>
+              <a:t>Общеинженерная подготовка</a:t>
+            </a:r>
+          </a:p>
+        </p:txBody>
+      </p:sp>
+      <p:sp>
+        <p:nvSpPr>
+          <p:cNvPr id="3" name="Заголовок 2"/>
+          <p:cNvSpPr>
+            <a:spLocks noGrp="1"/>
+          </p:cNvSpPr>
+          <p:nvPr>
+            <p:ph type="ctrTitle"/>
+          </p:nvPr>
+        </p:nvSpPr>
+        <p:spPr/>
+        <p:txBody>
+          <a:bodyPr/>
+          <a:lstStyle/>
+          <a:p>
+            <a:r>
+              <a:rPr lang="ru-RU" sz="8000" dirty="0"/>
+              <a:t>Цикл</a:t>
+            </a:r>
+            <a:br>
+              <a:rPr lang="en-US" sz="8000" dirty="0"/>
+            </a:br>
+            <a:r>
+              <a:rPr lang="en-US" sz="8000" dirty="0"/>
+              <a:t>while</a:t>
+            </a:r>
+            <a:br>
+              <a:rPr lang="en-US" sz="8000" dirty="0"/>
+            </a:br>
+            <a:endParaRPr lang="ru-RU" sz="8000" dirty="0"/>
+          </a:p>
+        </p:txBody>
+      </p:sp>
+      <p:pic>
+        <p:nvPicPr>
+          <p:cNvPr id="9" name="Рисунок 8"/>
+          <p:cNvPicPr>
+            <a:picLocks noChangeAspect="1"/>
+          </p:cNvPicPr>
+          <p:nvPr/>
+        </p:nvPicPr>
+        <p:blipFill>
+          <a:blip r:embed="rId3">
+            <a:extLst>
+              <a:ext uri="{28A0092B-C50C-407E-A947-70E740481C1C}">
+                <a14:useLocalDpi xmlns:a14="http://schemas.microsoft.com/office/drawing/2010/main" val="0"/>
+              </a:ext>
+            </a:extLst>
+          </a:blip>
+          <a:stretch>
+            <a:fillRect/>
+          </a:stretch>
+        </p:blipFill>
+        <p:spPr>
+          <a:xfrm>
+            <a:off x="21228371" y="1027996"/>
+            <a:ext cx="2442110" cy="739512"/>
+          </a:xfrm>
+          <a:prstGeom prst="rect">
+            <a:avLst/>
+          </a:prstGeom>
+        </p:spPr>
+      </p:pic>
+      <p:sp>
+        <p:nvSpPr>
+          <p:cNvPr id="11" name="Текст 4">
+            <a:extLst>
+              <a:ext uri="{FF2B5EF4-FFF2-40B4-BE49-F238E27FC236}">
+                <a16:creationId xmlns:a16="http://schemas.microsoft.com/office/drawing/2014/main" id="{0F7FD6C9-92F9-7240-A4B8-A7EA669E7024}"/>
+              </a:ext>
+            </a:extLst>
+          </p:cNvPr>
+          <p:cNvSpPr txBox="1">
+            <a:spLocks/>
+          </p:cNvSpPr>
+          <p:nvPr/>
+        </p:nvSpPr>
+        <p:spPr>
+          <a:xfrm>
+            <a:off x="6634447" y="11682536"/>
+            <a:ext cx="11473880" cy="1440160"/>
+          </a:xfrm>
+          <a:prstGeom prst="rect">
+            <a:avLst/>
+          </a:prstGeom>
+          <a:noFill/>
+          <a:ln>
+            <a:noFill/>
+          </a:ln>
+        </p:spPr>
+        <p:txBody>
+          <a:bodyPr lIns="91425" tIns="91425" rIns="91425" bIns="91425" anchor="t" anchorCtr="0"/>
+          <a:lstStyle>
+            <a:defPPr marR="0" algn="l" rtl="0">
+              <a:lnSpc>
+                <a:spcPct val="100000"/>
+              </a:lnSpc>
+              <a:spcBef>
+                <a:spcPts val="0"/>
+              </a:spcBef>
+              <a:spcAft>
+                <a:spcPts val="0"/>
+              </a:spcAft>
+            </a:defPPr>
+            <a:lvl1pPr marR="0" algn="l" rtl="0">
+              <a:lnSpc>
+                <a:spcPct val="100000"/>
+              </a:lnSpc>
+              <a:spcBef>
+                <a:spcPts val="0"/>
+              </a:spcBef>
+              <a:spcAft>
+                <a:spcPts val="1600"/>
+              </a:spcAft>
+              <a:buClr>
+                <a:schemeClr val="dk2"/>
+              </a:buClr>
+              <a:buSzPct val="100000"/>
+              <a:buNone/>
+              <a:defRPr sz="3200" b="0" i="0" u="none" strike="noStrike" cap="none" spc="-5" baseline="0" dirty="0">
+                <a:solidFill>
+                  <a:schemeClr val="dk2"/>
+                </a:solidFill>
+                <a:latin typeface="+mn-lt"/>
+                <a:ea typeface="Arial"/>
+                <a:cs typeface="Arial"/>
+                <a:sym typeface="Arial"/>
+              </a:defRPr>
+            </a:lvl1pPr>
+            <a:lvl2pPr marR="0" algn="l" rtl="0">
+              <a:lnSpc>
+                <a:spcPct val="115000"/>
+              </a:lnSpc>
+              <a:spcBef>
+                <a:spcPts val="0"/>
+              </a:spcBef>
+              <a:spcAft>
+                <a:spcPts val="1600"/>
+              </a:spcAft>
+              <a:buClr>
+                <a:schemeClr val="dk2"/>
+              </a:buClr>
+              <a:buNone/>
+              <a:defRPr sz="3733" b="0" i="0" u="none" strike="noStrike" cap="none" baseline="0">
+                <a:solidFill>
+                  <a:schemeClr val="dk2"/>
+                </a:solidFill>
+                <a:latin typeface="Arial"/>
+                <a:ea typeface="Arial"/>
+                <a:cs typeface="Arial"/>
+                <a:sym typeface="Arial"/>
+              </a:defRPr>
+            </a:lvl2pPr>
+            <a:lvl3pPr marR="0" algn="l" rtl="0">
+              <a:lnSpc>
+                <a:spcPct val="115000"/>
+              </a:lnSpc>
+              <a:spcBef>
+                <a:spcPts val="0"/>
+              </a:spcBef>
+              <a:spcAft>
+                <a:spcPts val="1600"/>
+              </a:spcAft>
+              <a:buClr>
+                <a:schemeClr val="dk2"/>
+              </a:buClr>
+              <a:buNone/>
+              <a:defRPr sz="3733" b="0" i="0" u="none" strike="noStrike" cap="none" baseline="0">
+                <a:solidFill>
+                  <a:schemeClr val="dk2"/>
+                </a:solidFill>
+                <a:latin typeface="Arial"/>
+                <a:ea typeface="Arial"/>
+                <a:cs typeface="Arial"/>
+                <a:sym typeface="Arial"/>
+              </a:defRPr>
+            </a:lvl3pPr>
+            <a:lvl4pPr marR="0" algn="l" rtl="0">
+              <a:lnSpc>
+                <a:spcPct val="115000"/>
+              </a:lnSpc>
+              <a:spcBef>
+                <a:spcPts val="0"/>
+              </a:spcBef>
+              <a:spcAft>
+                <a:spcPts val="1600"/>
+              </a:spcAft>
+              <a:buClr>
+                <a:schemeClr val="dk2"/>
+              </a:buClr>
+              <a:buNone/>
+              <a:defRPr sz="3733" b="0" i="0" u="none" strike="noStrike" cap="none" baseline="0">
+                <a:solidFill>
+                  <a:schemeClr val="dk2"/>
+                </a:solidFill>
+                <a:latin typeface="Arial"/>
+                <a:ea typeface="Arial"/>
+                <a:cs typeface="Arial"/>
+                <a:sym typeface="Arial"/>
+              </a:defRPr>
+            </a:lvl4pPr>
+            <a:lvl5pPr marR="0" algn="l" rtl="0">
+              <a:lnSpc>
+                <a:spcPct val="115000"/>
+              </a:lnSpc>
+              <a:spcBef>
+                <a:spcPts val="0"/>
+              </a:spcBef>
+              <a:spcAft>
+                <a:spcPts val="1600"/>
+              </a:spcAft>
+              <a:buClr>
+                <a:schemeClr val="dk2"/>
+              </a:buClr>
+              <a:buNone/>
+              <a:defRPr sz="3733" b="0" i="0" u="none" strike="noStrike" cap="none" baseline="0">
+                <a:solidFill>
+                  <a:schemeClr val="dk2"/>
+                </a:solidFill>
+                <a:latin typeface="Arial"/>
+                <a:ea typeface="Arial"/>
+                <a:cs typeface="Arial"/>
+                <a:sym typeface="Arial"/>
+              </a:defRPr>
+            </a:lvl5pPr>
+            <a:lvl6pPr marR="0" algn="l" rtl="0">
+              <a:lnSpc>
+                <a:spcPct val="115000"/>
+              </a:lnSpc>
+              <a:spcBef>
+                <a:spcPts val="0"/>
+              </a:spcBef>
+              <a:spcAft>
+                <a:spcPts val="1600"/>
+              </a:spcAft>
+              <a:buClr>
+                <a:schemeClr val="dk2"/>
+              </a:buClr>
+              <a:buNone/>
+              <a:defRPr sz="3733" b="0" i="0" u="none" strike="noStrike" cap="none" baseline="0">
+                <a:solidFill>
+                  <a:schemeClr val="dk2"/>
+                </a:solidFill>
+                <a:latin typeface="Arial"/>
+                <a:ea typeface="Arial"/>
+                <a:cs typeface="Arial"/>
+                <a:sym typeface="Arial"/>
+              </a:defRPr>
+            </a:lvl6pPr>
+            <a:lvl7pPr marR="0" algn="l" rtl="0">
+              <a:lnSpc>
+                <a:spcPct val="115000"/>
+              </a:lnSpc>
+              <a:spcBef>
+                <a:spcPts val="0"/>
+              </a:spcBef>
+              <a:spcAft>
+                <a:spcPts val="1600"/>
+              </a:spcAft>
+              <a:buClr>
+                <a:schemeClr val="dk2"/>
+              </a:buClr>
+              <a:buNone/>
+              <a:defRPr sz="3733" b="0" i="0" u="none" strike="noStrike" cap="none" baseline="0">
+                <a:solidFill>
+                  <a:schemeClr val="dk2"/>
+                </a:solidFill>
+                <a:latin typeface="Arial"/>
+                <a:ea typeface="Arial"/>
+                <a:cs typeface="Arial"/>
+                <a:sym typeface="Arial"/>
+              </a:defRPr>
+            </a:lvl7pPr>
+            <a:lvl8pPr marR="0" algn="l" rtl="0">
+              <a:lnSpc>
+                <a:spcPct val="115000"/>
+              </a:lnSpc>
+              <a:spcBef>
+                <a:spcPts val="0"/>
+              </a:spcBef>
+              <a:spcAft>
+                <a:spcPts val="1600"/>
+              </a:spcAft>
+              <a:buClr>
+                <a:schemeClr val="dk2"/>
+              </a:buClr>
+              <a:buNone/>
+              <a:defRPr sz="3733" b="0" i="0" u="none" strike="noStrike" cap="none" baseline="0">
+                <a:solidFill>
+                  <a:schemeClr val="dk2"/>
+                </a:solidFill>
+                <a:latin typeface="Arial"/>
+                <a:ea typeface="Arial"/>
+                <a:cs typeface="Arial"/>
+                <a:sym typeface="Arial"/>
+              </a:defRPr>
+            </a:lvl8pPr>
+            <a:lvl9pPr marR="0" algn="l" rtl="0">
+              <a:lnSpc>
+                <a:spcPct val="115000"/>
+              </a:lnSpc>
+              <a:spcBef>
+                <a:spcPts val="0"/>
+              </a:spcBef>
+              <a:spcAft>
+                <a:spcPts val="1600"/>
+              </a:spcAft>
+              <a:buClr>
+                <a:schemeClr val="dk2"/>
+              </a:buClr>
+              <a:buNone/>
+              <a:defRPr sz="3733" b="0" i="0" u="none" strike="noStrike" cap="none" baseline="0">
+                <a:solidFill>
+                  <a:schemeClr val="dk2"/>
+                </a:solidFill>
+                <a:latin typeface="Arial"/>
+                <a:ea typeface="Arial"/>
+                <a:cs typeface="Arial"/>
+                <a:sym typeface="Arial"/>
+              </a:defRPr>
+            </a:lvl9pPr>
+          </a:lstStyle>
+          <a:p>
+            <a:pPr algn="ctr"/>
+            <a:r>
+              <a:rPr lang="ru-RU" sz="2400" dirty="0"/>
+              <a:t>© 2020 Иван Потылицын и Анастасия </a:t>
+            </a:r>
+            <a:r>
+              <a:rPr lang="ru-RU" sz="2400" dirty="0" err="1"/>
+              <a:t>Мершавка</a:t>
+            </a:r>
+            <a:br>
+              <a:rPr lang="ru-RU" sz="2400" dirty="0"/>
+            </a:br>
+            <a:r>
+              <a:rPr lang="ru-RU" sz="2400" dirty="0"/>
+              <a:t>Кафедра прикладной механики МФТИ</a:t>
+            </a:r>
+            <a:br>
+              <a:rPr lang="ru-RU" sz="2400" dirty="0"/>
+            </a:br>
+            <a:r>
+              <a:rPr lang="ru-RU" sz="2400" dirty="0"/>
+              <a:t>Физтех-школа аэрокосмических технологий</a:t>
+            </a:r>
+          </a:p>
+        </p:txBody>
+      </p:sp>
+    </p:spTree>
+    <p:extLst>
+      <p:ext uri="{BB962C8B-B14F-4D97-AF65-F5344CB8AC3E}">
+        <p14:creationId xmlns:p14="http://schemas.microsoft.com/office/powerpoint/2010/main" val="3830161183"/>
       </p:ext>
     </p:extLst>
   </p:cSld>
@@ -10828,6 +14267,2111 @@
     <p:extLst>
       <p:ext uri="{BB962C8B-B14F-4D97-AF65-F5344CB8AC3E}">
         <p14:creationId xmlns:p14="http://schemas.microsoft.com/office/powerpoint/2010/main" val="1263051338"/>
+      </p:ext>
+    </p:extLst>
+  </p:cSld>
+  <p:clrMapOvr>
+    <a:masterClrMapping/>
+  </p:clrMapOvr>
+</p:sld>
+</file>
+
+<file path=ppt/slides/slide20.xml><?xml version="1.0" encoding="utf-8"?>
+<p:sld xmlns:a="http://schemas.openxmlformats.org/drawingml/2006/main" xmlns:r="http://schemas.openxmlformats.org/officeDocument/2006/relationships" xmlns:p="http://schemas.openxmlformats.org/presentationml/2006/main">
+  <p:cSld>
+    <p:bg>
+      <p:bgPr>
+        <a:blipFill dpi="0" rotWithShape="1">
+          <a:blip r:embed="rId2">
+            <a:lum/>
+          </a:blip>
+          <a:srcRect/>
+          <a:stretch>
+            <a:fillRect t="-1000" b="-1000"/>
+          </a:stretch>
+        </a:blipFill>
+        <a:effectLst/>
+      </p:bgPr>
+    </p:bg>
+    <p:spTree>
+      <p:nvGrpSpPr>
+        <p:cNvPr id="1" name=""/>
+        <p:cNvGrpSpPr/>
+        <p:nvPr/>
+      </p:nvGrpSpPr>
+      <p:grpSpPr>
+        <a:xfrm>
+          <a:off x="0" y="0"/>
+          <a:ext cx="0" cy="0"/>
+          <a:chOff x="0" y="0"/>
+          <a:chExt cx="0" cy="0"/>
+        </a:xfrm>
+      </p:grpSpPr>
+      <p:sp>
+        <p:nvSpPr>
+          <p:cNvPr id="2" name="Подзаголовок 1"/>
+          <p:cNvSpPr>
+            <a:spLocks noGrp="1"/>
+          </p:cNvSpPr>
+          <p:nvPr>
+            <p:ph type="subTitle" idx="1"/>
+          </p:nvPr>
+        </p:nvSpPr>
+        <p:spPr>
+          <a:xfrm>
+            <a:off x="843437" y="8204076"/>
+            <a:ext cx="23055913" cy="2686371"/>
+          </a:xfrm>
+        </p:spPr>
+        <p:txBody>
+          <a:bodyPr/>
+          <a:lstStyle/>
+          <a:p>
+            <a:r>
+              <a:rPr lang="ru-RU" dirty="0">
+                <a:solidFill>
+                  <a:schemeClr val="accent4"/>
+                </a:solidFill>
+              </a:rPr>
+              <a:t>Общеинженерная подготовка</a:t>
+            </a:r>
+          </a:p>
+        </p:txBody>
+      </p:sp>
+      <p:sp>
+        <p:nvSpPr>
+          <p:cNvPr id="3" name="Заголовок 2"/>
+          <p:cNvSpPr>
+            <a:spLocks noGrp="1"/>
+          </p:cNvSpPr>
+          <p:nvPr>
+            <p:ph type="ctrTitle"/>
+          </p:nvPr>
+        </p:nvSpPr>
+        <p:spPr/>
+        <p:txBody>
+          <a:bodyPr/>
+          <a:lstStyle/>
+          <a:p>
+            <a:r>
+              <a:rPr lang="en-US" sz="8000" dirty="0"/>
+              <a:t>R-2R </a:t>
+            </a:r>
+            <a:r>
+              <a:rPr lang="ru-RU" sz="8000" dirty="0"/>
+              <a:t>цифро-аналоговый преобразователь</a:t>
+            </a:r>
+            <a:br>
+              <a:rPr lang="en-US" sz="8000" dirty="0"/>
+            </a:br>
+            <a:endParaRPr lang="ru-RU" sz="8000" dirty="0"/>
+          </a:p>
+        </p:txBody>
+      </p:sp>
+      <p:pic>
+        <p:nvPicPr>
+          <p:cNvPr id="9" name="Рисунок 8"/>
+          <p:cNvPicPr>
+            <a:picLocks noChangeAspect="1"/>
+          </p:cNvPicPr>
+          <p:nvPr/>
+        </p:nvPicPr>
+        <p:blipFill>
+          <a:blip r:embed="rId3">
+            <a:extLst>
+              <a:ext uri="{28A0092B-C50C-407E-A947-70E740481C1C}">
+                <a14:useLocalDpi xmlns:a14="http://schemas.microsoft.com/office/drawing/2010/main" val="0"/>
+              </a:ext>
+            </a:extLst>
+          </a:blip>
+          <a:stretch>
+            <a:fillRect/>
+          </a:stretch>
+        </p:blipFill>
+        <p:spPr>
+          <a:xfrm>
+            <a:off x="21228371" y="1027996"/>
+            <a:ext cx="2442110" cy="739512"/>
+          </a:xfrm>
+          <a:prstGeom prst="rect">
+            <a:avLst/>
+          </a:prstGeom>
+        </p:spPr>
+      </p:pic>
+      <p:sp>
+        <p:nvSpPr>
+          <p:cNvPr id="11" name="Текст 4">
+            <a:extLst>
+              <a:ext uri="{FF2B5EF4-FFF2-40B4-BE49-F238E27FC236}">
+                <a16:creationId xmlns:a16="http://schemas.microsoft.com/office/drawing/2014/main" id="{0F7FD6C9-92F9-7240-A4B8-A7EA669E7024}"/>
+              </a:ext>
+            </a:extLst>
+          </p:cNvPr>
+          <p:cNvSpPr txBox="1">
+            <a:spLocks/>
+          </p:cNvSpPr>
+          <p:nvPr/>
+        </p:nvSpPr>
+        <p:spPr>
+          <a:xfrm>
+            <a:off x="6634447" y="11682536"/>
+            <a:ext cx="11473880" cy="1440160"/>
+          </a:xfrm>
+          <a:prstGeom prst="rect">
+            <a:avLst/>
+          </a:prstGeom>
+          <a:noFill/>
+          <a:ln>
+            <a:noFill/>
+          </a:ln>
+        </p:spPr>
+        <p:txBody>
+          <a:bodyPr lIns="91425" tIns="91425" rIns="91425" bIns="91425" anchor="t" anchorCtr="0"/>
+          <a:lstStyle>
+            <a:defPPr marR="0" algn="l" rtl="0">
+              <a:lnSpc>
+                <a:spcPct val="100000"/>
+              </a:lnSpc>
+              <a:spcBef>
+                <a:spcPts val="0"/>
+              </a:spcBef>
+              <a:spcAft>
+                <a:spcPts val="0"/>
+              </a:spcAft>
+            </a:defPPr>
+            <a:lvl1pPr marR="0" algn="l" rtl="0">
+              <a:lnSpc>
+                <a:spcPct val="100000"/>
+              </a:lnSpc>
+              <a:spcBef>
+                <a:spcPts val="0"/>
+              </a:spcBef>
+              <a:spcAft>
+                <a:spcPts val="1600"/>
+              </a:spcAft>
+              <a:buClr>
+                <a:schemeClr val="dk2"/>
+              </a:buClr>
+              <a:buSzPct val="100000"/>
+              <a:buNone/>
+              <a:defRPr sz="3200" b="0" i="0" u="none" strike="noStrike" cap="none" spc="-5" baseline="0" dirty="0">
+                <a:solidFill>
+                  <a:schemeClr val="dk2"/>
+                </a:solidFill>
+                <a:latin typeface="+mn-lt"/>
+                <a:ea typeface="Arial"/>
+                <a:cs typeface="Arial"/>
+                <a:sym typeface="Arial"/>
+              </a:defRPr>
+            </a:lvl1pPr>
+            <a:lvl2pPr marR="0" algn="l" rtl="0">
+              <a:lnSpc>
+                <a:spcPct val="115000"/>
+              </a:lnSpc>
+              <a:spcBef>
+                <a:spcPts val="0"/>
+              </a:spcBef>
+              <a:spcAft>
+                <a:spcPts val="1600"/>
+              </a:spcAft>
+              <a:buClr>
+                <a:schemeClr val="dk2"/>
+              </a:buClr>
+              <a:buNone/>
+              <a:defRPr sz="3733" b="0" i="0" u="none" strike="noStrike" cap="none" baseline="0">
+                <a:solidFill>
+                  <a:schemeClr val="dk2"/>
+                </a:solidFill>
+                <a:latin typeface="Arial"/>
+                <a:ea typeface="Arial"/>
+                <a:cs typeface="Arial"/>
+                <a:sym typeface="Arial"/>
+              </a:defRPr>
+            </a:lvl2pPr>
+            <a:lvl3pPr marR="0" algn="l" rtl="0">
+              <a:lnSpc>
+                <a:spcPct val="115000"/>
+              </a:lnSpc>
+              <a:spcBef>
+                <a:spcPts val="0"/>
+              </a:spcBef>
+              <a:spcAft>
+                <a:spcPts val="1600"/>
+              </a:spcAft>
+              <a:buClr>
+                <a:schemeClr val="dk2"/>
+              </a:buClr>
+              <a:buNone/>
+              <a:defRPr sz="3733" b="0" i="0" u="none" strike="noStrike" cap="none" baseline="0">
+                <a:solidFill>
+                  <a:schemeClr val="dk2"/>
+                </a:solidFill>
+                <a:latin typeface="Arial"/>
+                <a:ea typeface="Arial"/>
+                <a:cs typeface="Arial"/>
+                <a:sym typeface="Arial"/>
+              </a:defRPr>
+            </a:lvl3pPr>
+            <a:lvl4pPr marR="0" algn="l" rtl="0">
+              <a:lnSpc>
+                <a:spcPct val="115000"/>
+              </a:lnSpc>
+              <a:spcBef>
+                <a:spcPts val="0"/>
+              </a:spcBef>
+              <a:spcAft>
+                <a:spcPts val="1600"/>
+              </a:spcAft>
+              <a:buClr>
+                <a:schemeClr val="dk2"/>
+              </a:buClr>
+              <a:buNone/>
+              <a:defRPr sz="3733" b="0" i="0" u="none" strike="noStrike" cap="none" baseline="0">
+                <a:solidFill>
+                  <a:schemeClr val="dk2"/>
+                </a:solidFill>
+                <a:latin typeface="Arial"/>
+                <a:ea typeface="Arial"/>
+                <a:cs typeface="Arial"/>
+                <a:sym typeface="Arial"/>
+              </a:defRPr>
+            </a:lvl4pPr>
+            <a:lvl5pPr marR="0" algn="l" rtl="0">
+              <a:lnSpc>
+                <a:spcPct val="115000"/>
+              </a:lnSpc>
+              <a:spcBef>
+                <a:spcPts val="0"/>
+              </a:spcBef>
+              <a:spcAft>
+                <a:spcPts val="1600"/>
+              </a:spcAft>
+              <a:buClr>
+                <a:schemeClr val="dk2"/>
+              </a:buClr>
+              <a:buNone/>
+              <a:defRPr sz="3733" b="0" i="0" u="none" strike="noStrike" cap="none" baseline="0">
+                <a:solidFill>
+                  <a:schemeClr val="dk2"/>
+                </a:solidFill>
+                <a:latin typeface="Arial"/>
+                <a:ea typeface="Arial"/>
+                <a:cs typeface="Arial"/>
+                <a:sym typeface="Arial"/>
+              </a:defRPr>
+            </a:lvl5pPr>
+            <a:lvl6pPr marR="0" algn="l" rtl="0">
+              <a:lnSpc>
+                <a:spcPct val="115000"/>
+              </a:lnSpc>
+              <a:spcBef>
+                <a:spcPts val="0"/>
+              </a:spcBef>
+              <a:spcAft>
+                <a:spcPts val="1600"/>
+              </a:spcAft>
+              <a:buClr>
+                <a:schemeClr val="dk2"/>
+              </a:buClr>
+              <a:buNone/>
+              <a:defRPr sz="3733" b="0" i="0" u="none" strike="noStrike" cap="none" baseline="0">
+                <a:solidFill>
+                  <a:schemeClr val="dk2"/>
+                </a:solidFill>
+                <a:latin typeface="Arial"/>
+                <a:ea typeface="Arial"/>
+                <a:cs typeface="Arial"/>
+                <a:sym typeface="Arial"/>
+              </a:defRPr>
+            </a:lvl6pPr>
+            <a:lvl7pPr marR="0" algn="l" rtl="0">
+              <a:lnSpc>
+                <a:spcPct val="115000"/>
+              </a:lnSpc>
+              <a:spcBef>
+                <a:spcPts val="0"/>
+              </a:spcBef>
+              <a:spcAft>
+                <a:spcPts val="1600"/>
+              </a:spcAft>
+              <a:buClr>
+                <a:schemeClr val="dk2"/>
+              </a:buClr>
+              <a:buNone/>
+              <a:defRPr sz="3733" b="0" i="0" u="none" strike="noStrike" cap="none" baseline="0">
+                <a:solidFill>
+                  <a:schemeClr val="dk2"/>
+                </a:solidFill>
+                <a:latin typeface="Arial"/>
+                <a:ea typeface="Arial"/>
+                <a:cs typeface="Arial"/>
+                <a:sym typeface="Arial"/>
+              </a:defRPr>
+            </a:lvl7pPr>
+            <a:lvl8pPr marR="0" algn="l" rtl="0">
+              <a:lnSpc>
+                <a:spcPct val="115000"/>
+              </a:lnSpc>
+              <a:spcBef>
+                <a:spcPts val="0"/>
+              </a:spcBef>
+              <a:spcAft>
+                <a:spcPts val="1600"/>
+              </a:spcAft>
+              <a:buClr>
+                <a:schemeClr val="dk2"/>
+              </a:buClr>
+              <a:buNone/>
+              <a:defRPr sz="3733" b="0" i="0" u="none" strike="noStrike" cap="none" baseline="0">
+                <a:solidFill>
+                  <a:schemeClr val="dk2"/>
+                </a:solidFill>
+                <a:latin typeface="Arial"/>
+                <a:ea typeface="Arial"/>
+                <a:cs typeface="Arial"/>
+                <a:sym typeface="Arial"/>
+              </a:defRPr>
+            </a:lvl8pPr>
+            <a:lvl9pPr marR="0" algn="l" rtl="0">
+              <a:lnSpc>
+                <a:spcPct val="115000"/>
+              </a:lnSpc>
+              <a:spcBef>
+                <a:spcPts val="0"/>
+              </a:spcBef>
+              <a:spcAft>
+                <a:spcPts val="1600"/>
+              </a:spcAft>
+              <a:buClr>
+                <a:schemeClr val="dk2"/>
+              </a:buClr>
+              <a:buNone/>
+              <a:defRPr sz="3733" b="0" i="0" u="none" strike="noStrike" cap="none" baseline="0">
+                <a:solidFill>
+                  <a:schemeClr val="dk2"/>
+                </a:solidFill>
+                <a:latin typeface="Arial"/>
+                <a:ea typeface="Arial"/>
+                <a:cs typeface="Arial"/>
+                <a:sym typeface="Arial"/>
+              </a:defRPr>
+            </a:lvl9pPr>
+          </a:lstStyle>
+          <a:p>
+            <a:pPr algn="ctr"/>
+            <a:r>
+              <a:rPr lang="ru-RU" sz="2400" dirty="0"/>
+              <a:t>© 2020 Иван Потылицын и Вадим Минкин</a:t>
+            </a:r>
+            <a:br>
+              <a:rPr lang="ru-RU" sz="2400" dirty="0"/>
+            </a:br>
+            <a:r>
+              <a:rPr lang="ru-RU" sz="2400" dirty="0"/>
+              <a:t>Кафедра прикладной механики МФТИ</a:t>
+            </a:r>
+            <a:br>
+              <a:rPr lang="ru-RU" sz="2400" dirty="0"/>
+            </a:br>
+            <a:r>
+              <a:rPr lang="ru-RU" sz="2400" dirty="0"/>
+              <a:t>Физтех-школа аэрокосмических технологий</a:t>
+            </a:r>
+          </a:p>
+        </p:txBody>
+      </p:sp>
+    </p:spTree>
+    <p:extLst>
+      <p:ext uri="{BB962C8B-B14F-4D97-AF65-F5344CB8AC3E}">
+        <p14:creationId xmlns:p14="http://schemas.microsoft.com/office/powerpoint/2010/main" val="1265384314"/>
+      </p:ext>
+    </p:extLst>
+  </p:cSld>
+  <p:clrMapOvr>
+    <a:masterClrMapping/>
+  </p:clrMapOvr>
+</p:sld>
+</file>
+
+<file path=ppt/slides/slide21.xml><?xml version="1.0" encoding="utf-8"?>
+<p:sld xmlns:a="http://schemas.openxmlformats.org/drawingml/2006/main" xmlns:r="http://schemas.openxmlformats.org/officeDocument/2006/relationships" xmlns:p="http://schemas.openxmlformats.org/presentationml/2006/main">
+  <p:cSld>
+    <p:bg>
+      <p:bgPr>
+        <a:blipFill dpi="0" rotWithShape="1">
+          <a:blip r:embed="rId2">
+            <a:lum/>
+          </a:blip>
+          <a:srcRect/>
+          <a:stretch>
+            <a:fillRect t="-1000" b="-1000"/>
+          </a:stretch>
+        </a:blipFill>
+        <a:effectLst/>
+      </p:bgPr>
+    </p:bg>
+    <p:spTree>
+      <p:nvGrpSpPr>
+        <p:cNvPr id="1" name=""/>
+        <p:cNvGrpSpPr/>
+        <p:nvPr/>
+      </p:nvGrpSpPr>
+      <p:grpSpPr>
+        <a:xfrm>
+          <a:off x="0" y="0"/>
+          <a:ext cx="0" cy="0"/>
+          <a:chOff x="0" y="0"/>
+          <a:chExt cx="0" cy="0"/>
+        </a:xfrm>
+      </p:grpSpPr>
+      <p:sp>
+        <p:nvSpPr>
+          <p:cNvPr id="2" name="Подзаголовок 1"/>
+          <p:cNvSpPr>
+            <a:spLocks noGrp="1"/>
+          </p:cNvSpPr>
+          <p:nvPr>
+            <p:ph type="subTitle" idx="1"/>
+          </p:nvPr>
+        </p:nvSpPr>
+        <p:spPr>
+          <a:xfrm>
+            <a:off x="843437" y="8204076"/>
+            <a:ext cx="23055913" cy="2686371"/>
+          </a:xfrm>
+        </p:spPr>
+        <p:txBody>
+          <a:bodyPr/>
+          <a:lstStyle/>
+          <a:p>
+            <a:r>
+              <a:rPr lang="ru-RU" dirty="0">
+                <a:solidFill>
+                  <a:schemeClr val="accent4"/>
+                </a:solidFill>
+              </a:rPr>
+              <a:t>Общеинженерная подготовка</a:t>
+            </a:r>
+          </a:p>
+        </p:txBody>
+      </p:sp>
+      <p:sp>
+        <p:nvSpPr>
+          <p:cNvPr id="3" name="Заголовок 2"/>
+          <p:cNvSpPr>
+            <a:spLocks noGrp="1"/>
+          </p:cNvSpPr>
+          <p:nvPr>
+            <p:ph type="ctrTitle"/>
+          </p:nvPr>
+        </p:nvSpPr>
+        <p:spPr/>
+        <p:txBody>
+          <a:bodyPr/>
+          <a:lstStyle/>
+          <a:p>
+            <a:r>
+              <a:rPr lang="ru-RU" sz="8000" dirty="0"/>
+              <a:t>Аналого-цифровое</a:t>
+            </a:r>
+            <a:br>
+              <a:rPr lang="ru-RU" sz="8000" dirty="0"/>
+            </a:br>
+            <a:r>
+              <a:rPr lang="ru-RU" sz="8000" dirty="0"/>
+              <a:t>преобразование напряжения</a:t>
+            </a:r>
+            <a:br>
+              <a:rPr lang="en-US" sz="8000" dirty="0"/>
+            </a:br>
+            <a:endParaRPr lang="ru-RU" sz="8000" dirty="0"/>
+          </a:p>
+        </p:txBody>
+      </p:sp>
+      <p:pic>
+        <p:nvPicPr>
+          <p:cNvPr id="9" name="Рисунок 8"/>
+          <p:cNvPicPr>
+            <a:picLocks noChangeAspect="1"/>
+          </p:cNvPicPr>
+          <p:nvPr/>
+        </p:nvPicPr>
+        <p:blipFill>
+          <a:blip r:embed="rId3">
+            <a:extLst>
+              <a:ext uri="{28A0092B-C50C-407E-A947-70E740481C1C}">
+                <a14:useLocalDpi xmlns:a14="http://schemas.microsoft.com/office/drawing/2010/main" val="0"/>
+              </a:ext>
+            </a:extLst>
+          </a:blip>
+          <a:stretch>
+            <a:fillRect/>
+          </a:stretch>
+        </p:blipFill>
+        <p:spPr>
+          <a:xfrm>
+            <a:off x="21228371" y="1027996"/>
+            <a:ext cx="2442110" cy="739512"/>
+          </a:xfrm>
+          <a:prstGeom prst="rect">
+            <a:avLst/>
+          </a:prstGeom>
+        </p:spPr>
+      </p:pic>
+      <p:sp>
+        <p:nvSpPr>
+          <p:cNvPr id="11" name="Текст 4">
+            <a:extLst>
+              <a:ext uri="{FF2B5EF4-FFF2-40B4-BE49-F238E27FC236}">
+                <a16:creationId xmlns:a16="http://schemas.microsoft.com/office/drawing/2014/main" id="{0F7FD6C9-92F9-7240-A4B8-A7EA669E7024}"/>
+              </a:ext>
+            </a:extLst>
+          </p:cNvPr>
+          <p:cNvSpPr txBox="1">
+            <a:spLocks/>
+          </p:cNvSpPr>
+          <p:nvPr/>
+        </p:nvSpPr>
+        <p:spPr>
+          <a:xfrm>
+            <a:off x="6634447" y="11682536"/>
+            <a:ext cx="11473880" cy="1440160"/>
+          </a:xfrm>
+          <a:prstGeom prst="rect">
+            <a:avLst/>
+          </a:prstGeom>
+          <a:noFill/>
+          <a:ln>
+            <a:noFill/>
+          </a:ln>
+        </p:spPr>
+        <p:txBody>
+          <a:bodyPr lIns="91425" tIns="91425" rIns="91425" bIns="91425" anchor="t" anchorCtr="0"/>
+          <a:lstStyle>
+            <a:defPPr marR="0" algn="l" rtl="0">
+              <a:lnSpc>
+                <a:spcPct val="100000"/>
+              </a:lnSpc>
+              <a:spcBef>
+                <a:spcPts val="0"/>
+              </a:spcBef>
+              <a:spcAft>
+                <a:spcPts val="0"/>
+              </a:spcAft>
+            </a:defPPr>
+            <a:lvl1pPr marR="0" algn="l" rtl="0">
+              <a:lnSpc>
+                <a:spcPct val="100000"/>
+              </a:lnSpc>
+              <a:spcBef>
+                <a:spcPts val="0"/>
+              </a:spcBef>
+              <a:spcAft>
+                <a:spcPts val="1600"/>
+              </a:spcAft>
+              <a:buClr>
+                <a:schemeClr val="dk2"/>
+              </a:buClr>
+              <a:buSzPct val="100000"/>
+              <a:buNone/>
+              <a:defRPr sz="3200" b="0" i="0" u="none" strike="noStrike" cap="none" spc="-5" baseline="0" dirty="0">
+                <a:solidFill>
+                  <a:schemeClr val="dk2"/>
+                </a:solidFill>
+                <a:latin typeface="+mn-lt"/>
+                <a:ea typeface="Arial"/>
+                <a:cs typeface="Arial"/>
+                <a:sym typeface="Arial"/>
+              </a:defRPr>
+            </a:lvl1pPr>
+            <a:lvl2pPr marR="0" algn="l" rtl="0">
+              <a:lnSpc>
+                <a:spcPct val="115000"/>
+              </a:lnSpc>
+              <a:spcBef>
+                <a:spcPts val="0"/>
+              </a:spcBef>
+              <a:spcAft>
+                <a:spcPts val="1600"/>
+              </a:spcAft>
+              <a:buClr>
+                <a:schemeClr val="dk2"/>
+              </a:buClr>
+              <a:buNone/>
+              <a:defRPr sz="3733" b="0" i="0" u="none" strike="noStrike" cap="none" baseline="0">
+                <a:solidFill>
+                  <a:schemeClr val="dk2"/>
+                </a:solidFill>
+                <a:latin typeface="Arial"/>
+                <a:ea typeface="Arial"/>
+                <a:cs typeface="Arial"/>
+                <a:sym typeface="Arial"/>
+              </a:defRPr>
+            </a:lvl2pPr>
+            <a:lvl3pPr marR="0" algn="l" rtl="0">
+              <a:lnSpc>
+                <a:spcPct val="115000"/>
+              </a:lnSpc>
+              <a:spcBef>
+                <a:spcPts val="0"/>
+              </a:spcBef>
+              <a:spcAft>
+                <a:spcPts val="1600"/>
+              </a:spcAft>
+              <a:buClr>
+                <a:schemeClr val="dk2"/>
+              </a:buClr>
+              <a:buNone/>
+              <a:defRPr sz="3733" b="0" i="0" u="none" strike="noStrike" cap="none" baseline="0">
+                <a:solidFill>
+                  <a:schemeClr val="dk2"/>
+                </a:solidFill>
+                <a:latin typeface="Arial"/>
+                <a:ea typeface="Arial"/>
+                <a:cs typeface="Arial"/>
+                <a:sym typeface="Arial"/>
+              </a:defRPr>
+            </a:lvl3pPr>
+            <a:lvl4pPr marR="0" algn="l" rtl="0">
+              <a:lnSpc>
+                <a:spcPct val="115000"/>
+              </a:lnSpc>
+              <a:spcBef>
+                <a:spcPts val="0"/>
+              </a:spcBef>
+              <a:spcAft>
+                <a:spcPts val="1600"/>
+              </a:spcAft>
+              <a:buClr>
+                <a:schemeClr val="dk2"/>
+              </a:buClr>
+              <a:buNone/>
+              <a:defRPr sz="3733" b="0" i="0" u="none" strike="noStrike" cap="none" baseline="0">
+                <a:solidFill>
+                  <a:schemeClr val="dk2"/>
+                </a:solidFill>
+                <a:latin typeface="Arial"/>
+                <a:ea typeface="Arial"/>
+                <a:cs typeface="Arial"/>
+                <a:sym typeface="Arial"/>
+              </a:defRPr>
+            </a:lvl4pPr>
+            <a:lvl5pPr marR="0" algn="l" rtl="0">
+              <a:lnSpc>
+                <a:spcPct val="115000"/>
+              </a:lnSpc>
+              <a:spcBef>
+                <a:spcPts val="0"/>
+              </a:spcBef>
+              <a:spcAft>
+                <a:spcPts val="1600"/>
+              </a:spcAft>
+              <a:buClr>
+                <a:schemeClr val="dk2"/>
+              </a:buClr>
+              <a:buNone/>
+              <a:defRPr sz="3733" b="0" i="0" u="none" strike="noStrike" cap="none" baseline="0">
+                <a:solidFill>
+                  <a:schemeClr val="dk2"/>
+                </a:solidFill>
+                <a:latin typeface="Arial"/>
+                <a:ea typeface="Arial"/>
+                <a:cs typeface="Arial"/>
+                <a:sym typeface="Arial"/>
+              </a:defRPr>
+            </a:lvl5pPr>
+            <a:lvl6pPr marR="0" algn="l" rtl="0">
+              <a:lnSpc>
+                <a:spcPct val="115000"/>
+              </a:lnSpc>
+              <a:spcBef>
+                <a:spcPts val="0"/>
+              </a:spcBef>
+              <a:spcAft>
+                <a:spcPts val="1600"/>
+              </a:spcAft>
+              <a:buClr>
+                <a:schemeClr val="dk2"/>
+              </a:buClr>
+              <a:buNone/>
+              <a:defRPr sz="3733" b="0" i="0" u="none" strike="noStrike" cap="none" baseline="0">
+                <a:solidFill>
+                  <a:schemeClr val="dk2"/>
+                </a:solidFill>
+                <a:latin typeface="Arial"/>
+                <a:ea typeface="Arial"/>
+                <a:cs typeface="Arial"/>
+                <a:sym typeface="Arial"/>
+              </a:defRPr>
+            </a:lvl6pPr>
+            <a:lvl7pPr marR="0" algn="l" rtl="0">
+              <a:lnSpc>
+                <a:spcPct val="115000"/>
+              </a:lnSpc>
+              <a:spcBef>
+                <a:spcPts val="0"/>
+              </a:spcBef>
+              <a:spcAft>
+                <a:spcPts val="1600"/>
+              </a:spcAft>
+              <a:buClr>
+                <a:schemeClr val="dk2"/>
+              </a:buClr>
+              <a:buNone/>
+              <a:defRPr sz="3733" b="0" i="0" u="none" strike="noStrike" cap="none" baseline="0">
+                <a:solidFill>
+                  <a:schemeClr val="dk2"/>
+                </a:solidFill>
+                <a:latin typeface="Arial"/>
+                <a:ea typeface="Arial"/>
+                <a:cs typeface="Arial"/>
+                <a:sym typeface="Arial"/>
+              </a:defRPr>
+            </a:lvl7pPr>
+            <a:lvl8pPr marR="0" algn="l" rtl="0">
+              <a:lnSpc>
+                <a:spcPct val="115000"/>
+              </a:lnSpc>
+              <a:spcBef>
+                <a:spcPts val="0"/>
+              </a:spcBef>
+              <a:spcAft>
+                <a:spcPts val="1600"/>
+              </a:spcAft>
+              <a:buClr>
+                <a:schemeClr val="dk2"/>
+              </a:buClr>
+              <a:buNone/>
+              <a:defRPr sz="3733" b="0" i="0" u="none" strike="noStrike" cap="none" baseline="0">
+                <a:solidFill>
+                  <a:schemeClr val="dk2"/>
+                </a:solidFill>
+                <a:latin typeface="Arial"/>
+                <a:ea typeface="Arial"/>
+                <a:cs typeface="Arial"/>
+                <a:sym typeface="Arial"/>
+              </a:defRPr>
+            </a:lvl8pPr>
+            <a:lvl9pPr marR="0" algn="l" rtl="0">
+              <a:lnSpc>
+                <a:spcPct val="115000"/>
+              </a:lnSpc>
+              <a:spcBef>
+                <a:spcPts val="0"/>
+              </a:spcBef>
+              <a:spcAft>
+                <a:spcPts val="1600"/>
+              </a:spcAft>
+              <a:buClr>
+                <a:schemeClr val="dk2"/>
+              </a:buClr>
+              <a:buNone/>
+              <a:defRPr sz="3733" b="0" i="0" u="none" strike="noStrike" cap="none" baseline="0">
+                <a:solidFill>
+                  <a:schemeClr val="dk2"/>
+                </a:solidFill>
+                <a:latin typeface="Arial"/>
+                <a:ea typeface="Arial"/>
+                <a:cs typeface="Arial"/>
+                <a:sym typeface="Arial"/>
+              </a:defRPr>
+            </a:lvl9pPr>
+          </a:lstStyle>
+          <a:p>
+            <a:pPr algn="ctr"/>
+            <a:r>
+              <a:rPr lang="ru-RU" sz="2400" dirty="0"/>
+              <a:t>© 2020 Иван Потылицын и Вадим Минкин</a:t>
+            </a:r>
+            <a:br>
+              <a:rPr lang="ru-RU" sz="2400" dirty="0"/>
+            </a:br>
+            <a:r>
+              <a:rPr lang="ru-RU" sz="2400" dirty="0"/>
+              <a:t>Кафедра прикладной механики МФТИ</a:t>
+            </a:r>
+            <a:br>
+              <a:rPr lang="ru-RU" sz="2400" dirty="0"/>
+            </a:br>
+            <a:r>
+              <a:rPr lang="ru-RU" sz="2400" dirty="0"/>
+              <a:t>Физтех-школа аэрокосмических технологий</a:t>
+            </a:r>
+          </a:p>
+        </p:txBody>
+      </p:sp>
+    </p:spTree>
+    <p:extLst>
+      <p:ext uri="{BB962C8B-B14F-4D97-AF65-F5344CB8AC3E}">
+        <p14:creationId xmlns:p14="http://schemas.microsoft.com/office/powerpoint/2010/main" val="2102158163"/>
+      </p:ext>
+    </p:extLst>
+  </p:cSld>
+  <p:clrMapOvr>
+    <a:masterClrMapping/>
+  </p:clrMapOvr>
+</p:sld>
+</file>
+
+<file path=ppt/slides/slide22.xml><?xml version="1.0" encoding="utf-8"?>
+<p:sld xmlns:a="http://schemas.openxmlformats.org/drawingml/2006/main" xmlns:r="http://schemas.openxmlformats.org/officeDocument/2006/relationships" xmlns:p="http://schemas.openxmlformats.org/presentationml/2006/main">
+  <p:cSld>
+    <p:bg>
+      <p:bgPr>
+        <a:blipFill dpi="0" rotWithShape="1">
+          <a:blip r:embed="rId2">
+            <a:lum/>
+          </a:blip>
+          <a:srcRect/>
+          <a:stretch>
+            <a:fillRect t="-1000" b="-1000"/>
+          </a:stretch>
+        </a:blipFill>
+        <a:effectLst/>
+      </p:bgPr>
+    </p:bg>
+    <p:spTree>
+      <p:nvGrpSpPr>
+        <p:cNvPr id="1" name=""/>
+        <p:cNvGrpSpPr/>
+        <p:nvPr/>
+      </p:nvGrpSpPr>
+      <p:grpSpPr>
+        <a:xfrm>
+          <a:off x="0" y="0"/>
+          <a:ext cx="0" cy="0"/>
+          <a:chOff x="0" y="0"/>
+          <a:chExt cx="0" cy="0"/>
+        </a:xfrm>
+      </p:grpSpPr>
+      <p:sp>
+        <p:nvSpPr>
+          <p:cNvPr id="2" name="Подзаголовок 1"/>
+          <p:cNvSpPr>
+            <a:spLocks noGrp="1"/>
+          </p:cNvSpPr>
+          <p:nvPr>
+            <p:ph type="subTitle" idx="1"/>
+          </p:nvPr>
+        </p:nvSpPr>
+        <p:spPr>
+          <a:xfrm>
+            <a:off x="843437" y="8204076"/>
+            <a:ext cx="23055913" cy="2686371"/>
+          </a:xfrm>
+        </p:spPr>
+        <p:txBody>
+          <a:bodyPr/>
+          <a:lstStyle/>
+          <a:p>
+            <a:r>
+              <a:rPr lang="ru-RU" dirty="0">
+                <a:solidFill>
+                  <a:schemeClr val="accent4"/>
+                </a:solidFill>
+              </a:rPr>
+              <a:t>Общеинженерная подготовка</a:t>
+            </a:r>
+          </a:p>
+        </p:txBody>
+      </p:sp>
+      <p:sp>
+        <p:nvSpPr>
+          <p:cNvPr id="3" name="Заголовок 2"/>
+          <p:cNvSpPr>
+            <a:spLocks noGrp="1"/>
+          </p:cNvSpPr>
+          <p:nvPr>
+            <p:ph type="ctrTitle"/>
+          </p:nvPr>
+        </p:nvSpPr>
+        <p:spPr/>
+        <p:txBody>
+          <a:bodyPr/>
+          <a:lstStyle/>
+          <a:p>
+            <a:r>
+              <a:rPr lang="ru-RU" sz="8000" dirty="0"/>
+              <a:t>Измерение времени </a:t>
+            </a:r>
+            <a:br>
+              <a:rPr lang="ru-RU" sz="8000" dirty="0"/>
+            </a:br>
+            <a:r>
+              <a:rPr lang="ru-RU" sz="8000" dirty="0"/>
+              <a:t>и скорость измерения</a:t>
+            </a:r>
+            <a:br>
+              <a:rPr lang="en-US" sz="8000" dirty="0"/>
+            </a:br>
+            <a:endParaRPr lang="ru-RU" sz="8000" dirty="0"/>
+          </a:p>
+        </p:txBody>
+      </p:sp>
+      <p:pic>
+        <p:nvPicPr>
+          <p:cNvPr id="9" name="Рисунок 8"/>
+          <p:cNvPicPr>
+            <a:picLocks noChangeAspect="1"/>
+          </p:cNvPicPr>
+          <p:nvPr/>
+        </p:nvPicPr>
+        <p:blipFill>
+          <a:blip r:embed="rId3">
+            <a:extLst>
+              <a:ext uri="{28A0092B-C50C-407E-A947-70E740481C1C}">
+                <a14:useLocalDpi xmlns:a14="http://schemas.microsoft.com/office/drawing/2010/main" val="0"/>
+              </a:ext>
+            </a:extLst>
+          </a:blip>
+          <a:stretch>
+            <a:fillRect/>
+          </a:stretch>
+        </p:blipFill>
+        <p:spPr>
+          <a:xfrm>
+            <a:off x="21228371" y="1027996"/>
+            <a:ext cx="2442110" cy="739512"/>
+          </a:xfrm>
+          <a:prstGeom prst="rect">
+            <a:avLst/>
+          </a:prstGeom>
+        </p:spPr>
+      </p:pic>
+      <p:sp>
+        <p:nvSpPr>
+          <p:cNvPr id="11" name="Текст 4">
+            <a:extLst>
+              <a:ext uri="{FF2B5EF4-FFF2-40B4-BE49-F238E27FC236}">
+                <a16:creationId xmlns:a16="http://schemas.microsoft.com/office/drawing/2014/main" id="{0F7FD6C9-92F9-7240-A4B8-A7EA669E7024}"/>
+              </a:ext>
+            </a:extLst>
+          </p:cNvPr>
+          <p:cNvSpPr txBox="1">
+            <a:spLocks/>
+          </p:cNvSpPr>
+          <p:nvPr/>
+        </p:nvSpPr>
+        <p:spPr>
+          <a:xfrm>
+            <a:off x="6634447" y="11682536"/>
+            <a:ext cx="11473880" cy="1440160"/>
+          </a:xfrm>
+          <a:prstGeom prst="rect">
+            <a:avLst/>
+          </a:prstGeom>
+          <a:noFill/>
+          <a:ln>
+            <a:noFill/>
+          </a:ln>
+        </p:spPr>
+        <p:txBody>
+          <a:bodyPr lIns="91425" tIns="91425" rIns="91425" bIns="91425" anchor="t" anchorCtr="0"/>
+          <a:lstStyle>
+            <a:defPPr marR="0" algn="l" rtl="0">
+              <a:lnSpc>
+                <a:spcPct val="100000"/>
+              </a:lnSpc>
+              <a:spcBef>
+                <a:spcPts val="0"/>
+              </a:spcBef>
+              <a:spcAft>
+                <a:spcPts val="0"/>
+              </a:spcAft>
+            </a:defPPr>
+            <a:lvl1pPr marR="0" algn="l" rtl="0">
+              <a:lnSpc>
+                <a:spcPct val="100000"/>
+              </a:lnSpc>
+              <a:spcBef>
+                <a:spcPts val="0"/>
+              </a:spcBef>
+              <a:spcAft>
+                <a:spcPts val="1600"/>
+              </a:spcAft>
+              <a:buClr>
+                <a:schemeClr val="dk2"/>
+              </a:buClr>
+              <a:buSzPct val="100000"/>
+              <a:buNone/>
+              <a:defRPr sz="3200" b="0" i="0" u="none" strike="noStrike" cap="none" spc="-5" baseline="0" dirty="0">
+                <a:solidFill>
+                  <a:schemeClr val="dk2"/>
+                </a:solidFill>
+                <a:latin typeface="+mn-lt"/>
+                <a:ea typeface="Arial"/>
+                <a:cs typeface="Arial"/>
+                <a:sym typeface="Arial"/>
+              </a:defRPr>
+            </a:lvl1pPr>
+            <a:lvl2pPr marR="0" algn="l" rtl="0">
+              <a:lnSpc>
+                <a:spcPct val="115000"/>
+              </a:lnSpc>
+              <a:spcBef>
+                <a:spcPts val="0"/>
+              </a:spcBef>
+              <a:spcAft>
+                <a:spcPts val="1600"/>
+              </a:spcAft>
+              <a:buClr>
+                <a:schemeClr val="dk2"/>
+              </a:buClr>
+              <a:buNone/>
+              <a:defRPr sz="3733" b="0" i="0" u="none" strike="noStrike" cap="none" baseline="0">
+                <a:solidFill>
+                  <a:schemeClr val="dk2"/>
+                </a:solidFill>
+                <a:latin typeface="Arial"/>
+                <a:ea typeface="Arial"/>
+                <a:cs typeface="Arial"/>
+                <a:sym typeface="Arial"/>
+              </a:defRPr>
+            </a:lvl2pPr>
+            <a:lvl3pPr marR="0" algn="l" rtl="0">
+              <a:lnSpc>
+                <a:spcPct val="115000"/>
+              </a:lnSpc>
+              <a:spcBef>
+                <a:spcPts val="0"/>
+              </a:spcBef>
+              <a:spcAft>
+                <a:spcPts val="1600"/>
+              </a:spcAft>
+              <a:buClr>
+                <a:schemeClr val="dk2"/>
+              </a:buClr>
+              <a:buNone/>
+              <a:defRPr sz="3733" b="0" i="0" u="none" strike="noStrike" cap="none" baseline="0">
+                <a:solidFill>
+                  <a:schemeClr val="dk2"/>
+                </a:solidFill>
+                <a:latin typeface="Arial"/>
+                <a:ea typeface="Arial"/>
+                <a:cs typeface="Arial"/>
+                <a:sym typeface="Arial"/>
+              </a:defRPr>
+            </a:lvl3pPr>
+            <a:lvl4pPr marR="0" algn="l" rtl="0">
+              <a:lnSpc>
+                <a:spcPct val="115000"/>
+              </a:lnSpc>
+              <a:spcBef>
+                <a:spcPts val="0"/>
+              </a:spcBef>
+              <a:spcAft>
+                <a:spcPts val="1600"/>
+              </a:spcAft>
+              <a:buClr>
+                <a:schemeClr val="dk2"/>
+              </a:buClr>
+              <a:buNone/>
+              <a:defRPr sz="3733" b="0" i="0" u="none" strike="noStrike" cap="none" baseline="0">
+                <a:solidFill>
+                  <a:schemeClr val="dk2"/>
+                </a:solidFill>
+                <a:latin typeface="Arial"/>
+                <a:ea typeface="Arial"/>
+                <a:cs typeface="Arial"/>
+                <a:sym typeface="Arial"/>
+              </a:defRPr>
+            </a:lvl4pPr>
+            <a:lvl5pPr marR="0" algn="l" rtl="0">
+              <a:lnSpc>
+                <a:spcPct val="115000"/>
+              </a:lnSpc>
+              <a:spcBef>
+                <a:spcPts val="0"/>
+              </a:spcBef>
+              <a:spcAft>
+                <a:spcPts val="1600"/>
+              </a:spcAft>
+              <a:buClr>
+                <a:schemeClr val="dk2"/>
+              </a:buClr>
+              <a:buNone/>
+              <a:defRPr sz="3733" b="0" i="0" u="none" strike="noStrike" cap="none" baseline="0">
+                <a:solidFill>
+                  <a:schemeClr val="dk2"/>
+                </a:solidFill>
+                <a:latin typeface="Arial"/>
+                <a:ea typeface="Arial"/>
+                <a:cs typeface="Arial"/>
+                <a:sym typeface="Arial"/>
+              </a:defRPr>
+            </a:lvl5pPr>
+            <a:lvl6pPr marR="0" algn="l" rtl="0">
+              <a:lnSpc>
+                <a:spcPct val="115000"/>
+              </a:lnSpc>
+              <a:spcBef>
+                <a:spcPts val="0"/>
+              </a:spcBef>
+              <a:spcAft>
+                <a:spcPts val="1600"/>
+              </a:spcAft>
+              <a:buClr>
+                <a:schemeClr val="dk2"/>
+              </a:buClr>
+              <a:buNone/>
+              <a:defRPr sz="3733" b="0" i="0" u="none" strike="noStrike" cap="none" baseline="0">
+                <a:solidFill>
+                  <a:schemeClr val="dk2"/>
+                </a:solidFill>
+                <a:latin typeface="Arial"/>
+                <a:ea typeface="Arial"/>
+                <a:cs typeface="Arial"/>
+                <a:sym typeface="Arial"/>
+              </a:defRPr>
+            </a:lvl6pPr>
+            <a:lvl7pPr marR="0" algn="l" rtl="0">
+              <a:lnSpc>
+                <a:spcPct val="115000"/>
+              </a:lnSpc>
+              <a:spcBef>
+                <a:spcPts val="0"/>
+              </a:spcBef>
+              <a:spcAft>
+                <a:spcPts val="1600"/>
+              </a:spcAft>
+              <a:buClr>
+                <a:schemeClr val="dk2"/>
+              </a:buClr>
+              <a:buNone/>
+              <a:defRPr sz="3733" b="0" i="0" u="none" strike="noStrike" cap="none" baseline="0">
+                <a:solidFill>
+                  <a:schemeClr val="dk2"/>
+                </a:solidFill>
+                <a:latin typeface="Arial"/>
+                <a:ea typeface="Arial"/>
+                <a:cs typeface="Arial"/>
+                <a:sym typeface="Arial"/>
+              </a:defRPr>
+            </a:lvl7pPr>
+            <a:lvl8pPr marR="0" algn="l" rtl="0">
+              <a:lnSpc>
+                <a:spcPct val="115000"/>
+              </a:lnSpc>
+              <a:spcBef>
+                <a:spcPts val="0"/>
+              </a:spcBef>
+              <a:spcAft>
+                <a:spcPts val="1600"/>
+              </a:spcAft>
+              <a:buClr>
+                <a:schemeClr val="dk2"/>
+              </a:buClr>
+              <a:buNone/>
+              <a:defRPr sz="3733" b="0" i="0" u="none" strike="noStrike" cap="none" baseline="0">
+                <a:solidFill>
+                  <a:schemeClr val="dk2"/>
+                </a:solidFill>
+                <a:latin typeface="Arial"/>
+                <a:ea typeface="Arial"/>
+                <a:cs typeface="Arial"/>
+                <a:sym typeface="Arial"/>
+              </a:defRPr>
+            </a:lvl8pPr>
+            <a:lvl9pPr marR="0" algn="l" rtl="0">
+              <a:lnSpc>
+                <a:spcPct val="115000"/>
+              </a:lnSpc>
+              <a:spcBef>
+                <a:spcPts val="0"/>
+              </a:spcBef>
+              <a:spcAft>
+                <a:spcPts val="1600"/>
+              </a:spcAft>
+              <a:buClr>
+                <a:schemeClr val="dk2"/>
+              </a:buClr>
+              <a:buNone/>
+              <a:defRPr sz="3733" b="0" i="0" u="none" strike="noStrike" cap="none" baseline="0">
+                <a:solidFill>
+                  <a:schemeClr val="dk2"/>
+                </a:solidFill>
+                <a:latin typeface="Arial"/>
+                <a:ea typeface="Arial"/>
+                <a:cs typeface="Arial"/>
+                <a:sym typeface="Arial"/>
+              </a:defRPr>
+            </a:lvl9pPr>
+          </a:lstStyle>
+          <a:p>
+            <a:pPr algn="ctr"/>
+            <a:r>
+              <a:rPr lang="ru-RU" sz="2400" dirty="0"/>
+              <a:t>© 2020 Иван Потылицын и Вадим Минкин</a:t>
+            </a:r>
+            <a:br>
+              <a:rPr lang="ru-RU" sz="2400" dirty="0"/>
+            </a:br>
+            <a:r>
+              <a:rPr lang="ru-RU" sz="2400" dirty="0"/>
+              <a:t>Кафедра прикладной механики МФТИ</a:t>
+            </a:r>
+            <a:br>
+              <a:rPr lang="ru-RU" sz="2400" dirty="0"/>
+            </a:br>
+            <a:r>
+              <a:rPr lang="ru-RU" sz="2400" dirty="0"/>
+              <a:t>Физтех-школа аэрокосмических технологий</a:t>
+            </a:r>
+          </a:p>
+        </p:txBody>
+      </p:sp>
+    </p:spTree>
+    <p:extLst>
+      <p:ext uri="{BB962C8B-B14F-4D97-AF65-F5344CB8AC3E}">
+        <p14:creationId xmlns:p14="http://schemas.microsoft.com/office/powerpoint/2010/main" val="1364334252"/>
+      </p:ext>
+    </p:extLst>
+  </p:cSld>
+  <p:clrMapOvr>
+    <a:masterClrMapping/>
+  </p:clrMapOvr>
+</p:sld>
+</file>
+
+<file path=ppt/slides/slide23.xml><?xml version="1.0" encoding="utf-8"?>
+<p:sld xmlns:a="http://schemas.openxmlformats.org/drawingml/2006/main" xmlns:r="http://schemas.openxmlformats.org/officeDocument/2006/relationships" xmlns:p="http://schemas.openxmlformats.org/presentationml/2006/main">
+  <p:cSld>
+    <p:bg>
+      <p:bgPr>
+        <a:blipFill dpi="0" rotWithShape="1">
+          <a:blip r:embed="rId2">
+            <a:lum/>
+          </a:blip>
+          <a:srcRect/>
+          <a:stretch>
+            <a:fillRect t="-1000" b="-1000"/>
+          </a:stretch>
+        </a:blipFill>
+        <a:effectLst/>
+      </p:bgPr>
+    </p:bg>
+    <p:spTree>
+      <p:nvGrpSpPr>
+        <p:cNvPr id="1" name=""/>
+        <p:cNvGrpSpPr/>
+        <p:nvPr/>
+      </p:nvGrpSpPr>
+      <p:grpSpPr>
+        <a:xfrm>
+          <a:off x="0" y="0"/>
+          <a:ext cx="0" cy="0"/>
+          <a:chOff x="0" y="0"/>
+          <a:chExt cx="0" cy="0"/>
+        </a:xfrm>
+      </p:grpSpPr>
+      <p:sp>
+        <p:nvSpPr>
+          <p:cNvPr id="2" name="Подзаголовок 1"/>
+          <p:cNvSpPr>
+            <a:spLocks noGrp="1"/>
+          </p:cNvSpPr>
+          <p:nvPr>
+            <p:ph type="subTitle" idx="1"/>
+          </p:nvPr>
+        </p:nvSpPr>
+        <p:spPr>
+          <a:xfrm>
+            <a:off x="843437" y="8204076"/>
+            <a:ext cx="23055913" cy="2686371"/>
+          </a:xfrm>
+        </p:spPr>
+        <p:txBody>
+          <a:bodyPr/>
+          <a:lstStyle/>
+          <a:p>
+            <a:r>
+              <a:rPr lang="ru-RU" dirty="0">
+                <a:solidFill>
+                  <a:schemeClr val="accent4"/>
+                </a:solidFill>
+              </a:rPr>
+              <a:t>Общеинженерная подготовка</a:t>
+            </a:r>
+          </a:p>
+        </p:txBody>
+      </p:sp>
+      <p:sp>
+        <p:nvSpPr>
+          <p:cNvPr id="3" name="Заголовок 2"/>
+          <p:cNvSpPr>
+            <a:spLocks noGrp="1"/>
+          </p:cNvSpPr>
+          <p:nvPr>
+            <p:ph type="ctrTitle"/>
+          </p:nvPr>
+        </p:nvSpPr>
+        <p:spPr/>
+        <p:txBody>
+          <a:bodyPr/>
+          <a:lstStyle/>
+          <a:p>
+            <a:r>
+              <a:rPr lang="ru-RU" sz="8000" dirty="0"/>
+              <a:t>Изучение процесса</a:t>
+            </a:r>
+            <a:br>
+              <a:rPr lang="ru-RU" sz="8000" dirty="0"/>
+            </a:br>
+            <a:r>
+              <a:rPr lang="ru-RU" sz="8000" dirty="0"/>
+              <a:t>заряда конденсатора </a:t>
+            </a:r>
+            <a:br>
+              <a:rPr lang="ru-RU" sz="8000" dirty="0"/>
+            </a:br>
+            <a:endParaRPr lang="ru-RU" sz="8000" dirty="0"/>
+          </a:p>
+        </p:txBody>
+      </p:sp>
+      <p:pic>
+        <p:nvPicPr>
+          <p:cNvPr id="9" name="Рисунок 8"/>
+          <p:cNvPicPr>
+            <a:picLocks noChangeAspect="1"/>
+          </p:cNvPicPr>
+          <p:nvPr/>
+        </p:nvPicPr>
+        <p:blipFill>
+          <a:blip r:embed="rId3">
+            <a:extLst>
+              <a:ext uri="{28A0092B-C50C-407E-A947-70E740481C1C}">
+                <a14:useLocalDpi xmlns:a14="http://schemas.microsoft.com/office/drawing/2010/main" val="0"/>
+              </a:ext>
+            </a:extLst>
+          </a:blip>
+          <a:stretch>
+            <a:fillRect/>
+          </a:stretch>
+        </p:blipFill>
+        <p:spPr>
+          <a:xfrm>
+            <a:off x="21228371" y="1027996"/>
+            <a:ext cx="2442110" cy="739512"/>
+          </a:xfrm>
+          <a:prstGeom prst="rect">
+            <a:avLst/>
+          </a:prstGeom>
+        </p:spPr>
+      </p:pic>
+      <p:sp>
+        <p:nvSpPr>
+          <p:cNvPr id="11" name="Текст 4">
+            <a:extLst>
+              <a:ext uri="{FF2B5EF4-FFF2-40B4-BE49-F238E27FC236}">
+                <a16:creationId xmlns:a16="http://schemas.microsoft.com/office/drawing/2014/main" id="{0F7FD6C9-92F9-7240-A4B8-A7EA669E7024}"/>
+              </a:ext>
+            </a:extLst>
+          </p:cNvPr>
+          <p:cNvSpPr txBox="1">
+            <a:spLocks/>
+          </p:cNvSpPr>
+          <p:nvPr/>
+        </p:nvSpPr>
+        <p:spPr>
+          <a:xfrm>
+            <a:off x="6634447" y="11682536"/>
+            <a:ext cx="11473880" cy="1440160"/>
+          </a:xfrm>
+          <a:prstGeom prst="rect">
+            <a:avLst/>
+          </a:prstGeom>
+          <a:noFill/>
+          <a:ln>
+            <a:noFill/>
+          </a:ln>
+        </p:spPr>
+        <p:txBody>
+          <a:bodyPr lIns="91425" tIns="91425" rIns="91425" bIns="91425" anchor="t" anchorCtr="0"/>
+          <a:lstStyle>
+            <a:defPPr marR="0" algn="l" rtl="0">
+              <a:lnSpc>
+                <a:spcPct val="100000"/>
+              </a:lnSpc>
+              <a:spcBef>
+                <a:spcPts val="0"/>
+              </a:spcBef>
+              <a:spcAft>
+                <a:spcPts val="0"/>
+              </a:spcAft>
+            </a:defPPr>
+            <a:lvl1pPr marR="0" algn="l" rtl="0">
+              <a:lnSpc>
+                <a:spcPct val="100000"/>
+              </a:lnSpc>
+              <a:spcBef>
+                <a:spcPts val="0"/>
+              </a:spcBef>
+              <a:spcAft>
+                <a:spcPts val="1600"/>
+              </a:spcAft>
+              <a:buClr>
+                <a:schemeClr val="dk2"/>
+              </a:buClr>
+              <a:buSzPct val="100000"/>
+              <a:buNone/>
+              <a:defRPr sz="3200" b="0" i="0" u="none" strike="noStrike" cap="none" spc="-5" baseline="0" dirty="0">
+                <a:solidFill>
+                  <a:schemeClr val="dk2"/>
+                </a:solidFill>
+                <a:latin typeface="+mn-lt"/>
+                <a:ea typeface="Arial"/>
+                <a:cs typeface="Arial"/>
+                <a:sym typeface="Arial"/>
+              </a:defRPr>
+            </a:lvl1pPr>
+            <a:lvl2pPr marR="0" algn="l" rtl="0">
+              <a:lnSpc>
+                <a:spcPct val="115000"/>
+              </a:lnSpc>
+              <a:spcBef>
+                <a:spcPts val="0"/>
+              </a:spcBef>
+              <a:spcAft>
+                <a:spcPts val="1600"/>
+              </a:spcAft>
+              <a:buClr>
+                <a:schemeClr val="dk2"/>
+              </a:buClr>
+              <a:buNone/>
+              <a:defRPr sz="3733" b="0" i="0" u="none" strike="noStrike" cap="none" baseline="0">
+                <a:solidFill>
+                  <a:schemeClr val="dk2"/>
+                </a:solidFill>
+                <a:latin typeface="Arial"/>
+                <a:ea typeface="Arial"/>
+                <a:cs typeface="Arial"/>
+                <a:sym typeface="Arial"/>
+              </a:defRPr>
+            </a:lvl2pPr>
+            <a:lvl3pPr marR="0" algn="l" rtl="0">
+              <a:lnSpc>
+                <a:spcPct val="115000"/>
+              </a:lnSpc>
+              <a:spcBef>
+                <a:spcPts val="0"/>
+              </a:spcBef>
+              <a:spcAft>
+                <a:spcPts val="1600"/>
+              </a:spcAft>
+              <a:buClr>
+                <a:schemeClr val="dk2"/>
+              </a:buClr>
+              <a:buNone/>
+              <a:defRPr sz="3733" b="0" i="0" u="none" strike="noStrike" cap="none" baseline="0">
+                <a:solidFill>
+                  <a:schemeClr val="dk2"/>
+                </a:solidFill>
+                <a:latin typeface="Arial"/>
+                <a:ea typeface="Arial"/>
+                <a:cs typeface="Arial"/>
+                <a:sym typeface="Arial"/>
+              </a:defRPr>
+            </a:lvl3pPr>
+            <a:lvl4pPr marR="0" algn="l" rtl="0">
+              <a:lnSpc>
+                <a:spcPct val="115000"/>
+              </a:lnSpc>
+              <a:spcBef>
+                <a:spcPts val="0"/>
+              </a:spcBef>
+              <a:spcAft>
+                <a:spcPts val="1600"/>
+              </a:spcAft>
+              <a:buClr>
+                <a:schemeClr val="dk2"/>
+              </a:buClr>
+              <a:buNone/>
+              <a:defRPr sz="3733" b="0" i="0" u="none" strike="noStrike" cap="none" baseline="0">
+                <a:solidFill>
+                  <a:schemeClr val="dk2"/>
+                </a:solidFill>
+                <a:latin typeface="Arial"/>
+                <a:ea typeface="Arial"/>
+                <a:cs typeface="Arial"/>
+                <a:sym typeface="Arial"/>
+              </a:defRPr>
+            </a:lvl4pPr>
+            <a:lvl5pPr marR="0" algn="l" rtl="0">
+              <a:lnSpc>
+                <a:spcPct val="115000"/>
+              </a:lnSpc>
+              <a:spcBef>
+                <a:spcPts val="0"/>
+              </a:spcBef>
+              <a:spcAft>
+                <a:spcPts val="1600"/>
+              </a:spcAft>
+              <a:buClr>
+                <a:schemeClr val="dk2"/>
+              </a:buClr>
+              <a:buNone/>
+              <a:defRPr sz="3733" b="0" i="0" u="none" strike="noStrike" cap="none" baseline="0">
+                <a:solidFill>
+                  <a:schemeClr val="dk2"/>
+                </a:solidFill>
+                <a:latin typeface="Arial"/>
+                <a:ea typeface="Arial"/>
+                <a:cs typeface="Arial"/>
+                <a:sym typeface="Arial"/>
+              </a:defRPr>
+            </a:lvl5pPr>
+            <a:lvl6pPr marR="0" algn="l" rtl="0">
+              <a:lnSpc>
+                <a:spcPct val="115000"/>
+              </a:lnSpc>
+              <a:spcBef>
+                <a:spcPts val="0"/>
+              </a:spcBef>
+              <a:spcAft>
+                <a:spcPts val="1600"/>
+              </a:spcAft>
+              <a:buClr>
+                <a:schemeClr val="dk2"/>
+              </a:buClr>
+              <a:buNone/>
+              <a:defRPr sz="3733" b="0" i="0" u="none" strike="noStrike" cap="none" baseline="0">
+                <a:solidFill>
+                  <a:schemeClr val="dk2"/>
+                </a:solidFill>
+                <a:latin typeface="Arial"/>
+                <a:ea typeface="Arial"/>
+                <a:cs typeface="Arial"/>
+                <a:sym typeface="Arial"/>
+              </a:defRPr>
+            </a:lvl6pPr>
+            <a:lvl7pPr marR="0" algn="l" rtl="0">
+              <a:lnSpc>
+                <a:spcPct val="115000"/>
+              </a:lnSpc>
+              <a:spcBef>
+                <a:spcPts val="0"/>
+              </a:spcBef>
+              <a:spcAft>
+                <a:spcPts val="1600"/>
+              </a:spcAft>
+              <a:buClr>
+                <a:schemeClr val="dk2"/>
+              </a:buClr>
+              <a:buNone/>
+              <a:defRPr sz="3733" b="0" i="0" u="none" strike="noStrike" cap="none" baseline="0">
+                <a:solidFill>
+                  <a:schemeClr val="dk2"/>
+                </a:solidFill>
+                <a:latin typeface="Arial"/>
+                <a:ea typeface="Arial"/>
+                <a:cs typeface="Arial"/>
+                <a:sym typeface="Arial"/>
+              </a:defRPr>
+            </a:lvl7pPr>
+            <a:lvl8pPr marR="0" algn="l" rtl="0">
+              <a:lnSpc>
+                <a:spcPct val="115000"/>
+              </a:lnSpc>
+              <a:spcBef>
+                <a:spcPts val="0"/>
+              </a:spcBef>
+              <a:spcAft>
+                <a:spcPts val="1600"/>
+              </a:spcAft>
+              <a:buClr>
+                <a:schemeClr val="dk2"/>
+              </a:buClr>
+              <a:buNone/>
+              <a:defRPr sz="3733" b="0" i="0" u="none" strike="noStrike" cap="none" baseline="0">
+                <a:solidFill>
+                  <a:schemeClr val="dk2"/>
+                </a:solidFill>
+                <a:latin typeface="Arial"/>
+                <a:ea typeface="Arial"/>
+                <a:cs typeface="Arial"/>
+                <a:sym typeface="Arial"/>
+              </a:defRPr>
+            </a:lvl8pPr>
+            <a:lvl9pPr marR="0" algn="l" rtl="0">
+              <a:lnSpc>
+                <a:spcPct val="115000"/>
+              </a:lnSpc>
+              <a:spcBef>
+                <a:spcPts val="0"/>
+              </a:spcBef>
+              <a:spcAft>
+                <a:spcPts val="1600"/>
+              </a:spcAft>
+              <a:buClr>
+                <a:schemeClr val="dk2"/>
+              </a:buClr>
+              <a:buNone/>
+              <a:defRPr sz="3733" b="0" i="0" u="none" strike="noStrike" cap="none" baseline="0">
+                <a:solidFill>
+                  <a:schemeClr val="dk2"/>
+                </a:solidFill>
+                <a:latin typeface="Arial"/>
+                <a:ea typeface="Arial"/>
+                <a:cs typeface="Arial"/>
+                <a:sym typeface="Arial"/>
+              </a:defRPr>
+            </a:lvl9pPr>
+          </a:lstStyle>
+          <a:p>
+            <a:pPr algn="ctr"/>
+            <a:r>
+              <a:rPr lang="ru-RU" sz="2400" dirty="0"/>
+              <a:t>© 2020 Иван Потылицын и Вадим Минкин</a:t>
+            </a:r>
+            <a:br>
+              <a:rPr lang="ru-RU" sz="2400" dirty="0"/>
+            </a:br>
+            <a:r>
+              <a:rPr lang="ru-RU" sz="2400" dirty="0"/>
+              <a:t>Кафедра прикладной механики МФТИ</a:t>
+            </a:r>
+            <a:br>
+              <a:rPr lang="ru-RU" sz="2400" dirty="0"/>
+            </a:br>
+            <a:r>
+              <a:rPr lang="ru-RU" sz="2400" dirty="0"/>
+              <a:t>Физтех-школа аэрокосмических технологий</a:t>
+            </a:r>
+          </a:p>
+        </p:txBody>
+      </p:sp>
+    </p:spTree>
+    <p:extLst>
+      <p:ext uri="{BB962C8B-B14F-4D97-AF65-F5344CB8AC3E}">
+        <p14:creationId xmlns:p14="http://schemas.microsoft.com/office/powerpoint/2010/main" val="3929115398"/>
+      </p:ext>
+    </p:extLst>
+  </p:cSld>
+  <p:clrMapOvr>
+    <a:masterClrMapping/>
+  </p:clrMapOvr>
+</p:sld>
+</file>
+
+<file path=ppt/slides/slide24.xml><?xml version="1.0" encoding="utf-8"?>
+<p:sld xmlns:a="http://schemas.openxmlformats.org/drawingml/2006/main" xmlns:r="http://schemas.openxmlformats.org/officeDocument/2006/relationships" xmlns:p="http://schemas.openxmlformats.org/presentationml/2006/main">
+  <p:cSld>
+    <p:bg>
+      <p:bgPr>
+        <a:blipFill dpi="0" rotWithShape="1">
+          <a:blip r:embed="rId2">
+            <a:lum/>
+          </a:blip>
+          <a:srcRect/>
+          <a:stretch>
+            <a:fillRect t="-1000" b="-1000"/>
+          </a:stretch>
+        </a:blipFill>
+        <a:effectLst/>
+      </p:bgPr>
+    </p:bg>
+    <p:spTree>
+      <p:nvGrpSpPr>
+        <p:cNvPr id="1" name=""/>
+        <p:cNvGrpSpPr/>
+        <p:nvPr/>
+      </p:nvGrpSpPr>
+      <p:grpSpPr>
+        <a:xfrm>
+          <a:off x="0" y="0"/>
+          <a:ext cx="0" cy="0"/>
+          <a:chOff x="0" y="0"/>
+          <a:chExt cx="0" cy="0"/>
+        </a:xfrm>
+      </p:grpSpPr>
+      <p:sp>
+        <p:nvSpPr>
+          <p:cNvPr id="2" name="Подзаголовок 1"/>
+          <p:cNvSpPr>
+            <a:spLocks noGrp="1"/>
+          </p:cNvSpPr>
+          <p:nvPr>
+            <p:ph type="subTitle" idx="1"/>
+          </p:nvPr>
+        </p:nvSpPr>
+        <p:spPr>
+          <a:xfrm>
+            <a:off x="843437" y="8204076"/>
+            <a:ext cx="23055913" cy="2686371"/>
+          </a:xfrm>
+        </p:spPr>
+        <p:txBody>
+          <a:bodyPr/>
+          <a:lstStyle/>
+          <a:p>
+            <a:r>
+              <a:rPr lang="ru-RU" dirty="0">
+                <a:solidFill>
+                  <a:schemeClr val="accent4"/>
+                </a:solidFill>
+              </a:rPr>
+              <a:t>Общеинженерная подготовка</a:t>
+            </a:r>
+          </a:p>
+        </p:txBody>
+      </p:sp>
+      <p:sp>
+        <p:nvSpPr>
+          <p:cNvPr id="3" name="Заголовок 2"/>
+          <p:cNvSpPr>
+            <a:spLocks noGrp="1"/>
+          </p:cNvSpPr>
+          <p:nvPr>
+            <p:ph type="ctrTitle"/>
+          </p:nvPr>
+        </p:nvSpPr>
+        <p:spPr/>
+        <p:txBody>
+          <a:bodyPr/>
+          <a:lstStyle/>
+          <a:p>
+            <a:r>
+              <a:rPr lang="ru-RU" sz="8000" dirty="0"/>
+              <a:t>Основы работы с </a:t>
+            </a:r>
+            <a:r>
+              <a:rPr lang="en-US" sz="8000" dirty="0"/>
+              <a:t>Python</a:t>
+            </a:r>
+            <a:br>
+              <a:rPr lang="ru-RU" sz="8000" dirty="0"/>
+            </a:br>
+            <a:r>
+              <a:rPr lang="ru-RU" sz="8000" dirty="0"/>
+              <a:t>часть 2</a:t>
+            </a:r>
+            <a:br>
+              <a:rPr lang="ru-RU" sz="8000" dirty="0"/>
+            </a:br>
+            <a:endParaRPr lang="ru-RU" sz="8000" dirty="0"/>
+          </a:p>
+        </p:txBody>
+      </p:sp>
+      <p:pic>
+        <p:nvPicPr>
+          <p:cNvPr id="9" name="Рисунок 8"/>
+          <p:cNvPicPr>
+            <a:picLocks noChangeAspect="1"/>
+          </p:cNvPicPr>
+          <p:nvPr/>
+        </p:nvPicPr>
+        <p:blipFill>
+          <a:blip r:embed="rId3">
+            <a:extLst>
+              <a:ext uri="{28A0092B-C50C-407E-A947-70E740481C1C}">
+                <a14:useLocalDpi xmlns:a14="http://schemas.microsoft.com/office/drawing/2010/main" val="0"/>
+              </a:ext>
+            </a:extLst>
+          </a:blip>
+          <a:stretch>
+            <a:fillRect/>
+          </a:stretch>
+        </p:blipFill>
+        <p:spPr>
+          <a:xfrm>
+            <a:off x="21228371" y="1027996"/>
+            <a:ext cx="2442110" cy="739512"/>
+          </a:xfrm>
+          <a:prstGeom prst="rect">
+            <a:avLst/>
+          </a:prstGeom>
+        </p:spPr>
+      </p:pic>
+      <p:sp>
+        <p:nvSpPr>
+          <p:cNvPr id="11" name="Текст 4">
+            <a:extLst>
+              <a:ext uri="{FF2B5EF4-FFF2-40B4-BE49-F238E27FC236}">
+                <a16:creationId xmlns:a16="http://schemas.microsoft.com/office/drawing/2014/main" id="{0F7FD6C9-92F9-7240-A4B8-A7EA669E7024}"/>
+              </a:ext>
+            </a:extLst>
+          </p:cNvPr>
+          <p:cNvSpPr txBox="1">
+            <a:spLocks/>
+          </p:cNvSpPr>
+          <p:nvPr/>
+        </p:nvSpPr>
+        <p:spPr>
+          <a:xfrm>
+            <a:off x="6634447" y="11682536"/>
+            <a:ext cx="11473880" cy="1440160"/>
+          </a:xfrm>
+          <a:prstGeom prst="rect">
+            <a:avLst/>
+          </a:prstGeom>
+          <a:noFill/>
+          <a:ln>
+            <a:noFill/>
+          </a:ln>
+        </p:spPr>
+        <p:txBody>
+          <a:bodyPr lIns="91425" tIns="91425" rIns="91425" bIns="91425" anchor="t" anchorCtr="0"/>
+          <a:lstStyle>
+            <a:defPPr marR="0" algn="l" rtl="0">
+              <a:lnSpc>
+                <a:spcPct val="100000"/>
+              </a:lnSpc>
+              <a:spcBef>
+                <a:spcPts val="0"/>
+              </a:spcBef>
+              <a:spcAft>
+                <a:spcPts val="0"/>
+              </a:spcAft>
+            </a:defPPr>
+            <a:lvl1pPr marR="0" algn="l" rtl="0">
+              <a:lnSpc>
+                <a:spcPct val="100000"/>
+              </a:lnSpc>
+              <a:spcBef>
+                <a:spcPts val="0"/>
+              </a:spcBef>
+              <a:spcAft>
+                <a:spcPts val="1600"/>
+              </a:spcAft>
+              <a:buClr>
+                <a:schemeClr val="dk2"/>
+              </a:buClr>
+              <a:buSzPct val="100000"/>
+              <a:buNone/>
+              <a:defRPr sz="3200" b="0" i="0" u="none" strike="noStrike" cap="none" spc="-5" baseline="0" dirty="0">
+                <a:solidFill>
+                  <a:schemeClr val="dk2"/>
+                </a:solidFill>
+                <a:latin typeface="+mn-lt"/>
+                <a:ea typeface="Arial"/>
+                <a:cs typeface="Arial"/>
+                <a:sym typeface="Arial"/>
+              </a:defRPr>
+            </a:lvl1pPr>
+            <a:lvl2pPr marR="0" algn="l" rtl="0">
+              <a:lnSpc>
+                <a:spcPct val="115000"/>
+              </a:lnSpc>
+              <a:spcBef>
+                <a:spcPts val="0"/>
+              </a:spcBef>
+              <a:spcAft>
+                <a:spcPts val="1600"/>
+              </a:spcAft>
+              <a:buClr>
+                <a:schemeClr val="dk2"/>
+              </a:buClr>
+              <a:buNone/>
+              <a:defRPr sz="3733" b="0" i="0" u="none" strike="noStrike" cap="none" baseline="0">
+                <a:solidFill>
+                  <a:schemeClr val="dk2"/>
+                </a:solidFill>
+                <a:latin typeface="Arial"/>
+                <a:ea typeface="Arial"/>
+                <a:cs typeface="Arial"/>
+                <a:sym typeface="Arial"/>
+              </a:defRPr>
+            </a:lvl2pPr>
+            <a:lvl3pPr marR="0" algn="l" rtl="0">
+              <a:lnSpc>
+                <a:spcPct val="115000"/>
+              </a:lnSpc>
+              <a:spcBef>
+                <a:spcPts val="0"/>
+              </a:spcBef>
+              <a:spcAft>
+                <a:spcPts val="1600"/>
+              </a:spcAft>
+              <a:buClr>
+                <a:schemeClr val="dk2"/>
+              </a:buClr>
+              <a:buNone/>
+              <a:defRPr sz="3733" b="0" i="0" u="none" strike="noStrike" cap="none" baseline="0">
+                <a:solidFill>
+                  <a:schemeClr val="dk2"/>
+                </a:solidFill>
+                <a:latin typeface="Arial"/>
+                <a:ea typeface="Arial"/>
+                <a:cs typeface="Arial"/>
+                <a:sym typeface="Arial"/>
+              </a:defRPr>
+            </a:lvl3pPr>
+            <a:lvl4pPr marR="0" algn="l" rtl="0">
+              <a:lnSpc>
+                <a:spcPct val="115000"/>
+              </a:lnSpc>
+              <a:spcBef>
+                <a:spcPts val="0"/>
+              </a:spcBef>
+              <a:spcAft>
+                <a:spcPts val="1600"/>
+              </a:spcAft>
+              <a:buClr>
+                <a:schemeClr val="dk2"/>
+              </a:buClr>
+              <a:buNone/>
+              <a:defRPr sz="3733" b="0" i="0" u="none" strike="noStrike" cap="none" baseline="0">
+                <a:solidFill>
+                  <a:schemeClr val="dk2"/>
+                </a:solidFill>
+                <a:latin typeface="Arial"/>
+                <a:ea typeface="Arial"/>
+                <a:cs typeface="Arial"/>
+                <a:sym typeface="Arial"/>
+              </a:defRPr>
+            </a:lvl4pPr>
+            <a:lvl5pPr marR="0" algn="l" rtl="0">
+              <a:lnSpc>
+                <a:spcPct val="115000"/>
+              </a:lnSpc>
+              <a:spcBef>
+                <a:spcPts val="0"/>
+              </a:spcBef>
+              <a:spcAft>
+                <a:spcPts val="1600"/>
+              </a:spcAft>
+              <a:buClr>
+                <a:schemeClr val="dk2"/>
+              </a:buClr>
+              <a:buNone/>
+              <a:defRPr sz="3733" b="0" i="0" u="none" strike="noStrike" cap="none" baseline="0">
+                <a:solidFill>
+                  <a:schemeClr val="dk2"/>
+                </a:solidFill>
+                <a:latin typeface="Arial"/>
+                <a:ea typeface="Arial"/>
+                <a:cs typeface="Arial"/>
+                <a:sym typeface="Arial"/>
+              </a:defRPr>
+            </a:lvl5pPr>
+            <a:lvl6pPr marR="0" algn="l" rtl="0">
+              <a:lnSpc>
+                <a:spcPct val="115000"/>
+              </a:lnSpc>
+              <a:spcBef>
+                <a:spcPts val="0"/>
+              </a:spcBef>
+              <a:spcAft>
+                <a:spcPts val="1600"/>
+              </a:spcAft>
+              <a:buClr>
+                <a:schemeClr val="dk2"/>
+              </a:buClr>
+              <a:buNone/>
+              <a:defRPr sz="3733" b="0" i="0" u="none" strike="noStrike" cap="none" baseline="0">
+                <a:solidFill>
+                  <a:schemeClr val="dk2"/>
+                </a:solidFill>
+                <a:latin typeface="Arial"/>
+                <a:ea typeface="Arial"/>
+                <a:cs typeface="Arial"/>
+                <a:sym typeface="Arial"/>
+              </a:defRPr>
+            </a:lvl6pPr>
+            <a:lvl7pPr marR="0" algn="l" rtl="0">
+              <a:lnSpc>
+                <a:spcPct val="115000"/>
+              </a:lnSpc>
+              <a:spcBef>
+                <a:spcPts val="0"/>
+              </a:spcBef>
+              <a:spcAft>
+                <a:spcPts val="1600"/>
+              </a:spcAft>
+              <a:buClr>
+                <a:schemeClr val="dk2"/>
+              </a:buClr>
+              <a:buNone/>
+              <a:defRPr sz="3733" b="0" i="0" u="none" strike="noStrike" cap="none" baseline="0">
+                <a:solidFill>
+                  <a:schemeClr val="dk2"/>
+                </a:solidFill>
+                <a:latin typeface="Arial"/>
+                <a:ea typeface="Arial"/>
+                <a:cs typeface="Arial"/>
+                <a:sym typeface="Arial"/>
+              </a:defRPr>
+            </a:lvl7pPr>
+            <a:lvl8pPr marR="0" algn="l" rtl="0">
+              <a:lnSpc>
+                <a:spcPct val="115000"/>
+              </a:lnSpc>
+              <a:spcBef>
+                <a:spcPts val="0"/>
+              </a:spcBef>
+              <a:spcAft>
+                <a:spcPts val="1600"/>
+              </a:spcAft>
+              <a:buClr>
+                <a:schemeClr val="dk2"/>
+              </a:buClr>
+              <a:buNone/>
+              <a:defRPr sz="3733" b="0" i="0" u="none" strike="noStrike" cap="none" baseline="0">
+                <a:solidFill>
+                  <a:schemeClr val="dk2"/>
+                </a:solidFill>
+                <a:latin typeface="Arial"/>
+                <a:ea typeface="Arial"/>
+                <a:cs typeface="Arial"/>
+                <a:sym typeface="Arial"/>
+              </a:defRPr>
+            </a:lvl8pPr>
+            <a:lvl9pPr marR="0" algn="l" rtl="0">
+              <a:lnSpc>
+                <a:spcPct val="115000"/>
+              </a:lnSpc>
+              <a:spcBef>
+                <a:spcPts val="0"/>
+              </a:spcBef>
+              <a:spcAft>
+                <a:spcPts val="1600"/>
+              </a:spcAft>
+              <a:buClr>
+                <a:schemeClr val="dk2"/>
+              </a:buClr>
+              <a:buNone/>
+              <a:defRPr sz="3733" b="0" i="0" u="none" strike="noStrike" cap="none" baseline="0">
+                <a:solidFill>
+                  <a:schemeClr val="dk2"/>
+                </a:solidFill>
+                <a:latin typeface="Arial"/>
+                <a:ea typeface="Arial"/>
+                <a:cs typeface="Arial"/>
+                <a:sym typeface="Arial"/>
+              </a:defRPr>
+            </a:lvl9pPr>
+          </a:lstStyle>
+          <a:p>
+            <a:pPr algn="ctr"/>
+            <a:r>
+              <a:rPr lang="ru-RU" sz="2400" dirty="0"/>
+              <a:t>© 2020 Иван Потылицын и Анастасия </a:t>
+            </a:r>
+            <a:r>
+              <a:rPr lang="ru-RU" sz="2400" dirty="0" err="1"/>
+              <a:t>Мершавка</a:t>
+            </a:r>
+            <a:br>
+              <a:rPr lang="ru-RU" sz="2400" dirty="0"/>
+            </a:br>
+            <a:r>
+              <a:rPr lang="ru-RU" sz="2400" dirty="0"/>
+              <a:t>Кафедра прикладной механики МФТИ</a:t>
+            </a:r>
+            <a:br>
+              <a:rPr lang="ru-RU" sz="2400" dirty="0"/>
+            </a:br>
+            <a:r>
+              <a:rPr lang="ru-RU" sz="2400" dirty="0"/>
+              <a:t>Физтех-школа аэрокосмических технологий</a:t>
+            </a:r>
+          </a:p>
+        </p:txBody>
+      </p:sp>
+    </p:spTree>
+    <p:extLst>
+      <p:ext uri="{BB962C8B-B14F-4D97-AF65-F5344CB8AC3E}">
+        <p14:creationId xmlns:p14="http://schemas.microsoft.com/office/powerpoint/2010/main" val="1493521846"/>
       </p:ext>
     </p:extLst>
   </p:cSld>
